--- a/week11/Pixi spine.pptx
+++ b/week11/Pixi spine.pptx
@@ -5,7 +5,7 @@
     <p:sldMasterId id="2147483648" r:id="rId1"/>
   </p:sldMasterIdLst>
   <p:notesMasterIdLst>
-    <p:notesMasterId r:id="rId15"/>
+    <p:notesMasterId r:id="rId17"/>
   </p:notesMasterIdLst>
   <p:sldIdLst>
     <p:sldId id="328" r:id="rId2"/>
@@ -20,7 +20,9 @@
     <p:sldId id="370" r:id="rId11"/>
     <p:sldId id="364" r:id="rId12"/>
     <p:sldId id="371" r:id="rId13"/>
-    <p:sldId id="372" r:id="rId14"/>
+    <p:sldId id="373" r:id="rId14"/>
+    <p:sldId id="374" r:id="rId15"/>
+    <p:sldId id="372" r:id="rId16"/>
   </p:sldIdLst>
   <p:sldSz cx="9144000" cy="6858000" type="screen4x3"/>
   <p:notesSz cx="6858000" cy="9144000"/>
@@ -220,7 +222,7 @@
           <a:p>
             <a:fld id="{70882C86-C168-49C1-99FE-D02A644628AD}" type="datetimeFigureOut">
               <a:rPr lang="zh-TW" altLang="en-US" smtClean="0"/>
-              <a:t>2019/3/5</a:t>
+              <a:t>2019/3/6</a:t>
             </a:fld>
             <a:endParaRPr lang="zh-TW" altLang="en-US"/>
           </a:p>
@@ -814,6 +816,174 @@
     </p:spTree>
     <p:extLst>
       <p:ext uri="{BB962C8B-B14F-4D97-AF65-F5344CB8AC3E}">
+        <p14:creationId xmlns:p14="http://schemas.microsoft.com/office/powerpoint/2010/main" val="4066347791"/>
+      </p:ext>
+    </p:extLst>
+  </p:cSld>
+  <p:clrMapOvr>
+    <a:masterClrMapping/>
+  </p:clrMapOvr>
+</p:notes>
+</file>
+
+<file path=ppt/notesSlides/notesSlide13.xml><?xml version="1.0" encoding="utf-8"?>
+<p:notes xmlns:a="http://schemas.openxmlformats.org/drawingml/2006/main" xmlns:r="http://schemas.openxmlformats.org/officeDocument/2006/relationships" xmlns:p="http://schemas.openxmlformats.org/presentationml/2006/main">
+  <p:cSld>
+    <p:spTree>
+      <p:nvGrpSpPr>
+        <p:cNvPr id="1" name=""/>
+        <p:cNvGrpSpPr/>
+        <p:nvPr/>
+      </p:nvGrpSpPr>
+      <p:grpSpPr>
+        <a:xfrm>
+          <a:off x="0" y="0"/>
+          <a:ext cx="0" cy="0"/>
+          <a:chOff x="0" y="0"/>
+          <a:chExt cx="0" cy="0"/>
+        </a:xfrm>
+      </p:grpSpPr>
+      <p:sp>
+        <p:nvSpPr>
+          <p:cNvPr id="2" name="投影片圖像版面配置區 1"/>
+          <p:cNvSpPr>
+            <a:spLocks noGrp="1" noRot="1" noChangeAspect="1"/>
+          </p:cNvSpPr>
+          <p:nvPr>
+            <p:ph type="sldImg"/>
+          </p:nvPr>
+        </p:nvSpPr>
+        <p:spPr/>
+      </p:sp>
+      <p:sp>
+        <p:nvSpPr>
+          <p:cNvPr id="3" name="備忘稿版面配置區 2"/>
+          <p:cNvSpPr>
+            <a:spLocks noGrp="1"/>
+          </p:cNvSpPr>
+          <p:nvPr>
+            <p:ph type="body" idx="1"/>
+          </p:nvPr>
+        </p:nvSpPr>
+        <p:spPr/>
+        <p:txBody>
+          <a:bodyPr/>
+          <a:lstStyle/>
+          <a:p>
+            <a:endParaRPr lang="zh-TW" altLang="en-US"/>
+          </a:p>
+        </p:txBody>
+      </p:sp>
+      <p:sp>
+        <p:nvSpPr>
+          <p:cNvPr id="4" name="投影片編號版面配置區 3"/>
+          <p:cNvSpPr>
+            <a:spLocks noGrp="1"/>
+          </p:cNvSpPr>
+          <p:nvPr>
+            <p:ph type="sldNum" sz="quarter" idx="10"/>
+          </p:nvPr>
+        </p:nvSpPr>
+        <p:spPr/>
+        <p:txBody>
+          <a:bodyPr/>
+          <a:lstStyle/>
+          <a:p>
+            <a:fld id="{C88A247A-631C-4796-9D8B-9781BEBF5804}" type="slidenum">
+              <a:rPr lang="zh-TW" altLang="en-US" smtClean="0"/>
+              <a:t>14</a:t>
+            </a:fld>
+            <a:endParaRPr lang="zh-TW" altLang="en-US"/>
+          </a:p>
+        </p:txBody>
+      </p:sp>
+    </p:spTree>
+    <p:extLst>
+      <p:ext uri="{BB962C8B-B14F-4D97-AF65-F5344CB8AC3E}">
+        <p14:creationId xmlns:p14="http://schemas.microsoft.com/office/powerpoint/2010/main" val="538820077"/>
+      </p:ext>
+    </p:extLst>
+  </p:cSld>
+  <p:clrMapOvr>
+    <a:masterClrMapping/>
+  </p:clrMapOvr>
+</p:notes>
+</file>
+
+<file path=ppt/notesSlides/notesSlide14.xml><?xml version="1.0" encoding="utf-8"?>
+<p:notes xmlns:a="http://schemas.openxmlformats.org/drawingml/2006/main" xmlns:r="http://schemas.openxmlformats.org/officeDocument/2006/relationships" xmlns:p="http://schemas.openxmlformats.org/presentationml/2006/main">
+  <p:cSld>
+    <p:spTree>
+      <p:nvGrpSpPr>
+        <p:cNvPr id="1" name=""/>
+        <p:cNvGrpSpPr/>
+        <p:nvPr/>
+      </p:nvGrpSpPr>
+      <p:grpSpPr>
+        <a:xfrm>
+          <a:off x="0" y="0"/>
+          <a:ext cx="0" cy="0"/>
+          <a:chOff x="0" y="0"/>
+          <a:chExt cx="0" cy="0"/>
+        </a:xfrm>
+      </p:grpSpPr>
+      <p:sp>
+        <p:nvSpPr>
+          <p:cNvPr id="2" name="投影片圖像版面配置區 1"/>
+          <p:cNvSpPr>
+            <a:spLocks noGrp="1" noRot="1" noChangeAspect="1"/>
+          </p:cNvSpPr>
+          <p:nvPr>
+            <p:ph type="sldImg"/>
+          </p:nvPr>
+        </p:nvSpPr>
+        <p:spPr/>
+      </p:sp>
+      <p:sp>
+        <p:nvSpPr>
+          <p:cNvPr id="3" name="備忘稿版面配置區 2"/>
+          <p:cNvSpPr>
+            <a:spLocks noGrp="1"/>
+          </p:cNvSpPr>
+          <p:nvPr>
+            <p:ph type="body" idx="1"/>
+          </p:nvPr>
+        </p:nvSpPr>
+        <p:spPr/>
+        <p:txBody>
+          <a:bodyPr/>
+          <a:lstStyle/>
+          <a:p>
+            <a:endParaRPr lang="zh-TW" altLang="en-US"/>
+          </a:p>
+        </p:txBody>
+      </p:sp>
+      <p:sp>
+        <p:nvSpPr>
+          <p:cNvPr id="4" name="投影片編號版面配置區 3"/>
+          <p:cNvSpPr>
+            <a:spLocks noGrp="1"/>
+          </p:cNvSpPr>
+          <p:nvPr>
+            <p:ph type="sldNum" sz="quarter" idx="10"/>
+          </p:nvPr>
+        </p:nvSpPr>
+        <p:spPr/>
+        <p:txBody>
+          <a:bodyPr/>
+          <a:lstStyle/>
+          <a:p>
+            <a:fld id="{C88A247A-631C-4796-9D8B-9781BEBF5804}" type="slidenum">
+              <a:rPr lang="zh-TW" altLang="en-US" smtClean="0"/>
+              <a:t>15</a:t>
+            </a:fld>
+            <a:endParaRPr lang="zh-TW" altLang="en-US"/>
+          </a:p>
+        </p:txBody>
+      </p:sp>
+    </p:spTree>
+    <p:extLst>
+      <p:ext uri="{BB962C8B-B14F-4D97-AF65-F5344CB8AC3E}">
         <p14:creationId xmlns:p14="http://schemas.microsoft.com/office/powerpoint/2010/main" val="3957173157"/>
       </p:ext>
     </p:extLst>
@@ -1677,7 +1847,7 @@
           <a:p>
             <a:fld id="{735A16F5-6607-425B-A8CE-4DF360FC5EF6}" type="datetimeFigureOut">
               <a:rPr lang="zh-TW" altLang="en-US" smtClean="0"/>
-              <a:t>2019/3/5</a:t>
+              <a:t>2019/3/6</a:t>
             </a:fld>
             <a:endParaRPr lang="zh-TW" altLang="en-US"/>
           </a:p>
@@ -1847,7 +2017,7 @@
           <a:p>
             <a:fld id="{735A16F5-6607-425B-A8CE-4DF360FC5EF6}" type="datetimeFigureOut">
               <a:rPr lang="zh-TW" altLang="en-US" smtClean="0"/>
-              <a:t>2019/3/5</a:t>
+              <a:t>2019/3/6</a:t>
             </a:fld>
             <a:endParaRPr lang="zh-TW" altLang="en-US"/>
           </a:p>
@@ -2027,7 +2197,7 @@
           <a:p>
             <a:fld id="{735A16F5-6607-425B-A8CE-4DF360FC5EF6}" type="datetimeFigureOut">
               <a:rPr lang="zh-TW" altLang="en-US" smtClean="0"/>
-              <a:t>2019/3/5</a:t>
+              <a:t>2019/3/6</a:t>
             </a:fld>
             <a:endParaRPr lang="zh-TW" altLang="en-US"/>
           </a:p>
@@ -2197,7 +2367,7 @@
           <a:p>
             <a:fld id="{735A16F5-6607-425B-A8CE-4DF360FC5EF6}" type="datetimeFigureOut">
               <a:rPr lang="zh-TW" altLang="en-US" smtClean="0"/>
-              <a:t>2019/3/5</a:t>
+              <a:t>2019/3/6</a:t>
             </a:fld>
             <a:endParaRPr lang="zh-TW" altLang="en-US"/>
           </a:p>
@@ -2443,7 +2613,7 @@
           <a:p>
             <a:fld id="{735A16F5-6607-425B-A8CE-4DF360FC5EF6}" type="datetimeFigureOut">
               <a:rPr lang="zh-TW" altLang="en-US" smtClean="0"/>
-              <a:t>2019/3/5</a:t>
+              <a:t>2019/3/6</a:t>
             </a:fld>
             <a:endParaRPr lang="zh-TW" altLang="en-US"/>
           </a:p>
@@ -2731,7 +2901,7 @@
           <a:p>
             <a:fld id="{735A16F5-6607-425B-A8CE-4DF360FC5EF6}" type="datetimeFigureOut">
               <a:rPr lang="zh-TW" altLang="en-US" smtClean="0"/>
-              <a:t>2019/3/5</a:t>
+              <a:t>2019/3/6</a:t>
             </a:fld>
             <a:endParaRPr lang="zh-TW" altLang="en-US"/>
           </a:p>
@@ -3153,7 +3323,7 @@
           <a:p>
             <a:fld id="{735A16F5-6607-425B-A8CE-4DF360FC5EF6}" type="datetimeFigureOut">
               <a:rPr lang="zh-TW" altLang="en-US" smtClean="0"/>
-              <a:t>2019/3/5</a:t>
+              <a:t>2019/3/6</a:t>
             </a:fld>
             <a:endParaRPr lang="zh-TW" altLang="en-US"/>
           </a:p>
@@ -3271,7 +3441,7 @@
           <a:p>
             <a:fld id="{735A16F5-6607-425B-A8CE-4DF360FC5EF6}" type="datetimeFigureOut">
               <a:rPr lang="zh-TW" altLang="en-US" smtClean="0"/>
-              <a:t>2019/3/5</a:t>
+              <a:t>2019/3/6</a:t>
             </a:fld>
             <a:endParaRPr lang="zh-TW" altLang="en-US"/>
           </a:p>
@@ -3366,7 +3536,7 @@
           <a:p>
             <a:fld id="{735A16F5-6607-425B-A8CE-4DF360FC5EF6}" type="datetimeFigureOut">
               <a:rPr lang="zh-TW" altLang="en-US" smtClean="0"/>
-              <a:t>2019/3/5</a:t>
+              <a:t>2019/3/6</a:t>
             </a:fld>
             <a:endParaRPr lang="zh-TW" altLang="en-US"/>
           </a:p>
@@ -3643,7 +3813,7 @@
           <a:p>
             <a:fld id="{735A16F5-6607-425B-A8CE-4DF360FC5EF6}" type="datetimeFigureOut">
               <a:rPr lang="zh-TW" altLang="en-US" smtClean="0"/>
-              <a:t>2019/3/5</a:t>
+              <a:t>2019/3/6</a:t>
             </a:fld>
             <a:endParaRPr lang="zh-TW" altLang="en-US"/>
           </a:p>
@@ -3896,7 +4066,7 @@
           <a:p>
             <a:fld id="{735A16F5-6607-425B-A8CE-4DF360FC5EF6}" type="datetimeFigureOut">
               <a:rPr lang="zh-TW" altLang="en-US" smtClean="0"/>
-              <a:t>2019/3/5</a:t>
+              <a:t>2019/3/6</a:t>
             </a:fld>
             <a:endParaRPr lang="zh-TW" altLang="en-US"/>
           </a:p>
@@ -4118,7 +4288,7 @@
           <a:p>
             <a:fld id="{735A16F5-6607-425B-A8CE-4DF360FC5EF6}" type="datetimeFigureOut">
               <a:rPr lang="zh-TW" altLang="en-US" smtClean="0"/>
-              <a:t>2019/3/5</a:t>
+              <a:t>2019/3/6</a:t>
             </a:fld>
             <a:endParaRPr lang="zh-TW" altLang="en-US"/>
           </a:p>
@@ -4601,17 +4771,7 @@
                 <a:latin typeface="微軟正黑體" panose="020B0604030504040204" pitchFamily="34" charset="-120"/>
                 <a:ea typeface="微軟正黑體" panose="020B0604030504040204" pitchFamily="34" charset="-120"/>
               </a:rPr>
-              <a:t> </a:t>
-            </a:r>
-            <a:r>
-              <a:rPr lang="en-US" altLang="zh-TW" sz="1500" smtClean="0">
-                <a:solidFill>
-                  <a:srgbClr val="717071"/>
-                </a:solidFill>
-                <a:latin typeface="微軟正黑體" panose="020B0604030504040204" pitchFamily="34" charset="-120"/>
-                <a:ea typeface="微軟正黑體" panose="020B0604030504040204" pitchFamily="34" charset="-120"/>
-              </a:rPr>
-              <a:t>2019.03.05</a:t>
+              <a:t> 2019.03.05</a:t>
             </a:r>
             <a:endParaRPr lang="zh-TW" altLang="en-US" sz="1500" dirty="0">
               <a:solidFill>
@@ -5021,27 +5181,7 @@
                 <a:latin typeface="微軟正黑體" panose="020B0604030504040204" pitchFamily="34" charset="-120"/>
                 <a:ea typeface="微軟正黑體" panose="020B0604030504040204" pitchFamily="34" charset="-120"/>
               </a:rPr>
-              <a:t>duration </a:t>
-            </a:r>
-            <a:r>
-              <a:rPr lang="en-US" altLang="zh-TW" dirty="0" smtClean="0">
-                <a:solidFill>
-                  <a:schemeClr val="bg1"/>
-                </a:solidFill>
-                <a:latin typeface="微軟正黑體" panose="020B0604030504040204" pitchFamily="34" charset="-120"/>
-                <a:ea typeface="微軟正黑體" panose="020B0604030504040204" pitchFamily="34" charset="-120"/>
-              </a:rPr>
-              <a:t>);</a:t>
-            </a:r>
-            <a:r>
-              <a:rPr lang="en-US" altLang="zh-TW" dirty="0" smtClean="0">
-                <a:solidFill>
-                  <a:schemeClr val="bg1"/>
-                </a:solidFill>
-                <a:latin typeface="微軟正黑體" panose="020B0604030504040204" pitchFamily="34" charset="-120"/>
-                <a:ea typeface="微軟正黑體" panose="020B0604030504040204" pitchFamily="34" charset="-120"/>
-              </a:rPr>
-              <a:t/>
+              <a:t>duration );</a:t>
             </a:r>
             <a:br>
               <a:rPr lang="en-US" altLang="zh-TW" dirty="0" smtClean="0">
@@ -5168,7 +5308,47 @@
                 <a:latin typeface="微軟正黑體" panose="020B0604030504040204" pitchFamily="34" charset="-120"/>
                 <a:ea typeface="微軟正黑體" panose="020B0604030504040204" pitchFamily="34" charset="-120"/>
               </a:rPr>
-              <a:t>：混接時間</a:t>
+              <a:t>：混接</a:t>
+            </a:r>
+            <a:r>
+              <a:rPr lang="zh-TW" altLang="en-US" dirty="0" smtClean="0">
+                <a:solidFill>
+                  <a:schemeClr val="bg1"/>
+                </a:solidFill>
+                <a:latin typeface="微軟正黑體" panose="020B0604030504040204" pitchFamily="34" charset="-120"/>
+                <a:ea typeface="微軟正黑體" panose="020B0604030504040204" pitchFamily="34" charset="-120"/>
+              </a:rPr>
+              <a:t>時間</a:t>
+            </a:r>
+            <a:r>
+              <a:rPr lang="en-US" altLang="zh-TW" dirty="0">
+                <a:solidFill>
+                  <a:schemeClr val="bg1"/>
+                </a:solidFill>
+                <a:latin typeface="微軟正黑體" panose="020B0604030504040204" pitchFamily="34" charset="-120"/>
+                <a:ea typeface="微軟正黑體" panose="020B0604030504040204" pitchFamily="34" charset="-120"/>
+              </a:rPr>
+              <a:t>(</a:t>
+            </a:r>
+            <a:r>
+              <a:rPr lang="zh-TW" altLang="en-US" dirty="0">
+                <a:solidFill>
+                  <a:schemeClr val="bg1"/>
+                </a:solidFill>
+                <a:latin typeface="微軟正黑體" panose="020B0604030504040204" pitchFamily="34" charset="-120"/>
+                <a:ea typeface="微軟正黑體" panose="020B0604030504040204" pitchFamily="34" charset="-120"/>
+              </a:rPr>
+              <a:t>秒</a:t>
+            </a:r>
+            <a:r>
+              <a:rPr lang="en-US" altLang="zh-TW" dirty="0">
+                <a:solidFill>
+                  <a:schemeClr val="bg1"/>
+                </a:solidFill>
+                <a:latin typeface="微軟正黑體" panose="020B0604030504040204" pitchFamily="34" charset="-120"/>
+                <a:ea typeface="微軟正黑體" panose="020B0604030504040204" pitchFamily="34" charset="-120"/>
+              </a:rPr>
+              <a:t>) </a:t>
             </a:r>
             <a:r>
               <a:rPr lang="zh-TW" altLang="en-US" dirty="0" smtClean="0">
@@ -5669,16 +5849,6 @@
               </a:rPr>
               <a:t>);</a:t>
             </a:r>
-            <a:r>
-              <a:rPr lang="en-US" altLang="zh-TW" dirty="0" smtClean="0">
-                <a:solidFill>
-                  <a:schemeClr val="bg1"/>
-                </a:solidFill>
-                <a:latin typeface="微軟正黑體" panose="020B0604030504040204" pitchFamily="34" charset="-120"/>
-                <a:ea typeface="微軟正黑體" panose="020B0604030504040204" pitchFamily="34" charset="-120"/>
-              </a:rPr>
-              <a:t/>
-            </a:r>
             <a:br>
               <a:rPr lang="en-US" altLang="zh-TW" dirty="0" smtClean="0">
                 <a:solidFill>
@@ -5706,17 +5876,7 @@
                 <a:latin typeface="微軟正黑體" panose="020B0604030504040204" pitchFamily="34" charset="-120"/>
                 <a:ea typeface="微軟正黑體" panose="020B0604030504040204" pitchFamily="34" charset="-120"/>
               </a:rPr>
-              <a:t>放</a:t>
-            </a:r>
-            <a:r>
-              <a:rPr lang="zh-TW" altLang="en-US" dirty="0" smtClean="0">
-                <a:solidFill>
-                  <a:schemeClr val="bg1"/>
-                </a:solidFill>
-                <a:latin typeface="微軟正黑體" panose="020B0604030504040204" pitchFamily="34" charset="-120"/>
-                <a:ea typeface="微軟正黑體" panose="020B0604030504040204" pitchFamily="34" charset="-120"/>
-              </a:rPr>
-              <a:t>。</a:t>
+              <a:t>放。</a:t>
             </a:r>
             <a:endParaRPr lang="en-US" altLang="zh-TW" dirty="0" smtClean="0">
               <a:solidFill>
@@ -5753,16 +5913,6 @@
                 <a:ea typeface="微軟正黑體" panose="020B0604030504040204" pitchFamily="34" charset="-120"/>
               </a:rPr>
               <a:t>( x, y );</a:t>
-            </a:r>
-            <a:r>
-              <a:rPr lang="en-US" altLang="zh-TW" dirty="0" smtClean="0">
-                <a:solidFill>
-                  <a:schemeClr val="bg1"/>
-                </a:solidFill>
-                <a:latin typeface="微軟正黑體" panose="020B0604030504040204" pitchFamily="34" charset="-120"/>
-                <a:ea typeface="微軟正黑體" panose="020B0604030504040204" pitchFamily="34" charset="-120"/>
-              </a:rPr>
-              <a:t/>
             </a:r>
             <a:br>
               <a:rPr lang="en-US" altLang="zh-TW" dirty="0" smtClean="0">
@@ -6141,27 +6291,7 @@
                 <a:latin typeface="微軟正黑體" panose="020B0604030504040204" pitchFamily="34" charset="-120"/>
                 <a:ea typeface="微軟正黑體" panose="020B0604030504040204" pitchFamily="34" charset="-120"/>
               </a:rPr>
-              <a:t>spine.skeleton.setToSetupPose(</a:t>
-            </a:r>
-            <a:r>
-              <a:rPr lang="en-US" altLang="zh-TW" dirty="0" smtClean="0">
-                <a:solidFill>
-                  <a:schemeClr val="bg1"/>
-                </a:solidFill>
-                <a:latin typeface="微軟正黑體" panose="020B0604030504040204" pitchFamily="34" charset="-120"/>
-                <a:ea typeface="微軟正黑體" panose="020B0604030504040204" pitchFamily="34" charset="-120"/>
-              </a:rPr>
-              <a:t>);</a:t>
-            </a:r>
-            <a:r>
-              <a:rPr lang="en-US" altLang="zh-TW" dirty="0" smtClean="0">
-                <a:solidFill>
-                  <a:schemeClr val="bg1"/>
-                </a:solidFill>
-                <a:latin typeface="微軟正黑體" panose="020B0604030504040204" pitchFamily="34" charset="-120"/>
-                <a:ea typeface="微軟正黑體" panose="020B0604030504040204" pitchFamily="34" charset="-120"/>
-              </a:rPr>
-              <a:t/>
+              <a:t>spine.skeleton.setToSetupPose();</a:t>
             </a:r>
             <a:br>
               <a:rPr lang="en-US" altLang="zh-TW" dirty="0" smtClean="0">
@@ -7019,6 +7149,1886 @@
           </a:prstGeom>
         </p:spPr>
       </p:pic>
+    </p:spTree>
+    <p:extLst>
+      <p:ext uri="{BB962C8B-B14F-4D97-AF65-F5344CB8AC3E}">
+        <p14:creationId xmlns:p14="http://schemas.microsoft.com/office/powerpoint/2010/main" val="499685653"/>
+      </p:ext>
+    </p:extLst>
+  </p:cSld>
+  <p:clrMapOvr>
+    <a:masterClrMapping/>
+  </p:clrMapOvr>
+  <mc:AlternateContent xmlns:mc="http://schemas.openxmlformats.org/markup-compatibility/2006" xmlns:p14="http://schemas.microsoft.com/office/powerpoint/2010/main">
+    <mc:Choice Requires="p14">
+      <p:transition spd="med" p14:dur="700">
+        <p:fade/>
+      </p:transition>
+    </mc:Choice>
+    <mc:Fallback xmlns="">
+      <p:transition spd="med">
+        <p:fade/>
+      </p:transition>
+    </mc:Fallback>
+  </mc:AlternateContent>
+  <p:timing>
+    <p:tnLst>
+      <p:par>
+        <p:cTn id="1" dur="indefinite" restart="never" nodeType="tmRoot"/>
+      </p:par>
+    </p:tnLst>
+  </p:timing>
+</p:sld>
+</file>
+
+<file path=ppt/slides/slide14.xml><?xml version="1.0" encoding="utf-8"?>
+<p:sld xmlns:a="http://schemas.openxmlformats.org/drawingml/2006/main" xmlns:r="http://schemas.openxmlformats.org/officeDocument/2006/relationships" xmlns:p="http://schemas.openxmlformats.org/presentationml/2006/main">
+  <p:cSld>
+    <p:bg>
+      <p:bgPr>
+        <a:blipFill dpi="0" rotWithShape="1">
+          <a:blip r:embed="rId3">
+            <a:lum/>
+          </a:blip>
+          <a:srcRect/>
+          <a:stretch>
+            <a:fillRect/>
+          </a:stretch>
+        </a:blipFill>
+        <a:effectLst/>
+      </p:bgPr>
+    </p:bg>
+    <p:spTree>
+      <p:nvGrpSpPr>
+        <p:cNvPr id="1" name=""/>
+        <p:cNvGrpSpPr/>
+        <p:nvPr/>
+      </p:nvGrpSpPr>
+      <p:grpSpPr>
+        <a:xfrm>
+          <a:off x="0" y="0"/>
+          <a:ext cx="0" cy="0"/>
+          <a:chOff x="0" y="0"/>
+          <a:chExt cx="0" cy="0"/>
+        </a:xfrm>
+      </p:grpSpPr>
+      <p:sp>
+        <p:nvSpPr>
+          <p:cNvPr id="3" name="文字方塊 2"/>
+          <p:cNvSpPr txBox="1"/>
+          <p:nvPr/>
+        </p:nvSpPr>
+        <p:spPr>
+          <a:xfrm>
+            <a:off x="216000" y="417210"/>
+            <a:ext cx="550151" cy="461665"/>
+          </a:xfrm>
+          <a:prstGeom prst="rect">
+            <a:avLst/>
+          </a:prstGeom>
+          <a:noFill/>
+        </p:spPr>
+        <p:txBody>
+          <a:bodyPr wrap="none" rtlCol="0">
+            <a:spAutoFit/>
+          </a:bodyPr>
+          <a:lstStyle/>
+          <a:p>
+            <a:pPr algn="ctr"/>
+            <a:r>
+              <a:rPr lang="en-US" altLang="zh-TW" sz="2400" b="1" i="1" dirty="0" smtClean="0">
+                <a:latin typeface="微軟正黑體" panose="020B0604030504040204" pitchFamily="34" charset="-120"/>
+                <a:ea typeface="微軟正黑體" panose="020B0604030504040204" pitchFamily="34" charset="-120"/>
+              </a:rPr>
+              <a:t>07</a:t>
+            </a:r>
+            <a:endParaRPr lang="zh-TW" altLang="en-US" sz="2400" b="1" i="1" dirty="0">
+              <a:latin typeface="微軟正黑體" panose="020B0604030504040204" pitchFamily="34" charset="-120"/>
+              <a:ea typeface="微軟正黑體" panose="020B0604030504040204" pitchFamily="34" charset="-120"/>
+            </a:endParaRPr>
+          </a:p>
+        </p:txBody>
+      </p:sp>
+      <p:sp>
+        <p:nvSpPr>
+          <p:cNvPr id="9" name="投影片編號版面配置區 7"/>
+          <p:cNvSpPr txBox="1">
+            <a:spLocks/>
+          </p:cNvSpPr>
+          <p:nvPr/>
+        </p:nvSpPr>
+        <p:spPr>
+          <a:xfrm>
+            <a:off x="8684388" y="6381328"/>
+            <a:ext cx="432048" cy="365125"/>
+          </a:xfrm>
+          <a:prstGeom prst="rect">
+            <a:avLst/>
+          </a:prstGeom>
+        </p:spPr>
+        <p:txBody>
+          <a:bodyPr vert="horz" lIns="91440" tIns="45720" rIns="91440" bIns="45720" rtlCol="0" anchor="ctr"/>
+          <a:lstStyle>
+            <a:defPPr>
+              <a:defRPr lang="zh-TW"/>
+            </a:defPPr>
+            <a:lvl1pPr marL="0" algn="r" defTabSz="914400" rtl="0" eaLnBrk="1" latinLnBrk="0" hangingPunct="1">
+              <a:defRPr sz="1200" kern="1200">
+                <a:solidFill>
+                  <a:schemeClr val="tx1">
+                    <a:tint val="75000"/>
+                  </a:schemeClr>
+                </a:solidFill>
+                <a:latin typeface="+mn-lt"/>
+                <a:ea typeface="+mn-ea"/>
+                <a:cs typeface="+mn-cs"/>
+              </a:defRPr>
+            </a:lvl1pPr>
+            <a:lvl2pPr marL="457200" algn="l" defTabSz="914400" rtl="0" eaLnBrk="1" latinLnBrk="0" hangingPunct="1">
+              <a:defRPr sz="1800" kern="1200">
+                <a:solidFill>
+                  <a:schemeClr val="tx1"/>
+                </a:solidFill>
+                <a:latin typeface="+mn-lt"/>
+                <a:ea typeface="+mn-ea"/>
+                <a:cs typeface="+mn-cs"/>
+              </a:defRPr>
+            </a:lvl2pPr>
+            <a:lvl3pPr marL="914400" algn="l" defTabSz="914400" rtl="0" eaLnBrk="1" latinLnBrk="0" hangingPunct="1">
+              <a:defRPr sz="1800" kern="1200">
+                <a:solidFill>
+                  <a:schemeClr val="tx1"/>
+                </a:solidFill>
+                <a:latin typeface="+mn-lt"/>
+                <a:ea typeface="+mn-ea"/>
+                <a:cs typeface="+mn-cs"/>
+              </a:defRPr>
+            </a:lvl3pPr>
+            <a:lvl4pPr marL="1371600" algn="l" defTabSz="914400" rtl="0" eaLnBrk="1" latinLnBrk="0" hangingPunct="1">
+              <a:defRPr sz="1800" kern="1200">
+                <a:solidFill>
+                  <a:schemeClr val="tx1"/>
+                </a:solidFill>
+                <a:latin typeface="+mn-lt"/>
+                <a:ea typeface="+mn-ea"/>
+                <a:cs typeface="+mn-cs"/>
+              </a:defRPr>
+            </a:lvl4pPr>
+            <a:lvl5pPr marL="1828800" algn="l" defTabSz="914400" rtl="0" eaLnBrk="1" latinLnBrk="0" hangingPunct="1">
+              <a:defRPr sz="1800" kern="1200">
+                <a:solidFill>
+                  <a:schemeClr val="tx1"/>
+                </a:solidFill>
+                <a:latin typeface="+mn-lt"/>
+                <a:ea typeface="+mn-ea"/>
+                <a:cs typeface="+mn-cs"/>
+              </a:defRPr>
+            </a:lvl5pPr>
+            <a:lvl6pPr marL="2286000" algn="l" defTabSz="914400" rtl="0" eaLnBrk="1" latinLnBrk="0" hangingPunct="1">
+              <a:defRPr sz="1800" kern="1200">
+                <a:solidFill>
+                  <a:schemeClr val="tx1"/>
+                </a:solidFill>
+                <a:latin typeface="+mn-lt"/>
+                <a:ea typeface="+mn-ea"/>
+                <a:cs typeface="+mn-cs"/>
+              </a:defRPr>
+            </a:lvl6pPr>
+            <a:lvl7pPr marL="2743200" algn="l" defTabSz="914400" rtl="0" eaLnBrk="1" latinLnBrk="0" hangingPunct="1">
+              <a:defRPr sz="1800" kern="1200">
+                <a:solidFill>
+                  <a:schemeClr val="tx1"/>
+                </a:solidFill>
+                <a:latin typeface="+mn-lt"/>
+                <a:ea typeface="+mn-ea"/>
+                <a:cs typeface="+mn-cs"/>
+              </a:defRPr>
+            </a:lvl7pPr>
+            <a:lvl8pPr marL="3200400" algn="l" defTabSz="914400" rtl="0" eaLnBrk="1" latinLnBrk="0" hangingPunct="1">
+              <a:defRPr sz="1800" kern="1200">
+                <a:solidFill>
+                  <a:schemeClr val="tx1"/>
+                </a:solidFill>
+                <a:latin typeface="+mn-lt"/>
+                <a:ea typeface="+mn-ea"/>
+                <a:cs typeface="+mn-cs"/>
+              </a:defRPr>
+            </a:lvl8pPr>
+            <a:lvl9pPr marL="3657600" algn="l" defTabSz="914400" rtl="0" eaLnBrk="1" latinLnBrk="0" hangingPunct="1">
+              <a:defRPr sz="1800" kern="1200">
+                <a:solidFill>
+                  <a:schemeClr val="tx1"/>
+                </a:solidFill>
+                <a:latin typeface="+mn-lt"/>
+                <a:ea typeface="+mn-ea"/>
+                <a:cs typeface="+mn-cs"/>
+              </a:defRPr>
+            </a:lvl9pPr>
+          </a:lstStyle>
+          <a:p>
+            <a:pPr algn="ctr"/>
+            <a:fld id="{9F135CD2-3DB0-4302-AB2B-700846BC90E2}" type="slidenum">
+              <a:rPr lang="zh-TW" altLang="en-US" sz="1600" b="1" smtClean="0">
+                <a:latin typeface="Arial" panose="020B0604020202020204" pitchFamily="34" charset="0"/>
+                <a:ea typeface="微軟正黑體" panose="020B0604030504040204" pitchFamily="34" charset="-120"/>
+                <a:cs typeface="Arial" panose="020B0604020202020204" pitchFamily="34" charset="0"/>
+              </a:rPr>
+              <a:pPr algn="ctr"/>
+              <a:t>14</a:t>
+            </a:fld>
+            <a:endParaRPr lang="zh-TW" altLang="en-US" sz="1600" b="1" dirty="0">
+              <a:latin typeface="Arial" panose="020B0604020202020204" pitchFamily="34" charset="0"/>
+              <a:ea typeface="微軟正黑體" panose="020B0604030504040204" pitchFamily="34" charset="-120"/>
+              <a:cs typeface="Arial" panose="020B0604020202020204" pitchFamily="34" charset="0"/>
+            </a:endParaRPr>
+          </a:p>
+        </p:txBody>
+      </p:sp>
+      <p:sp>
+        <p:nvSpPr>
+          <p:cNvPr id="10" name="文字方塊 9"/>
+          <p:cNvSpPr txBox="1"/>
+          <p:nvPr/>
+        </p:nvSpPr>
+        <p:spPr>
+          <a:xfrm>
+            <a:off x="813962" y="421214"/>
+            <a:ext cx="992579" cy="415498"/>
+          </a:xfrm>
+          <a:prstGeom prst="rect">
+            <a:avLst/>
+          </a:prstGeom>
+          <a:noFill/>
+        </p:spPr>
+        <p:txBody>
+          <a:bodyPr wrap="none" rtlCol="0">
+            <a:spAutoFit/>
+          </a:bodyPr>
+          <a:lstStyle/>
+          <a:p>
+            <a:r>
+              <a:rPr lang="zh-TW" altLang="en-US" sz="2100" b="1" dirty="0" smtClean="0">
+                <a:solidFill>
+                  <a:srgbClr val="E13763"/>
+                </a:solidFill>
+                <a:latin typeface="微軟正黑體" panose="020B0604030504040204" pitchFamily="34" charset="-120"/>
+                <a:ea typeface="微軟正黑體" panose="020B0604030504040204" pitchFamily="34" charset="-120"/>
+              </a:rPr>
+              <a:t>空動畫</a:t>
+            </a:r>
+            <a:endParaRPr lang="en-US" altLang="zh-TW" sz="2100" b="1" dirty="0" smtClean="0">
+              <a:solidFill>
+                <a:srgbClr val="E13763"/>
+              </a:solidFill>
+              <a:latin typeface="微軟正黑體" panose="020B0604030504040204" pitchFamily="34" charset="-120"/>
+              <a:ea typeface="微軟正黑體" panose="020B0604030504040204" pitchFamily="34" charset="-120"/>
+            </a:endParaRPr>
+          </a:p>
+        </p:txBody>
+      </p:sp>
+      <p:pic>
+        <p:nvPicPr>
+          <p:cNvPr id="4" name="圖片 3"/>
+          <p:cNvPicPr>
+            <a:picLocks noChangeAspect="1"/>
+          </p:cNvPicPr>
+          <p:nvPr/>
+        </p:nvPicPr>
+        <p:blipFill>
+          <a:blip r:embed="rId4"/>
+          <a:stretch>
+            <a:fillRect/>
+          </a:stretch>
+        </p:blipFill>
+        <p:spPr>
+          <a:xfrm>
+            <a:off x="971600" y="1988840"/>
+            <a:ext cx="7258050" cy="704850"/>
+          </a:xfrm>
+          <a:prstGeom prst="rect">
+            <a:avLst/>
+          </a:prstGeom>
+        </p:spPr>
+      </p:pic>
+    </p:spTree>
+    <p:extLst>
+      <p:ext uri="{BB962C8B-B14F-4D97-AF65-F5344CB8AC3E}">
+        <p14:creationId xmlns:p14="http://schemas.microsoft.com/office/powerpoint/2010/main" val="3091597824"/>
+      </p:ext>
+    </p:extLst>
+  </p:cSld>
+  <p:clrMapOvr>
+    <a:masterClrMapping/>
+  </p:clrMapOvr>
+  <mc:AlternateContent xmlns:mc="http://schemas.openxmlformats.org/markup-compatibility/2006" xmlns:p14="http://schemas.microsoft.com/office/powerpoint/2010/main">
+    <mc:Choice Requires="p14">
+      <p:transition spd="med" p14:dur="700">
+        <p:fade/>
+      </p:transition>
+    </mc:Choice>
+    <mc:Fallback xmlns="">
+      <p:transition spd="med">
+        <p:fade/>
+      </p:transition>
+    </mc:Fallback>
+  </mc:AlternateContent>
+  <p:timing>
+    <p:tnLst>
+      <p:par>
+        <p:cTn id="1" dur="indefinite" restart="never" nodeType="tmRoot"/>
+      </p:par>
+    </p:tnLst>
+  </p:timing>
+</p:sld>
+</file>
+
+<file path=ppt/slides/slide15.xml><?xml version="1.0" encoding="utf-8"?>
+<p:sld xmlns:a="http://schemas.openxmlformats.org/drawingml/2006/main" xmlns:r="http://schemas.openxmlformats.org/officeDocument/2006/relationships" xmlns:p="http://schemas.openxmlformats.org/presentationml/2006/main">
+  <p:cSld>
+    <p:bg>
+      <p:bgPr>
+        <a:blipFill dpi="0" rotWithShape="1">
+          <a:blip r:embed="rId3">
+            <a:lum/>
+          </a:blip>
+          <a:srcRect/>
+          <a:stretch>
+            <a:fillRect/>
+          </a:stretch>
+        </a:blipFill>
+        <a:effectLst/>
+      </p:bgPr>
+    </p:bg>
+    <p:spTree>
+      <p:nvGrpSpPr>
+        <p:cNvPr id="1" name=""/>
+        <p:cNvGrpSpPr/>
+        <p:nvPr/>
+      </p:nvGrpSpPr>
+      <p:grpSpPr>
+        <a:xfrm>
+          <a:off x="0" y="0"/>
+          <a:ext cx="0" cy="0"/>
+          <a:chOff x="0" y="0"/>
+          <a:chExt cx="0" cy="0"/>
+        </a:xfrm>
+      </p:grpSpPr>
+      <p:sp>
+        <p:nvSpPr>
+          <p:cNvPr id="3" name="文字方塊 2"/>
+          <p:cNvSpPr txBox="1"/>
+          <p:nvPr/>
+        </p:nvSpPr>
+        <p:spPr>
+          <a:xfrm>
+            <a:off x="216000" y="417210"/>
+            <a:ext cx="550151" cy="461665"/>
+          </a:xfrm>
+          <a:prstGeom prst="rect">
+            <a:avLst/>
+          </a:prstGeom>
+          <a:noFill/>
+        </p:spPr>
+        <p:txBody>
+          <a:bodyPr wrap="none" rtlCol="0">
+            <a:spAutoFit/>
+          </a:bodyPr>
+          <a:lstStyle/>
+          <a:p>
+            <a:pPr algn="ctr"/>
+            <a:r>
+              <a:rPr lang="en-US" altLang="zh-TW" sz="2400" b="1" i="1" dirty="0" smtClean="0">
+                <a:latin typeface="微軟正黑體" panose="020B0604030504040204" pitchFamily="34" charset="-120"/>
+                <a:ea typeface="微軟正黑體" panose="020B0604030504040204" pitchFamily="34" charset="-120"/>
+              </a:rPr>
+              <a:t>07</a:t>
+            </a:r>
+            <a:endParaRPr lang="zh-TW" altLang="en-US" sz="2400" b="1" i="1" dirty="0">
+              <a:latin typeface="微軟正黑體" panose="020B0604030504040204" pitchFamily="34" charset="-120"/>
+              <a:ea typeface="微軟正黑體" panose="020B0604030504040204" pitchFamily="34" charset="-120"/>
+            </a:endParaRPr>
+          </a:p>
+        </p:txBody>
+      </p:sp>
+      <p:sp>
+        <p:nvSpPr>
+          <p:cNvPr id="9" name="投影片編號版面配置區 7"/>
+          <p:cNvSpPr txBox="1">
+            <a:spLocks/>
+          </p:cNvSpPr>
+          <p:nvPr/>
+        </p:nvSpPr>
+        <p:spPr>
+          <a:xfrm>
+            <a:off x="8684388" y="6381328"/>
+            <a:ext cx="432048" cy="365125"/>
+          </a:xfrm>
+          <a:prstGeom prst="rect">
+            <a:avLst/>
+          </a:prstGeom>
+        </p:spPr>
+        <p:txBody>
+          <a:bodyPr vert="horz" lIns="91440" tIns="45720" rIns="91440" bIns="45720" rtlCol="0" anchor="ctr"/>
+          <a:lstStyle>
+            <a:defPPr>
+              <a:defRPr lang="zh-TW"/>
+            </a:defPPr>
+            <a:lvl1pPr marL="0" algn="r" defTabSz="914400" rtl="0" eaLnBrk="1" latinLnBrk="0" hangingPunct="1">
+              <a:defRPr sz="1200" kern="1200">
+                <a:solidFill>
+                  <a:schemeClr val="tx1">
+                    <a:tint val="75000"/>
+                  </a:schemeClr>
+                </a:solidFill>
+                <a:latin typeface="+mn-lt"/>
+                <a:ea typeface="+mn-ea"/>
+                <a:cs typeface="+mn-cs"/>
+              </a:defRPr>
+            </a:lvl1pPr>
+            <a:lvl2pPr marL="457200" algn="l" defTabSz="914400" rtl="0" eaLnBrk="1" latinLnBrk="0" hangingPunct="1">
+              <a:defRPr sz="1800" kern="1200">
+                <a:solidFill>
+                  <a:schemeClr val="tx1"/>
+                </a:solidFill>
+                <a:latin typeface="+mn-lt"/>
+                <a:ea typeface="+mn-ea"/>
+                <a:cs typeface="+mn-cs"/>
+              </a:defRPr>
+            </a:lvl2pPr>
+            <a:lvl3pPr marL="914400" algn="l" defTabSz="914400" rtl="0" eaLnBrk="1" latinLnBrk="0" hangingPunct="1">
+              <a:defRPr sz="1800" kern="1200">
+                <a:solidFill>
+                  <a:schemeClr val="tx1"/>
+                </a:solidFill>
+                <a:latin typeface="+mn-lt"/>
+                <a:ea typeface="+mn-ea"/>
+                <a:cs typeface="+mn-cs"/>
+              </a:defRPr>
+            </a:lvl3pPr>
+            <a:lvl4pPr marL="1371600" algn="l" defTabSz="914400" rtl="0" eaLnBrk="1" latinLnBrk="0" hangingPunct="1">
+              <a:defRPr sz="1800" kern="1200">
+                <a:solidFill>
+                  <a:schemeClr val="tx1"/>
+                </a:solidFill>
+                <a:latin typeface="+mn-lt"/>
+                <a:ea typeface="+mn-ea"/>
+                <a:cs typeface="+mn-cs"/>
+              </a:defRPr>
+            </a:lvl4pPr>
+            <a:lvl5pPr marL="1828800" algn="l" defTabSz="914400" rtl="0" eaLnBrk="1" latinLnBrk="0" hangingPunct="1">
+              <a:defRPr sz="1800" kern="1200">
+                <a:solidFill>
+                  <a:schemeClr val="tx1"/>
+                </a:solidFill>
+                <a:latin typeface="+mn-lt"/>
+                <a:ea typeface="+mn-ea"/>
+                <a:cs typeface="+mn-cs"/>
+              </a:defRPr>
+            </a:lvl5pPr>
+            <a:lvl6pPr marL="2286000" algn="l" defTabSz="914400" rtl="0" eaLnBrk="1" latinLnBrk="0" hangingPunct="1">
+              <a:defRPr sz="1800" kern="1200">
+                <a:solidFill>
+                  <a:schemeClr val="tx1"/>
+                </a:solidFill>
+                <a:latin typeface="+mn-lt"/>
+                <a:ea typeface="+mn-ea"/>
+                <a:cs typeface="+mn-cs"/>
+              </a:defRPr>
+            </a:lvl6pPr>
+            <a:lvl7pPr marL="2743200" algn="l" defTabSz="914400" rtl="0" eaLnBrk="1" latinLnBrk="0" hangingPunct="1">
+              <a:defRPr sz="1800" kern="1200">
+                <a:solidFill>
+                  <a:schemeClr val="tx1"/>
+                </a:solidFill>
+                <a:latin typeface="+mn-lt"/>
+                <a:ea typeface="+mn-ea"/>
+                <a:cs typeface="+mn-cs"/>
+              </a:defRPr>
+            </a:lvl7pPr>
+            <a:lvl8pPr marL="3200400" algn="l" defTabSz="914400" rtl="0" eaLnBrk="1" latinLnBrk="0" hangingPunct="1">
+              <a:defRPr sz="1800" kern="1200">
+                <a:solidFill>
+                  <a:schemeClr val="tx1"/>
+                </a:solidFill>
+                <a:latin typeface="+mn-lt"/>
+                <a:ea typeface="+mn-ea"/>
+                <a:cs typeface="+mn-cs"/>
+              </a:defRPr>
+            </a:lvl8pPr>
+            <a:lvl9pPr marL="3657600" algn="l" defTabSz="914400" rtl="0" eaLnBrk="1" latinLnBrk="0" hangingPunct="1">
+              <a:defRPr sz="1800" kern="1200">
+                <a:solidFill>
+                  <a:schemeClr val="tx1"/>
+                </a:solidFill>
+                <a:latin typeface="+mn-lt"/>
+                <a:ea typeface="+mn-ea"/>
+                <a:cs typeface="+mn-cs"/>
+              </a:defRPr>
+            </a:lvl9pPr>
+          </a:lstStyle>
+          <a:p>
+            <a:pPr algn="ctr"/>
+            <a:fld id="{9F135CD2-3DB0-4302-AB2B-700846BC90E2}" type="slidenum">
+              <a:rPr lang="zh-TW" altLang="en-US" sz="1600" b="1" smtClean="0">
+                <a:latin typeface="Arial" panose="020B0604020202020204" pitchFamily="34" charset="0"/>
+                <a:ea typeface="微軟正黑體" panose="020B0604030504040204" pitchFamily="34" charset="-120"/>
+                <a:cs typeface="Arial" panose="020B0604020202020204" pitchFamily="34" charset="0"/>
+              </a:rPr>
+              <a:pPr algn="ctr"/>
+              <a:t>15</a:t>
+            </a:fld>
+            <a:endParaRPr lang="zh-TW" altLang="en-US" sz="1600" b="1" dirty="0">
+              <a:latin typeface="Arial" panose="020B0604020202020204" pitchFamily="34" charset="0"/>
+              <a:ea typeface="微軟正黑體" panose="020B0604030504040204" pitchFamily="34" charset="-120"/>
+              <a:cs typeface="Arial" panose="020B0604020202020204" pitchFamily="34" charset="0"/>
+            </a:endParaRPr>
+          </a:p>
+        </p:txBody>
+      </p:sp>
+      <p:sp>
+        <p:nvSpPr>
+          <p:cNvPr id="10" name="文字方塊 9"/>
+          <p:cNvSpPr txBox="1"/>
+          <p:nvPr/>
+        </p:nvSpPr>
+        <p:spPr>
+          <a:xfrm>
+            <a:off x="813962" y="421214"/>
+            <a:ext cx="992579" cy="415498"/>
+          </a:xfrm>
+          <a:prstGeom prst="rect">
+            <a:avLst/>
+          </a:prstGeom>
+          <a:noFill/>
+        </p:spPr>
+        <p:txBody>
+          <a:bodyPr wrap="none" rtlCol="0">
+            <a:spAutoFit/>
+          </a:bodyPr>
+          <a:lstStyle/>
+          <a:p>
+            <a:r>
+              <a:rPr lang="zh-TW" altLang="en-US" sz="2100" b="1" dirty="0" smtClean="0">
+                <a:solidFill>
+                  <a:srgbClr val="E13763"/>
+                </a:solidFill>
+                <a:latin typeface="微軟正黑體" panose="020B0604030504040204" pitchFamily="34" charset="-120"/>
+                <a:ea typeface="微軟正黑體" panose="020B0604030504040204" pitchFamily="34" charset="-120"/>
+              </a:rPr>
+              <a:t>空動畫</a:t>
+            </a:r>
+            <a:endParaRPr lang="en-US" altLang="zh-TW" sz="2100" b="1" dirty="0" smtClean="0">
+              <a:solidFill>
+                <a:srgbClr val="E13763"/>
+              </a:solidFill>
+              <a:latin typeface="微軟正黑體" panose="020B0604030504040204" pitchFamily="34" charset="-120"/>
+              <a:ea typeface="微軟正黑體" panose="020B0604030504040204" pitchFamily="34" charset="-120"/>
+            </a:endParaRPr>
+          </a:p>
+        </p:txBody>
+      </p:sp>
+      <p:sp>
+        <p:nvSpPr>
+          <p:cNvPr id="11" name="Rectangle 5"/>
+          <p:cNvSpPr>
+            <a:spLocks noChangeArrowheads="1"/>
+          </p:cNvSpPr>
+          <p:nvPr/>
+        </p:nvSpPr>
+        <p:spPr bwMode="auto">
+          <a:xfrm>
+            <a:off x="395536" y="1556792"/>
+            <a:ext cx="8172400" cy="3871575"/>
+          </a:xfrm>
+          <a:prstGeom prst="rect">
+            <a:avLst/>
+          </a:prstGeom>
+          <a:solidFill>
+            <a:srgbClr val="F0F0F0"/>
+          </a:solidFill>
+          <a:ln>
+            <a:noFill/>
+          </a:ln>
+          <a:effectLst/>
+          <a:extLst>
+            <a:ext uri="{91240B29-F687-4F45-9708-019B960494DF}">
+              <a14:hiddenLine xmlns:a14="http://schemas.microsoft.com/office/drawing/2010/main" w="9525">
+                <a:solidFill>
+                  <a:schemeClr val="tx1"/>
+                </a:solidFill>
+                <a:miter lim="800000"/>
+                <a:headEnd/>
+                <a:tailEnd/>
+              </a14:hiddenLine>
+            </a:ext>
+            <a:ext uri="{AF507438-7753-43E0-B8FC-AC1667EBCBE1}">
+              <a14:hiddenEffects xmlns:a14="http://schemas.microsoft.com/office/drawing/2010/main">
+                <a:effectLst>
+                  <a:outerShdw dist="35921" dir="2700000" algn="ctr" rotWithShape="0">
+                    <a:schemeClr val="bg2"/>
+                  </a:outerShdw>
+                </a:effectLst>
+              </a14:hiddenEffects>
+            </a:ext>
+          </a:extLst>
+        </p:spPr>
+        <p:txBody>
+          <a:bodyPr vert="horz" wrap="square" lIns="0" tIns="0" rIns="0" bIns="-6348" numCol="1" anchor="ctr" anchorCtr="0" compatLnSpc="1">
+            <a:prstTxWarp prst="textNoShape">
+              <a:avLst/>
+            </a:prstTxWarp>
+            <a:spAutoFit/>
+          </a:bodyPr>
+          <a:lstStyle>
+            <a:lvl1pPr eaLnBrk="0" fontAlgn="base" hangingPunct="0">
+              <a:spcBef>
+                <a:spcPct val="0"/>
+              </a:spcBef>
+              <a:spcAft>
+                <a:spcPct val="0"/>
+              </a:spcAft>
+              <a:defRPr>
+                <a:solidFill>
+                  <a:schemeClr val="tx1"/>
+                </a:solidFill>
+                <a:latin typeface="Arial" panose="020B0604020202020204" pitchFamily="34" charset="0"/>
+              </a:defRPr>
+            </a:lvl1pPr>
+            <a:lvl2pPr eaLnBrk="0" fontAlgn="base" hangingPunct="0">
+              <a:spcBef>
+                <a:spcPct val="0"/>
+              </a:spcBef>
+              <a:spcAft>
+                <a:spcPct val="0"/>
+              </a:spcAft>
+              <a:defRPr>
+                <a:solidFill>
+                  <a:schemeClr val="tx1"/>
+                </a:solidFill>
+                <a:latin typeface="Arial" panose="020B0604020202020204" pitchFamily="34" charset="0"/>
+              </a:defRPr>
+            </a:lvl2pPr>
+            <a:lvl3pPr eaLnBrk="0" fontAlgn="base" hangingPunct="0">
+              <a:spcBef>
+                <a:spcPct val="0"/>
+              </a:spcBef>
+              <a:spcAft>
+                <a:spcPct val="0"/>
+              </a:spcAft>
+              <a:defRPr>
+                <a:solidFill>
+                  <a:schemeClr val="tx1"/>
+                </a:solidFill>
+                <a:latin typeface="Arial" panose="020B0604020202020204" pitchFamily="34" charset="0"/>
+              </a:defRPr>
+            </a:lvl3pPr>
+            <a:lvl4pPr eaLnBrk="0" fontAlgn="base" hangingPunct="0">
+              <a:spcBef>
+                <a:spcPct val="0"/>
+              </a:spcBef>
+              <a:spcAft>
+                <a:spcPct val="0"/>
+              </a:spcAft>
+              <a:defRPr>
+                <a:solidFill>
+                  <a:schemeClr val="tx1"/>
+                </a:solidFill>
+                <a:latin typeface="Arial" panose="020B0604020202020204" pitchFamily="34" charset="0"/>
+              </a:defRPr>
+            </a:lvl4pPr>
+            <a:lvl5pPr eaLnBrk="0" fontAlgn="base" hangingPunct="0">
+              <a:spcBef>
+                <a:spcPct val="0"/>
+              </a:spcBef>
+              <a:spcAft>
+                <a:spcPct val="0"/>
+              </a:spcAft>
+              <a:defRPr>
+                <a:solidFill>
+                  <a:schemeClr val="tx1"/>
+                </a:solidFill>
+                <a:latin typeface="Arial" panose="020B0604020202020204" pitchFamily="34" charset="0"/>
+              </a:defRPr>
+            </a:lvl5pPr>
+            <a:lvl6pPr eaLnBrk="0" fontAlgn="base" hangingPunct="0">
+              <a:spcBef>
+                <a:spcPct val="0"/>
+              </a:spcBef>
+              <a:spcAft>
+                <a:spcPct val="0"/>
+              </a:spcAft>
+              <a:defRPr>
+                <a:solidFill>
+                  <a:schemeClr val="tx1"/>
+                </a:solidFill>
+                <a:latin typeface="Arial" panose="020B0604020202020204" pitchFamily="34" charset="0"/>
+              </a:defRPr>
+            </a:lvl6pPr>
+            <a:lvl7pPr eaLnBrk="0" fontAlgn="base" hangingPunct="0">
+              <a:spcBef>
+                <a:spcPct val="0"/>
+              </a:spcBef>
+              <a:spcAft>
+                <a:spcPct val="0"/>
+              </a:spcAft>
+              <a:defRPr>
+                <a:solidFill>
+                  <a:schemeClr val="tx1"/>
+                </a:solidFill>
+                <a:latin typeface="Arial" panose="020B0604020202020204" pitchFamily="34" charset="0"/>
+              </a:defRPr>
+            </a:lvl7pPr>
+            <a:lvl8pPr eaLnBrk="0" fontAlgn="base" hangingPunct="0">
+              <a:spcBef>
+                <a:spcPct val="0"/>
+              </a:spcBef>
+              <a:spcAft>
+                <a:spcPct val="0"/>
+              </a:spcAft>
+              <a:defRPr>
+                <a:solidFill>
+                  <a:schemeClr val="tx1"/>
+                </a:solidFill>
+                <a:latin typeface="Arial" panose="020B0604020202020204" pitchFamily="34" charset="0"/>
+              </a:defRPr>
+            </a:lvl8pPr>
+            <a:lvl9pPr eaLnBrk="0" fontAlgn="base" hangingPunct="0">
+              <a:spcBef>
+                <a:spcPct val="0"/>
+              </a:spcBef>
+              <a:spcAft>
+                <a:spcPct val="0"/>
+              </a:spcAft>
+              <a:defRPr>
+                <a:solidFill>
+                  <a:schemeClr val="tx1"/>
+                </a:solidFill>
+                <a:latin typeface="Arial" panose="020B0604020202020204" pitchFamily="34" charset="0"/>
+              </a:defRPr>
+            </a:lvl9pPr>
+          </a:lstStyle>
+          <a:p>
+            <a:pPr marL="0" marR="0" lvl="0" indent="0" algn="l" defTabSz="914400" rtl="0" eaLnBrk="0" fontAlgn="base" latinLnBrk="0" hangingPunct="0">
+              <a:lnSpc>
+                <a:spcPct val="100000"/>
+              </a:lnSpc>
+              <a:spcBef>
+                <a:spcPct val="0"/>
+              </a:spcBef>
+              <a:spcAft>
+                <a:spcPct val="0"/>
+              </a:spcAft>
+              <a:buClrTx/>
+              <a:buSzTx/>
+              <a:buFontTx/>
+              <a:buNone/>
+              <a:tabLst/>
+            </a:pPr>
+            <a:r>
+              <a:rPr kumimoji="0" lang="zh-TW" altLang="zh-TW" sz="1200" b="0" i="0" u="none" strike="noStrike" cap="none" normalizeH="0" baseline="0" dirty="0" smtClean="0">
+                <a:ln>
+                  <a:noFill/>
+                </a:ln>
+                <a:solidFill>
+                  <a:srgbClr val="1C2022"/>
+                </a:solidFill>
+                <a:effectLst/>
+                <a:latin typeface="Arial" panose="020B0604020202020204" pitchFamily="34" charset="0"/>
+                <a:ea typeface="PT Sans"/>
+              </a:rPr>
+              <a:t>Spine.AnimationState可以触发的事件如下:</a:t>
+            </a:r>
+            <a:endParaRPr kumimoji="0" lang="zh-TW" altLang="zh-TW" sz="600" b="0" i="0" u="none" strike="noStrike" cap="none" normalizeH="0" baseline="0" dirty="0" smtClean="0">
+              <a:ln>
+                <a:noFill/>
+              </a:ln>
+              <a:solidFill>
+                <a:schemeClr val="tx1"/>
+              </a:solidFill>
+              <a:effectLst/>
+              <a:latin typeface="Arial" panose="020B0604020202020204" pitchFamily="34" charset="0"/>
+            </a:endParaRPr>
+          </a:p>
+          <a:p>
+            <a:pPr marL="0" marR="0" lvl="0" indent="0" algn="l" defTabSz="914400" rtl="0" eaLnBrk="0" fontAlgn="base" latinLnBrk="0" hangingPunct="0">
+              <a:lnSpc>
+                <a:spcPct val="100000"/>
+              </a:lnSpc>
+              <a:spcBef>
+                <a:spcPct val="0"/>
+              </a:spcBef>
+              <a:spcAft>
+                <a:spcPct val="0"/>
+              </a:spcAft>
+              <a:buClrTx/>
+              <a:buSzTx/>
+              <a:buFontTx/>
+              <a:buChar char="•"/>
+              <a:tabLst/>
+            </a:pPr>
+            <a:r>
+              <a:rPr kumimoji="0" lang="zh-TW" altLang="zh-TW" sz="1200" b="1" i="0" u="none" strike="noStrike" cap="none" normalizeH="0" baseline="0" dirty="0" smtClean="0">
+                <a:ln>
+                  <a:noFill/>
+                </a:ln>
+                <a:solidFill>
+                  <a:srgbClr val="1C2022"/>
+                </a:solidFill>
+                <a:effectLst/>
+                <a:latin typeface="Arial" panose="020B0604020202020204" pitchFamily="34" charset="0"/>
+                <a:ea typeface="PT Sans"/>
+              </a:rPr>
+              <a:t>Start</a:t>
+            </a:r>
+            <a:r>
+              <a:rPr kumimoji="0" lang="zh-TW" altLang="zh-TW" sz="1200" b="0" i="0" u="none" strike="noStrike" cap="none" normalizeH="0" baseline="0" dirty="0" smtClean="0">
+                <a:ln>
+                  <a:noFill/>
+                </a:ln>
+                <a:solidFill>
+                  <a:srgbClr val="1C2022"/>
+                </a:solidFill>
+                <a:effectLst/>
+                <a:latin typeface="Arial" panose="020B0604020202020204" pitchFamily="34" charset="0"/>
+                <a:ea typeface="PT Sans"/>
+              </a:rPr>
+              <a:t> 当动画开始播放时触发。</a:t>
+            </a:r>
+          </a:p>
+          <a:p>
+            <a:pPr marL="457200" marR="0" lvl="1" indent="0" algn="l" defTabSz="914400" rtl="0" eaLnBrk="0" fontAlgn="base" latinLnBrk="0" hangingPunct="0">
+              <a:lnSpc>
+                <a:spcPct val="100000"/>
+              </a:lnSpc>
+              <a:spcBef>
+                <a:spcPct val="0"/>
+              </a:spcBef>
+              <a:spcAft>
+                <a:spcPct val="0"/>
+              </a:spcAft>
+              <a:buClrTx/>
+              <a:buSzTx/>
+              <a:buFontTx/>
+              <a:buChar char="•"/>
+              <a:tabLst/>
+            </a:pPr>
+            <a:r>
+              <a:rPr kumimoji="0" lang="zh-TW" altLang="zh-TW" sz="1200" b="0" i="0" u="none" strike="noStrike" cap="none" normalizeH="0" baseline="0" dirty="0" smtClean="0">
+                <a:ln>
+                  <a:noFill/>
+                </a:ln>
+                <a:solidFill>
+                  <a:srgbClr val="1C2022"/>
+                </a:solidFill>
+                <a:effectLst/>
+                <a:latin typeface="Arial" panose="020B0604020202020204" pitchFamily="34" charset="0"/>
+                <a:ea typeface="PT Sans"/>
+              </a:rPr>
+              <a:t>当调用</a:t>
+            </a:r>
+            <a:r>
+              <a:rPr kumimoji="0" lang="zh-TW" altLang="zh-TW" sz="1000" b="0" i="0" u="none" strike="noStrike" cap="none" normalizeH="0" baseline="0" dirty="0" smtClean="0">
+                <a:ln>
+                  <a:noFill/>
+                </a:ln>
+                <a:solidFill>
+                  <a:srgbClr val="1C2022"/>
+                </a:solidFill>
+                <a:effectLst/>
+                <a:latin typeface="Consolas" panose="020B0609020204030204" pitchFamily="49" charset="0"/>
+                <a:ea typeface="PT Sans"/>
+              </a:rPr>
+              <a:t>SetAnimation</a:t>
+            </a:r>
+            <a:r>
+              <a:rPr kumimoji="0" lang="zh-TW" altLang="zh-TW" sz="1200" b="0" i="0" u="none" strike="noStrike" cap="none" normalizeH="0" baseline="0" dirty="0" smtClean="0">
+                <a:ln>
+                  <a:noFill/>
+                </a:ln>
+                <a:solidFill>
+                  <a:srgbClr val="1C2022"/>
+                </a:solidFill>
+                <a:effectLst/>
+                <a:ea typeface="PT Sans"/>
+              </a:rPr>
+              <a:t>应用成功时触发。</a:t>
+            </a:r>
+            <a:endParaRPr kumimoji="0" lang="zh-TW" altLang="zh-TW" sz="1200" b="0" i="0" u="none" strike="noStrike" cap="none" normalizeH="0" baseline="0" dirty="0" smtClean="0">
+              <a:ln>
+                <a:noFill/>
+              </a:ln>
+              <a:solidFill>
+                <a:srgbClr val="1C2022"/>
+              </a:solidFill>
+              <a:effectLst/>
+              <a:latin typeface="Arial" panose="020B0604020202020204" pitchFamily="34" charset="0"/>
+              <a:ea typeface="PT Sans"/>
+            </a:endParaRPr>
+          </a:p>
+          <a:p>
+            <a:pPr marL="457200" marR="0" lvl="1" indent="0" algn="l" defTabSz="914400" rtl="0" eaLnBrk="0" fontAlgn="base" latinLnBrk="0" hangingPunct="0">
+              <a:lnSpc>
+                <a:spcPct val="100000"/>
+              </a:lnSpc>
+              <a:spcBef>
+                <a:spcPct val="0"/>
+              </a:spcBef>
+              <a:spcAft>
+                <a:spcPct val="0"/>
+              </a:spcAft>
+              <a:buClrTx/>
+              <a:buSzTx/>
+              <a:buFontTx/>
+              <a:buChar char="•"/>
+              <a:tabLst/>
+            </a:pPr>
+            <a:r>
+              <a:rPr kumimoji="0" lang="zh-TW" altLang="zh-TW" sz="1200" b="0" i="0" u="none" strike="noStrike" cap="none" normalizeH="0" baseline="0" dirty="0" smtClean="0">
+                <a:ln>
+                  <a:noFill/>
+                </a:ln>
+                <a:solidFill>
+                  <a:srgbClr val="1C2022"/>
+                </a:solidFill>
+                <a:effectLst/>
+                <a:latin typeface="Arial" panose="020B0604020202020204" pitchFamily="34" charset="0"/>
+                <a:ea typeface="PT Sans"/>
+              </a:rPr>
+              <a:t>我也可以在一个队列动画开始播放时触发。</a:t>
+            </a:r>
+          </a:p>
+          <a:p>
+            <a:pPr marL="0" marR="0" lvl="0" indent="0" algn="l" defTabSz="914400" rtl="0" eaLnBrk="0" fontAlgn="base" latinLnBrk="0" hangingPunct="0">
+              <a:lnSpc>
+                <a:spcPct val="100000"/>
+              </a:lnSpc>
+              <a:spcBef>
+                <a:spcPct val="0"/>
+              </a:spcBef>
+              <a:spcAft>
+                <a:spcPct val="0"/>
+              </a:spcAft>
+              <a:buClrTx/>
+              <a:buSzTx/>
+              <a:buFontTx/>
+              <a:buChar char="•"/>
+              <a:tabLst/>
+            </a:pPr>
+            <a:r>
+              <a:rPr kumimoji="0" lang="zh-TW" altLang="zh-TW" sz="1200" b="1" i="0" u="none" strike="noStrike" cap="none" normalizeH="0" baseline="0" dirty="0" smtClean="0">
+                <a:ln>
+                  <a:noFill/>
+                </a:ln>
+                <a:solidFill>
+                  <a:srgbClr val="1C2022"/>
+                </a:solidFill>
+                <a:effectLst/>
+                <a:latin typeface="Arial" panose="020B0604020202020204" pitchFamily="34" charset="0"/>
+                <a:ea typeface="PT Sans"/>
+              </a:rPr>
+              <a:t>End</a:t>
+            </a:r>
+            <a:r>
+              <a:rPr kumimoji="0" lang="zh-TW" altLang="zh-TW" sz="1200" b="0" i="0" u="none" strike="noStrike" cap="none" normalizeH="0" baseline="0" dirty="0" smtClean="0">
+                <a:ln>
+                  <a:noFill/>
+                </a:ln>
+                <a:solidFill>
+                  <a:srgbClr val="1C2022"/>
+                </a:solidFill>
+                <a:effectLst/>
+                <a:latin typeface="Arial" panose="020B0604020202020204" pitchFamily="34" charset="0"/>
+                <a:ea typeface="PT Sans"/>
+              </a:rPr>
+              <a:t> 当动画被清除(或中断)时触发:</a:t>
+            </a:r>
+          </a:p>
+          <a:p>
+            <a:pPr marL="457200" marR="0" lvl="1" indent="0" algn="l" defTabSz="914400" rtl="0" eaLnBrk="0" fontAlgn="base" latinLnBrk="0" hangingPunct="0">
+              <a:lnSpc>
+                <a:spcPct val="100000"/>
+              </a:lnSpc>
+              <a:spcBef>
+                <a:spcPct val="0"/>
+              </a:spcBef>
+              <a:spcAft>
+                <a:spcPct val="0"/>
+              </a:spcAft>
+              <a:buClrTx/>
+              <a:buSzTx/>
+              <a:buFontTx/>
+              <a:buChar char="•"/>
+              <a:tabLst/>
+            </a:pPr>
+            <a:r>
+              <a:rPr kumimoji="0" lang="zh-TW" altLang="zh-TW" sz="1200" b="0" i="0" u="none" strike="noStrike" cap="none" normalizeH="0" baseline="0" dirty="0" smtClean="0">
+                <a:ln>
+                  <a:noFill/>
+                </a:ln>
+                <a:solidFill>
+                  <a:srgbClr val="1C2022"/>
+                </a:solidFill>
+                <a:effectLst/>
+                <a:latin typeface="Arial" panose="020B0604020202020204" pitchFamily="34" charset="0"/>
+                <a:ea typeface="PT Sans"/>
+              </a:rPr>
+              <a:t>这适用于，当前动画快要完成时，你可以调用</a:t>
+            </a:r>
+            <a:r>
+              <a:rPr kumimoji="0" lang="zh-TW" altLang="zh-TW" sz="1000" b="0" i="0" u="none" strike="noStrike" cap="none" normalizeH="0" baseline="0" dirty="0" smtClean="0">
+                <a:ln>
+                  <a:noFill/>
+                </a:ln>
+                <a:solidFill>
+                  <a:srgbClr val="1C2022"/>
+                </a:solidFill>
+                <a:effectLst/>
+                <a:latin typeface="Consolas" panose="020B0609020204030204" pitchFamily="49" charset="0"/>
+                <a:ea typeface="PT Sans"/>
+              </a:rPr>
+              <a:t>SetAnimation</a:t>
+            </a:r>
+            <a:r>
+              <a:rPr kumimoji="0" lang="zh-TW" altLang="zh-TW" sz="1200" b="0" i="0" u="none" strike="noStrike" cap="none" normalizeH="0" baseline="0" dirty="0" smtClean="0">
+                <a:ln>
+                  <a:noFill/>
+                </a:ln>
+                <a:solidFill>
+                  <a:srgbClr val="1C2022"/>
+                </a:solidFill>
+                <a:effectLst/>
+                <a:ea typeface="PT Sans"/>
+              </a:rPr>
+              <a:t>去打断它。</a:t>
+            </a:r>
+            <a:endParaRPr kumimoji="0" lang="zh-TW" altLang="zh-TW" sz="1200" b="0" i="0" u="none" strike="noStrike" cap="none" normalizeH="0" baseline="0" dirty="0" smtClean="0">
+              <a:ln>
+                <a:noFill/>
+              </a:ln>
+              <a:solidFill>
+                <a:srgbClr val="1C2022"/>
+              </a:solidFill>
+              <a:effectLst/>
+              <a:latin typeface="Arial" panose="020B0604020202020204" pitchFamily="34" charset="0"/>
+              <a:ea typeface="PT Sans"/>
+            </a:endParaRPr>
+          </a:p>
+          <a:p>
+            <a:pPr marL="457200" marR="0" lvl="1" indent="0" algn="l" defTabSz="914400" rtl="0" eaLnBrk="0" fontAlgn="base" latinLnBrk="0" hangingPunct="0">
+              <a:lnSpc>
+                <a:spcPct val="100000"/>
+              </a:lnSpc>
+              <a:spcBef>
+                <a:spcPct val="0"/>
+              </a:spcBef>
+              <a:spcAft>
+                <a:spcPct val="0"/>
+              </a:spcAft>
+              <a:buClrTx/>
+              <a:buSzTx/>
+              <a:buFontTx/>
+              <a:buChar char="•"/>
+              <a:tabLst/>
+            </a:pPr>
+            <a:r>
+              <a:rPr kumimoji="0" lang="zh-TW" altLang="zh-TW" sz="1200" b="0" i="0" u="none" strike="noStrike" cap="none" normalizeH="0" baseline="0" dirty="0" smtClean="0">
+                <a:ln>
+                  <a:noFill/>
+                </a:ln>
+                <a:solidFill>
+                  <a:srgbClr val="1C2022"/>
+                </a:solidFill>
+                <a:effectLst/>
+                <a:latin typeface="Arial" panose="020B0604020202020204" pitchFamily="34" charset="0"/>
+                <a:ea typeface="PT Sans"/>
+              </a:rPr>
+              <a:t>当你使用</a:t>
+            </a:r>
+            <a:r>
+              <a:rPr kumimoji="0" lang="zh-TW" altLang="zh-TW" sz="1000" b="0" i="0" u="none" strike="noStrike" cap="none" normalizeH="0" baseline="0" dirty="0" smtClean="0">
+                <a:ln>
+                  <a:noFill/>
+                </a:ln>
+                <a:solidFill>
+                  <a:srgbClr val="1C2022"/>
+                </a:solidFill>
+                <a:effectLst/>
+                <a:latin typeface="Consolas" panose="020B0609020204030204" pitchFamily="49" charset="0"/>
+                <a:ea typeface="PT Sans"/>
+              </a:rPr>
+              <a:t>ClearTrack</a:t>
+            </a:r>
+            <a:r>
+              <a:rPr kumimoji="0" lang="zh-TW" altLang="zh-TW" sz="1200" b="0" i="0" u="none" strike="noStrike" cap="none" normalizeH="0" baseline="0" dirty="0" smtClean="0">
+                <a:ln>
+                  <a:noFill/>
+                </a:ln>
+                <a:solidFill>
+                  <a:srgbClr val="1C2022"/>
+                </a:solidFill>
+                <a:effectLst/>
+                <a:ea typeface="PT Sans"/>
+              </a:rPr>
+              <a:t>或</a:t>
+            </a:r>
+            <a:r>
+              <a:rPr kumimoji="0" lang="zh-TW" altLang="zh-TW" sz="1000" b="0" i="0" u="none" strike="noStrike" cap="none" normalizeH="0" baseline="0" dirty="0" smtClean="0">
+                <a:ln>
+                  <a:noFill/>
+                </a:ln>
+                <a:solidFill>
+                  <a:srgbClr val="1C2022"/>
+                </a:solidFill>
+                <a:effectLst/>
+                <a:latin typeface="Consolas" panose="020B0609020204030204" pitchFamily="49" charset="0"/>
+                <a:ea typeface="PT Sans"/>
+              </a:rPr>
+              <a:t>ClearTracks</a:t>
+            </a:r>
+            <a:r>
+              <a:rPr kumimoji="0" lang="zh-TW" altLang="zh-TW" sz="1200" b="0" i="0" u="none" strike="noStrike" cap="none" normalizeH="0" baseline="0" dirty="0" smtClean="0">
+                <a:ln>
+                  <a:noFill/>
+                </a:ln>
+                <a:solidFill>
+                  <a:srgbClr val="1C2022"/>
+                </a:solidFill>
+                <a:effectLst/>
+                <a:ea typeface="PT Sans"/>
+              </a:rPr>
+              <a:t>清理Track时也会被触发。</a:t>
+            </a:r>
+            <a:endParaRPr kumimoji="0" lang="zh-TW" altLang="zh-TW" sz="1200" b="0" i="0" u="none" strike="noStrike" cap="none" normalizeH="0" baseline="0" dirty="0" smtClean="0">
+              <a:ln>
+                <a:noFill/>
+              </a:ln>
+              <a:solidFill>
+                <a:srgbClr val="1C2022"/>
+              </a:solidFill>
+              <a:effectLst/>
+              <a:latin typeface="Arial" panose="020B0604020202020204" pitchFamily="34" charset="0"/>
+              <a:ea typeface="PT Sans"/>
+            </a:endParaRPr>
+          </a:p>
+          <a:p>
+            <a:pPr marL="457200" marR="0" lvl="1" indent="0" algn="l" defTabSz="914400" rtl="0" eaLnBrk="0" fontAlgn="base" latinLnBrk="0" hangingPunct="0">
+              <a:lnSpc>
+                <a:spcPct val="100000"/>
+              </a:lnSpc>
+              <a:spcBef>
+                <a:spcPct val="0"/>
+              </a:spcBef>
+              <a:spcAft>
+                <a:spcPct val="0"/>
+              </a:spcAft>
+              <a:buClrTx/>
+              <a:buSzTx/>
+              <a:buFontTx/>
+              <a:buChar char="•"/>
+              <a:tabLst/>
+            </a:pPr>
+            <a:r>
+              <a:rPr kumimoji="0" lang="zh-TW" altLang="zh-TW" sz="1200" b="0" i="0" u="none" strike="noStrike" cap="none" normalizeH="0" baseline="0" dirty="0" smtClean="0">
+                <a:ln>
+                  <a:noFill/>
+                </a:ln>
+                <a:solidFill>
+                  <a:srgbClr val="1C2022"/>
+                </a:solidFill>
+                <a:effectLst/>
+                <a:latin typeface="Arial" panose="020B0604020202020204" pitchFamily="34" charset="0"/>
+                <a:ea typeface="PT Sans"/>
+              </a:rPr>
+              <a:t>(3.0) 在混合/淡入淡出期间，在混合完成时End将触发。</a:t>
+            </a:r>
+          </a:p>
+          <a:p>
+            <a:pPr marL="457200" marR="0" lvl="1" indent="0" algn="l" defTabSz="914400" rtl="0" eaLnBrk="0" fontAlgn="base" latinLnBrk="0" hangingPunct="0">
+              <a:lnSpc>
+                <a:spcPct val="100000"/>
+              </a:lnSpc>
+              <a:spcBef>
+                <a:spcPct val="0"/>
+              </a:spcBef>
+              <a:spcAft>
+                <a:spcPct val="0"/>
+              </a:spcAft>
+              <a:buClrTx/>
+              <a:buSzTx/>
+              <a:buFontTx/>
+              <a:buChar char="•"/>
+              <a:tabLst/>
+            </a:pPr>
+            <a:r>
+              <a:rPr kumimoji="0" lang="zh-TW" altLang="zh-TW" sz="1200" b="1" i="0" u="none" strike="noStrike" cap="none" normalizeH="0" baseline="0" dirty="0" smtClean="0">
+                <a:ln>
+                  <a:noFill/>
+                </a:ln>
+                <a:solidFill>
+                  <a:srgbClr val="1C2022"/>
+                </a:solidFill>
+                <a:effectLst/>
+                <a:latin typeface="Arial" panose="020B0604020202020204" pitchFamily="34" charset="0"/>
+                <a:ea typeface="PT Sans"/>
+              </a:rPr>
+              <a:t>永远不要</a:t>
+            </a:r>
+            <a:r>
+              <a:rPr kumimoji="0" lang="zh-TW" altLang="zh-TW" sz="1200" b="0" i="0" u="none" strike="noStrike" cap="none" normalizeH="0" baseline="0" dirty="0" smtClean="0">
+                <a:ln>
+                  <a:noFill/>
+                </a:ln>
+                <a:solidFill>
+                  <a:srgbClr val="1C2022"/>
+                </a:solidFill>
+                <a:effectLst/>
+                <a:latin typeface="Arial" panose="020B0604020202020204" pitchFamily="34" charset="0"/>
+                <a:ea typeface="PT Sans"/>
+              </a:rPr>
+              <a:t>在End事件中调用</a:t>
+            </a:r>
+            <a:r>
+              <a:rPr kumimoji="0" lang="zh-TW" altLang="zh-TW" sz="1000" b="0" i="0" u="none" strike="noStrike" cap="none" normalizeH="0" baseline="0" dirty="0" smtClean="0">
+                <a:ln>
+                  <a:noFill/>
+                </a:ln>
+                <a:solidFill>
+                  <a:srgbClr val="1C2022"/>
+                </a:solidFill>
+                <a:effectLst/>
+                <a:latin typeface="Consolas" panose="020B0609020204030204" pitchFamily="49" charset="0"/>
+                <a:ea typeface="PT Sans"/>
+              </a:rPr>
+              <a:t>SetAnimation</a:t>
+            </a:r>
+            <a:r>
+              <a:rPr kumimoji="0" lang="zh-TW" altLang="zh-TW" sz="1200" b="0" i="0" u="none" strike="noStrike" cap="none" normalizeH="0" baseline="0" dirty="0" smtClean="0">
+                <a:ln>
+                  <a:noFill/>
+                </a:ln>
+                <a:solidFill>
+                  <a:srgbClr val="1C2022"/>
+                </a:solidFill>
+                <a:effectLst/>
+                <a:ea typeface="PT Sans"/>
+              </a:rPr>
+              <a:t>。请看下面的警告。</a:t>
+            </a:r>
+            <a:endParaRPr kumimoji="0" lang="zh-TW" altLang="zh-TW" sz="1200" b="0" i="0" u="none" strike="noStrike" cap="none" normalizeH="0" baseline="0" dirty="0" smtClean="0">
+              <a:ln>
+                <a:noFill/>
+              </a:ln>
+              <a:solidFill>
+                <a:srgbClr val="1C2022"/>
+              </a:solidFill>
+              <a:effectLst/>
+              <a:latin typeface="Arial" panose="020B0604020202020204" pitchFamily="34" charset="0"/>
+              <a:ea typeface="PT Sans"/>
+            </a:endParaRPr>
+          </a:p>
+          <a:p>
+            <a:pPr marL="0" marR="0" lvl="0" indent="0" algn="l" defTabSz="914400" rtl="0" eaLnBrk="0" fontAlgn="base" latinLnBrk="0" hangingPunct="0">
+              <a:lnSpc>
+                <a:spcPct val="100000"/>
+              </a:lnSpc>
+              <a:spcBef>
+                <a:spcPct val="0"/>
+              </a:spcBef>
+              <a:spcAft>
+                <a:spcPct val="0"/>
+              </a:spcAft>
+              <a:buClrTx/>
+              <a:buSzTx/>
+              <a:buFontTx/>
+              <a:buChar char="•"/>
+              <a:tabLst/>
+            </a:pPr>
+            <a:r>
+              <a:rPr kumimoji="0" lang="zh-TW" altLang="zh-TW" sz="1200" b="1" i="0" u="none" strike="noStrike" cap="none" normalizeH="0" baseline="0" dirty="0" smtClean="0">
+                <a:ln>
+                  <a:noFill/>
+                </a:ln>
+                <a:solidFill>
+                  <a:srgbClr val="1C2022"/>
+                </a:solidFill>
+                <a:effectLst/>
+                <a:latin typeface="Arial" panose="020B0604020202020204" pitchFamily="34" charset="0"/>
+                <a:ea typeface="PT Sans"/>
+              </a:rPr>
+              <a:t>Interrupt</a:t>
+            </a:r>
+            <a:r>
+              <a:rPr kumimoji="0" lang="zh-TW" altLang="zh-TW" sz="1200" b="0" i="0" u="none" strike="noStrike" cap="none" normalizeH="0" baseline="0" dirty="0" smtClean="0">
+                <a:ln>
+                  <a:noFill/>
+                </a:ln>
+                <a:solidFill>
+                  <a:srgbClr val="1C2022"/>
+                </a:solidFill>
+                <a:effectLst/>
+                <a:latin typeface="Arial" panose="020B0604020202020204" pitchFamily="34" charset="0"/>
+                <a:ea typeface="PT Sans"/>
+              </a:rPr>
+              <a:t> (3.0) 当新的动画被设置并且当前有一个动画还在播放时触发。</a:t>
+            </a:r>
+          </a:p>
+          <a:p>
+            <a:pPr marL="457200" marR="0" lvl="1" indent="0" algn="l" defTabSz="914400" rtl="0" eaLnBrk="0" fontAlgn="base" latinLnBrk="0" hangingPunct="0">
+              <a:lnSpc>
+                <a:spcPct val="100000"/>
+              </a:lnSpc>
+              <a:spcBef>
+                <a:spcPct val="0"/>
+              </a:spcBef>
+              <a:spcAft>
+                <a:spcPct val="0"/>
+              </a:spcAft>
+              <a:buClrTx/>
+              <a:buSzTx/>
+              <a:buFontTx/>
+              <a:buChar char="•"/>
+              <a:tabLst/>
+            </a:pPr>
+            <a:r>
+              <a:rPr kumimoji="0" lang="zh-TW" altLang="zh-TW" sz="1200" b="0" i="0" u="none" strike="noStrike" cap="none" normalizeH="0" baseline="0" dirty="0" smtClean="0">
+                <a:ln>
+                  <a:noFill/>
+                </a:ln>
+                <a:solidFill>
+                  <a:srgbClr val="1C2022"/>
+                </a:solidFill>
+                <a:effectLst/>
+                <a:latin typeface="Arial" panose="020B0604020202020204" pitchFamily="34" charset="0"/>
+                <a:ea typeface="PT Sans"/>
+              </a:rPr>
+              <a:t>当一个动画开始混合/淡入淡出到另一个动画时触发。</a:t>
+            </a:r>
+          </a:p>
+          <a:p>
+            <a:pPr marL="0" marR="0" lvl="0" indent="0" algn="l" defTabSz="914400" rtl="0" eaLnBrk="0" fontAlgn="base" latinLnBrk="0" hangingPunct="0">
+              <a:lnSpc>
+                <a:spcPct val="100000"/>
+              </a:lnSpc>
+              <a:spcBef>
+                <a:spcPct val="0"/>
+              </a:spcBef>
+              <a:spcAft>
+                <a:spcPct val="0"/>
+              </a:spcAft>
+              <a:buClrTx/>
+              <a:buSzTx/>
+              <a:buFontTx/>
+              <a:buChar char="•"/>
+              <a:tabLst/>
+            </a:pPr>
+            <a:r>
+              <a:rPr kumimoji="0" lang="zh-TW" altLang="zh-TW" sz="1200" b="1" i="0" u="none" strike="noStrike" cap="none" normalizeH="0" baseline="0" dirty="0" smtClean="0">
+                <a:ln>
+                  <a:noFill/>
+                </a:ln>
+                <a:solidFill>
+                  <a:srgbClr val="1C2022"/>
+                </a:solidFill>
+                <a:effectLst/>
+                <a:latin typeface="Arial" panose="020B0604020202020204" pitchFamily="34" charset="0"/>
+                <a:ea typeface="PT Sans"/>
+              </a:rPr>
+              <a:t>Complete</a:t>
+            </a:r>
+            <a:r>
+              <a:rPr kumimoji="0" lang="zh-TW" altLang="zh-TW" sz="1200" b="0" i="0" u="none" strike="noStrike" cap="none" normalizeH="0" baseline="0" dirty="0" smtClean="0">
+                <a:ln>
+                  <a:noFill/>
+                </a:ln>
+                <a:solidFill>
+                  <a:srgbClr val="1C2022"/>
+                </a:solidFill>
+                <a:effectLst/>
+                <a:latin typeface="Arial" panose="020B0604020202020204" pitchFamily="34" charset="0"/>
+                <a:ea typeface="PT Sans"/>
+              </a:rPr>
+              <a:t> 当动画完成时触发。</a:t>
+            </a:r>
+          </a:p>
+          <a:p>
+            <a:pPr marL="457200" marR="0" lvl="1" indent="0" algn="l" defTabSz="914400" rtl="0" eaLnBrk="0" fontAlgn="base" latinLnBrk="0" hangingPunct="0">
+              <a:lnSpc>
+                <a:spcPct val="100000"/>
+              </a:lnSpc>
+              <a:spcBef>
+                <a:spcPct val="0"/>
+              </a:spcBef>
+              <a:spcAft>
+                <a:spcPct val="0"/>
+              </a:spcAft>
+              <a:buClrTx/>
+              <a:buSzTx/>
+              <a:buFontTx/>
+              <a:buChar char="•"/>
+              <a:tabLst/>
+            </a:pPr>
+            <a:r>
+              <a:rPr kumimoji="0" lang="zh-TW" altLang="zh-TW" sz="1200" b="0" i="0" u="none" strike="noStrike" cap="none" normalizeH="0" baseline="0" dirty="0" smtClean="0">
+                <a:ln>
+                  <a:noFill/>
+                </a:ln>
+                <a:solidFill>
+                  <a:srgbClr val="1C2022"/>
+                </a:solidFill>
+                <a:effectLst/>
+                <a:latin typeface="Arial" panose="020B0604020202020204" pitchFamily="34" charset="0"/>
+                <a:ea typeface="PT Sans"/>
+              </a:rPr>
+              <a:t>当一个非循环的动画播放完毕时触发，无论是否有下一个动画在排队。</a:t>
+            </a:r>
+          </a:p>
+          <a:p>
+            <a:pPr marL="457200" marR="0" lvl="1" indent="0" algn="l" defTabSz="914400" rtl="0" eaLnBrk="0" fontAlgn="base" latinLnBrk="0" hangingPunct="0">
+              <a:lnSpc>
+                <a:spcPct val="100000"/>
+              </a:lnSpc>
+              <a:spcBef>
+                <a:spcPct val="0"/>
+              </a:spcBef>
+              <a:spcAft>
+                <a:spcPct val="0"/>
+              </a:spcAft>
+              <a:buClrTx/>
+              <a:buSzTx/>
+              <a:buFontTx/>
+              <a:buChar char="•"/>
+              <a:tabLst/>
+            </a:pPr>
+            <a:r>
+              <a:rPr kumimoji="0" lang="zh-TW" altLang="zh-TW" sz="1200" b="0" i="0" u="none" strike="noStrike" cap="none" normalizeH="0" baseline="0" dirty="0" smtClean="0">
+                <a:ln>
+                  <a:noFill/>
+                </a:ln>
+                <a:solidFill>
+                  <a:srgbClr val="1C2022"/>
+                </a:solidFill>
+                <a:effectLst/>
+                <a:latin typeface="Arial" panose="020B0604020202020204" pitchFamily="34" charset="0"/>
+                <a:ea typeface="PT Sans"/>
+              </a:rPr>
+              <a:t>在循环动画结束循环后，也会触发。</a:t>
+            </a:r>
+          </a:p>
+          <a:p>
+            <a:pPr marL="0" marR="0" lvl="0" indent="0" algn="l" defTabSz="914400" rtl="0" eaLnBrk="0" fontAlgn="base" latinLnBrk="0" hangingPunct="0">
+              <a:lnSpc>
+                <a:spcPct val="100000"/>
+              </a:lnSpc>
+              <a:spcBef>
+                <a:spcPct val="0"/>
+              </a:spcBef>
+              <a:spcAft>
+                <a:spcPct val="0"/>
+              </a:spcAft>
+              <a:buClrTx/>
+              <a:buSzTx/>
+              <a:buFontTx/>
+              <a:buChar char="•"/>
+              <a:tabLst/>
+            </a:pPr>
+            <a:r>
+              <a:rPr kumimoji="0" lang="zh-TW" altLang="zh-TW" sz="1200" b="1" i="0" u="none" strike="noStrike" cap="none" normalizeH="0" baseline="0" dirty="0" smtClean="0">
+                <a:ln>
+                  <a:noFill/>
+                </a:ln>
+                <a:solidFill>
+                  <a:srgbClr val="1C2022"/>
+                </a:solidFill>
+                <a:effectLst/>
+                <a:latin typeface="Arial" panose="020B0604020202020204" pitchFamily="34" charset="0"/>
+                <a:ea typeface="PT Sans"/>
+              </a:rPr>
+              <a:t>Event</a:t>
+            </a:r>
+            <a:r>
+              <a:rPr kumimoji="0" lang="zh-TW" altLang="zh-TW" sz="1200" b="0" i="0" u="none" strike="noStrike" cap="none" normalizeH="0" baseline="0" dirty="0" smtClean="0">
+                <a:ln>
+                  <a:noFill/>
+                </a:ln>
+                <a:solidFill>
+                  <a:srgbClr val="1C2022"/>
+                </a:solidFill>
+                <a:effectLst/>
+                <a:latin typeface="Arial" panose="020B0604020202020204" pitchFamily="34" charset="0"/>
+                <a:ea typeface="PT Sans"/>
+              </a:rPr>
+              <a:t> 触发 </a:t>
+            </a:r>
+            <a:r>
+              <a:rPr kumimoji="0" lang="zh-TW" altLang="zh-TW" sz="1200" b="0" i="1" u="none" strike="noStrike" cap="none" normalizeH="0" baseline="0" dirty="0" smtClean="0">
+                <a:ln>
+                  <a:noFill/>
+                </a:ln>
+                <a:solidFill>
+                  <a:srgbClr val="1C2022"/>
+                </a:solidFill>
+                <a:effectLst/>
+                <a:latin typeface="Arial" panose="020B0604020202020204" pitchFamily="34" charset="0"/>
+                <a:ea typeface="PT Sans"/>
+              </a:rPr>
+              <a:t>任何</a:t>
+            </a:r>
+            <a:r>
+              <a:rPr kumimoji="0" lang="zh-TW" altLang="zh-TW" sz="1200" b="0" i="0" u="none" strike="noStrike" cap="none" normalizeH="0" baseline="0" dirty="0" smtClean="0">
+                <a:ln>
+                  <a:noFill/>
+                </a:ln>
+                <a:solidFill>
+                  <a:srgbClr val="1C2022"/>
+                </a:solidFill>
+                <a:effectLst/>
+                <a:latin typeface="Arial" panose="020B0604020202020204" pitchFamily="34" charset="0"/>
+                <a:ea typeface="PT Sans"/>
+              </a:rPr>
+              <a:t> 被监听到的用户自定义事件.</a:t>
+            </a:r>
+          </a:p>
+          <a:p>
+            <a:pPr marL="457200" marR="0" lvl="1" indent="0" algn="l" defTabSz="914400" rtl="0" eaLnBrk="0" fontAlgn="base" latinLnBrk="0" hangingPunct="0">
+              <a:lnSpc>
+                <a:spcPct val="100000"/>
+              </a:lnSpc>
+              <a:spcBef>
+                <a:spcPct val="0"/>
+              </a:spcBef>
+              <a:spcAft>
+                <a:spcPct val="0"/>
+              </a:spcAft>
+              <a:buClrTx/>
+              <a:buSzTx/>
+              <a:buFontTx/>
+              <a:buChar char="•"/>
+              <a:tabLst/>
+            </a:pPr>
+            <a:r>
+              <a:rPr kumimoji="0" lang="zh-TW" altLang="zh-TW" sz="1200" b="0" i="0" u="none" strike="noStrike" cap="none" normalizeH="0" baseline="0" dirty="0" smtClean="0">
+                <a:ln>
+                  <a:noFill/>
+                </a:ln>
+                <a:solidFill>
+                  <a:srgbClr val="1C2022"/>
+                </a:solidFill>
+                <a:effectLst/>
+                <a:latin typeface="Arial" panose="020B0604020202020204" pitchFamily="34" charset="0"/>
+                <a:ea typeface="PT Sans"/>
+              </a:rPr>
+              <a:t>这些事件点在Spine的动画中设置。它们是一些紫色的关键帧。一个紫色的icon也可以在层级书中找到。</a:t>
+            </a:r>
+          </a:p>
+          <a:p>
+            <a:pPr marL="457200" marR="0" lvl="1" indent="0" algn="l" defTabSz="914400" rtl="0" eaLnBrk="0" fontAlgn="base" latinLnBrk="0" hangingPunct="0">
+              <a:lnSpc>
+                <a:spcPct val="100000"/>
+              </a:lnSpc>
+              <a:spcBef>
+                <a:spcPct val="0"/>
+              </a:spcBef>
+              <a:spcAft>
+                <a:spcPct val="0"/>
+              </a:spcAft>
+              <a:buClrTx/>
+              <a:buSzTx/>
+              <a:buFontTx/>
+              <a:buChar char="•"/>
+              <a:tabLst/>
+            </a:pPr>
+            <a:r>
+              <a:rPr kumimoji="0" lang="zh-TW" altLang="zh-TW" sz="1200" b="0" i="0" u="none" strike="noStrike" cap="none" normalizeH="0" baseline="0" dirty="0" smtClean="0">
+                <a:ln>
+                  <a:noFill/>
+                </a:ln>
+                <a:solidFill>
+                  <a:srgbClr val="1C2022"/>
+                </a:solidFill>
+                <a:effectLst/>
+                <a:latin typeface="Arial" panose="020B0604020202020204" pitchFamily="34" charset="0"/>
+                <a:ea typeface="PT Sans"/>
+              </a:rPr>
+              <a:t>为了区分不同的事件，你需要检查</a:t>
+            </a:r>
+            <a:r>
+              <a:rPr kumimoji="0" lang="zh-TW" altLang="zh-TW" sz="1000" b="0" i="0" u="none" strike="noStrike" cap="none" normalizeH="0" baseline="0" dirty="0" smtClean="0">
+                <a:ln>
+                  <a:noFill/>
+                </a:ln>
+                <a:solidFill>
+                  <a:srgbClr val="1C2022"/>
+                </a:solidFill>
+                <a:effectLst/>
+                <a:latin typeface="Consolas" panose="020B0609020204030204" pitchFamily="49" charset="0"/>
+                <a:ea typeface="PT Sans"/>
+              </a:rPr>
+              <a:t>Spine.Event e</a:t>
+            </a:r>
+            <a:r>
+              <a:rPr kumimoji="0" lang="zh-TW" altLang="zh-TW" sz="1200" b="0" i="0" u="none" strike="noStrike" cap="none" normalizeH="0" baseline="0" dirty="0" smtClean="0">
+                <a:ln>
+                  <a:noFill/>
+                </a:ln>
+                <a:solidFill>
+                  <a:srgbClr val="1C2022"/>
+                </a:solidFill>
+                <a:effectLst/>
+                <a:ea typeface="PT Sans"/>
+              </a:rPr>
+              <a:t>的</a:t>
+            </a:r>
+            <a:r>
+              <a:rPr kumimoji="0" lang="zh-TW" altLang="zh-TW" sz="1000" b="0" i="0" u="none" strike="noStrike" cap="none" normalizeH="0" baseline="0" dirty="0" smtClean="0">
+                <a:ln>
+                  <a:noFill/>
+                </a:ln>
+                <a:solidFill>
+                  <a:srgbClr val="1C2022"/>
+                </a:solidFill>
+                <a:effectLst/>
+                <a:latin typeface="Consolas" panose="020B0609020204030204" pitchFamily="49" charset="0"/>
+                <a:ea typeface="PT Sans"/>
+              </a:rPr>
+              <a:t>Name</a:t>
+            </a:r>
+            <a:r>
+              <a:rPr kumimoji="0" lang="zh-TW" altLang="zh-TW" sz="1200" b="0" i="0" u="none" strike="noStrike" cap="none" normalizeH="0" baseline="0" dirty="0" smtClean="0">
+                <a:ln>
+                  <a:noFill/>
+                </a:ln>
+                <a:solidFill>
+                  <a:srgbClr val="1C2022"/>
+                </a:solidFill>
+                <a:effectLst/>
+                <a:ea typeface="PT Sans"/>
+              </a:rPr>
+              <a:t>参数。(或者</a:t>
+            </a:r>
+            <a:r>
+              <a:rPr kumimoji="0" lang="zh-TW" altLang="zh-TW" sz="1000" b="0" i="0" u="none" strike="noStrike" cap="none" normalizeH="0" baseline="0" dirty="0" smtClean="0">
+                <a:ln>
+                  <a:noFill/>
+                </a:ln>
+                <a:solidFill>
+                  <a:srgbClr val="1C2022"/>
+                </a:solidFill>
+                <a:effectLst/>
+                <a:latin typeface="Consolas" panose="020B0609020204030204" pitchFamily="49" charset="0"/>
+                <a:ea typeface="PT Sans"/>
+              </a:rPr>
+              <a:t>Data</a:t>
+            </a:r>
+            <a:r>
+              <a:rPr kumimoji="0" lang="zh-TW" altLang="zh-TW" sz="1200" b="0" i="0" u="none" strike="noStrike" cap="none" normalizeH="0" baseline="0" dirty="0" smtClean="0">
+                <a:ln>
+                  <a:noFill/>
+                </a:ln>
+                <a:solidFill>
+                  <a:srgbClr val="1C2022"/>
+                </a:solidFill>
+                <a:effectLst/>
+                <a:ea typeface="PT Sans"/>
+              </a:rPr>
+              <a:t>引用)</a:t>
+            </a:r>
+            <a:endParaRPr kumimoji="0" lang="zh-TW" altLang="zh-TW" sz="1200" b="0" i="0" u="none" strike="noStrike" cap="none" normalizeH="0" baseline="0" dirty="0" smtClean="0">
+              <a:ln>
+                <a:noFill/>
+              </a:ln>
+              <a:solidFill>
+                <a:srgbClr val="1C2022"/>
+              </a:solidFill>
+              <a:effectLst/>
+              <a:latin typeface="Arial" panose="020B0604020202020204" pitchFamily="34" charset="0"/>
+              <a:ea typeface="PT Sans"/>
+            </a:endParaRPr>
+          </a:p>
+          <a:p>
+            <a:pPr marL="457200" marR="0" lvl="1" indent="0" algn="l" defTabSz="914400" rtl="0" eaLnBrk="0" fontAlgn="base" latinLnBrk="0" hangingPunct="0">
+              <a:lnSpc>
+                <a:spcPct val="100000"/>
+              </a:lnSpc>
+              <a:spcBef>
+                <a:spcPct val="0"/>
+              </a:spcBef>
+              <a:spcAft>
+                <a:spcPct val="0"/>
+              </a:spcAft>
+              <a:buClrTx/>
+              <a:buSzTx/>
+              <a:buFontTx/>
+              <a:buChar char="•"/>
+              <a:tabLst/>
+            </a:pPr>
+            <a:r>
+              <a:rPr kumimoji="0" lang="zh-TW" altLang="zh-TW" sz="1200" b="0" i="0" u="none" strike="noStrike" cap="none" normalizeH="0" baseline="0" dirty="0" smtClean="0">
+                <a:ln>
+                  <a:noFill/>
+                </a:ln>
+                <a:solidFill>
+                  <a:srgbClr val="1C2022"/>
+                </a:solidFill>
+                <a:effectLst/>
+                <a:latin typeface="Arial" panose="020B0604020202020204" pitchFamily="34" charset="0"/>
+                <a:ea typeface="PT Sans"/>
+              </a:rPr>
+              <a:t>当你想要按照动画节点去播放声音时，这是非常有用的，就像footsteps。他也可以按照Spine动画去使用同步或者信号这种非Spine系统，比如Unity例子系统或者生成单独效果，甚至是游戏逻辑。比如子弹发射的时间里。(如果你真的想这么做的话)</a:t>
+            </a:r>
+          </a:p>
+          <a:p>
+            <a:pPr marL="0" marR="0" lvl="0" indent="0" algn="l" defTabSz="914400" rtl="0" eaLnBrk="0" fontAlgn="base" latinLnBrk="0" hangingPunct="0">
+              <a:lnSpc>
+                <a:spcPct val="100000"/>
+              </a:lnSpc>
+              <a:spcBef>
+                <a:spcPct val="0"/>
+              </a:spcBef>
+              <a:spcAft>
+                <a:spcPct val="0"/>
+              </a:spcAft>
+              <a:buClrTx/>
+              <a:buSzTx/>
+              <a:buFontTx/>
+              <a:buNone/>
+              <a:tabLst/>
+            </a:pPr>
+            <a:r>
+              <a:rPr kumimoji="0" lang="zh-TW" altLang="zh-TW" sz="1200" b="0" i="0" u="none" strike="noStrike" cap="none" normalizeH="0" baseline="0" dirty="0" smtClean="0">
+                <a:ln>
+                  <a:noFill/>
+                </a:ln>
+                <a:solidFill>
+                  <a:srgbClr val="1C2022"/>
+                </a:solidFill>
+                <a:effectLst/>
+                <a:latin typeface="Arial" panose="020B0604020202020204" pitchFamily="34" charset="0"/>
+                <a:ea typeface="PT Sans"/>
+              </a:rPr>
+              <a:t>在连接动画播放完成后，另一个排队的动画开始时，这些事件触发的顺序是:</a:t>
+            </a:r>
+            <a:r>
+              <a:rPr kumimoji="0" lang="zh-TW" altLang="zh-TW" sz="1000" b="0" i="0" u="none" strike="noStrike" cap="none" normalizeH="0" baseline="0" dirty="0" smtClean="0">
+                <a:ln>
+                  <a:noFill/>
+                </a:ln>
+                <a:solidFill>
+                  <a:srgbClr val="1C2022"/>
+                </a:solidFill>
+                <a:effectLst/>
+                <a:latin typeface="Consolas" panose="020B0609020204030204" pitchFamily="49" charset="0"/>
+                <a:ea typeface="PT Sans"/>
+              </a:rPr>
+              <a:t>Complete</a:t>
+            </a:r>
+            <a:r>
+              <a:rPr kumimoji="0" lang="zh-TW" altLang="zh-TW" sz="1200" b="0" i="0" u="none" strike="noStrike" cap="none" normalizeH="0" baseline="0" dirty="0" smtClean="0">
+                <a:ln>
+                  <a:noFill/>
+                </a:ln>
+                <a:solidFill>
+                  <a:srgbClr val="1C2022"/>
+                </a:solidFill>
+                <a:effectLst/>
+                <a:ea typeface="PT Sans"/>
+              </a:rPr>
+              <a:t>,</a:t>
+            </a:r>
+            <a:r>
+              <a:rPr kumimoji="0" lang="zh-TW" altLang="zh-TW" sz="1200" b="0" i="0" u="none" strike="noStrike" cap="none" normalizeH="0" baseline="0" dirty="0" smtClean="0">
+                <a:ln>
+                  <a:noFill/>
+                </a:ln>
+                <a:solidFill>
+                  <a:srgbClr val="1C2022"/>
+                </a:solidFill>
+                <a:effectLst/>
+                <a:latin typeface="Arial" panose="020B0604020202020204" pitchFamily="34" charset="0"/>
+                <a:ea typeface="PT Sans"/>
+              </a:rPr>
+              <a:t> </a:t>
+            </a:r>
+            <a:r>
+              <a:rPr kumimoji="0" lang="zh-TW" altLang="zh-TW" sz="1000" b="0" i="0" u="none" strike="noStrike" cap="none" normalizeH="0" baseline="0" dirty="0" smtClean="0">
+                <a:ln>
+                  <a:noFill/>
+                </a:ln>
+                <a:solidFill>
+                  <a:srgbClr val="1C2022"/>
+                </a:solidFill>
+                <a:effectLst/>
+                <a:latin typeface="Consolas" panose="020B0609020204030204" pitchFamily="49" charset="0"/>
+                <a:ea typeface="PT Sans"/>
+              </a:rPr>
+              <a:t>End</a:t>
+            </a:r>
+            <a:r>
+              <a:rPr kumimoji="0" lang="zh-TW" altLang="zh-TW" sz="1200" b="0" i="0" u="none" strike="noStrike" cap="none" normalizeH="0" baseline="0" dirty="0" smtClean="0">
+                <a:ln>
+                  <a:noFill/>
+                </a:ln>
+                <a:solidFill>
+                  <a:srgbClr val="1C2022"/>
+                </a:solidFill>
+                <a:effectLst/>
+                <a:ea typeface="PT Sans"/>
+              </a:rPr>
+              <a:t>,</a:t>
+            </a:r>
+            <a:r>
+              <a:rPr kumimoji="0" lang="zh-TW" altLang="zh-TW" sz="1200" b="0" i="0" u="none" strike="noStrike" cap="none" normalizeH="0" baseline="0" dirty="0" smtClean="0">
+                <a:ln>
+                  <a:noFill/>
+                </a:ln>
+                <a:solidFill>
+                  <a:srgbClr val="1C2022"/>
+                </a:solidFill>
+                <a:effectLst/>
+                <a:latin typeface="Arial" panose="020B0604020202020204" pitchFamily="34" charset="0"/>
+                <a:ea typeface="PT Sans"/>
+              </a:rPr>
+              <a:t> </a:t>
+            </a:r>
+            <a:r>
+              <a:rPr kumimoji="0" lang="zh-TW" altLang="zh-TW" sz="1000" b="0" i="0" u="none" strike="noStrike" cap="none" normalizeH="0" baseline="0" dirty="0" smtClean="0">
+                <a:ln>
+                  <a:noFill/>
+                </a:ln>
+                <a:solidFill>
+                  <a:srgbClr val="1C2022"/>
+                </a:solidFill>
+                <a:effectLst/>
+                <a:latin typeface="Consolas" panose="020B0609020204030204" pitchFamily="49" charset="0"/>
+                <a:ea typeface="PT Sans"/>
+              </a:rPr>
+              <a:t>Start</a:t>
+            </a:r>
+            <a:r>
+              <a:rPr kumimoji="0" lang="zh-TW" altLang="zh-TW" sz="1200" b="0" i="0" u="none" strike="noStrike" cap="none" normalizeH="0" baseline="0" dirty="0" smtClean="0">
+                <a:ln>
+                  <a:noFill/>
+                </a:ln>
+                <a:solidFill>
+                  <a:srgbClr val="1C2022"/>
+                </a:solidFill>
+                <a:effectLst/>
+                <a:ea typeface="PT Sans"/>
+              </a:rPr>
+              <a:t>。</a:t>
+            </a:r>
+            <a:endParaRPr kumimoji="0" lang="zh-TW" altLang="zh-TW" sz="1800" b="0" i="0" u="none" strike="noStrike" cap="none" normalizeH="0" baseline="0" dirty="0" smtClean="0">
+              <a:ln>
+                <a:noFill/>
+              </a:ln>
+              <a:solidFill>
+                <a:schemeClr val="tx1"/>
+              </a:solidFill>
+              <a:effectLst/>
+              <a:latin typeface="Arial" panose="020B0604020202020204" pitchFamily="34" charset="0"/>
+            </a:endParaRPr>
+          </a:p>
+        </p:txBody>
+      </p:sp>
     </p:spTree>
     <p:extLst>
       <p:ext uri="{BB962C8B-B14F-4D97-AF65-F5344CB8AC3E}">
@@ -10839,17 +12849,7 @@
                 <a:latin typeface="微軟正黑體" panose="020B0604030504040204" pitchFamily="34" charset="-120"/>
                 <a:ea typeface="微軟正黑體" panose="020B0604030504040204" pitchFamily="34" charset="-120"/>
               </a:rPr>
-              <a:t>( </a:t>
-            </a:r>
-            <a:r>
-              <a:rPr lang="en-US" altLang="zh-TW" dirty="0" smtClean="0">
-                <a:solidFill>
-                  <a:schemeClr val="bg1"/>
-                </a:solidFill>
-                <a:latin typeface="微軟正黑體" panose="020B0604030504040204" pitchFamily="34" charset="-120"/>
-                <a:ea typeface="微軟正黑體" panose="020B0604030504040204" pitchFamily="34" charset="-120"/>
-              </a:rPr>
-              <a:t>tracks, </a:t>
+              <a:t>( tracks, </a:t>
             </a:r>
             <a:r>
               <a:rPr lang="en-US" altLang="zh-TW" dirty="0" err="1">
@@ -11131,17 +13131,7 @@
                 <a:latin typeface="微軟正黑體" panose="020B0604030504040204" pitchFamily="34" charset="-120"/>
                 <a:ea typeface="微軟正黑體" panose="020B0604030504040204" pitchFamily="34" charset="-120"/>
               </a:rPr>
-              <a:t>骨架當前動作</a:t>
-            </a:r>
-            <a:r>
-              <a:rPr lang="zh-TW" altLang="en-US" dirty="0" smtClean="0">
-                <a:solidFill>
-                  <a:schemeClr val="bg1"/>
-                </a:solidFill>
-                <a:latin typeface="微軟正黑體" panose="020B0604030504040204" pitchFamily="34" charset="-120"/>
-                <a:ea typeface="微軟正黑體" panose="020B0604030504040204" pitchFamily="34" charset="-120"/>
-              </a:rPr>
-              <a:t>時間軸前進 </a:t>
+              <a:t>骨架當前動作時間軸前進 </a:t>
             </a:r>
             <a:r>
               <a:rPr lang="en-US" altLang="zh-TW" dirty="0" smtClean="0">
@@ -11813,7 +13803,47 @@
                 <a:latin typeface="微軟正黑體" panose="020B0604030504040204" pitchFamily="34" charset="-120"/>
                 <a:ea typeface="微軟正黑體" panose="020B0604030504040204" pitchFamily="34" charset="-120"/>
               </a:rPr>
-              <a:t>：延遲時間</a:t>
+              <a:t>：延遲</a:t>
+            </a:r>
+            <a:r>
+              <a:rPr lang="zh-TW" altLang="en-US" dirty="0" smtClean="0">
+                <a:solidFill>
+                  <a:schemeClr val="bg1"/>
+                </a:solidFill>
+                <a:latin typeface="微軟正黑體" panose="020B0604030504040204" pitchFamily="34" charset="-120"/>
+                <a:ea typeface="微軟正黑體" panose="020B0604030504040204" pitchFamily="34" charset="-120"/>
+              </a:rPr>
+              <a:t>時間</a:t>
+            </a:r>
+            <a:r>
+              <a:rPr lang="en-US" altLang="zh-TW" dirty="0" smtClean="0">
+                <a:solidFill>
+                  <a:schemeClr val="bg1"/>
+                </a:solidFill>
+                <a:latin typeface="微軟正黑體" panose="020B0604030504040204" pitchFamily="34" charset="-120"/>
+                <a:ea typeface="微軟正黑體" panose="020B0604030504040204" pitchFamily="34" charset="-120"/>
+              </a:rPr>
+              <a:t>(</a:t>
+            </a:r>
+            <a:r>
+              <a:rPr lang="zh-TW" altLang="en-US" dirty="0" smtClean="0">
+                <a:solidFill>
+                  <a:schemeClr val="bg1"/>
+                </a:solidFill>
+                <a:latin typeface="微軟正黑體" panose="020B0604030504040204" pitchFamily="34" charset="-120"/>
+                <a:ea typeface="微軟正黑體" panose="020B0604030504040204" pitchFamily="34" charset="-120"/>
+              </a:rPr>
+              <a:t>秒</a:t>
+            </a:r>
+            <a:r>
+              <a:rPr lang="en-US" altLang="zh-TW" dirty="0" smtClean="0">
+                <a:solidFill>
+                  <a:schemeClr val="bg1"/>
+                </a:solidFill>
+                <a:latin typeface="微軟正黑體" panose="020B0604030504040204" pitchFamily="34" charset="-120"/>
+                <a:ea typeface="微軟正黑體" panose="020B0604030504040204" pitchFamily="34" charset="-120"/>
+              </a:rPr>
+              <a:t>)</a:t>
             </a:r>
             <a:endParaRPr lang="en-US" altLang="zh-TW" dirty="0">
               <a:solidFill>

--- a/week11/Pixi spine.pptx
+++ b/week11/Pixi spine.pptx
@@ -5,7 +5,7 @@
     <p:sldMasterId id="2147483648" r:id="rId1"/>
   </p:sldMasterIdLst>
   <p:notesMasterIdLst>
-    <p:notesMasterId r:id="rId26"/>
+    <p:notesMasterId r:id="rId27"/>
   </p:notesMasterIdLst>
   <p:sldIdLst>
     <p:sldId id="328" r:id="rId2"/>
@@ -24,14 +24,15 @@
     <p:sldId id="370" r:id="rId15"/>
     <p:sldId id="364" r:id="rId16"/>
     <p:sldId id="378" r:id="rId17"/>
-    <p:sldId id="373" r:id="rId18"/>
-    <p:sldId id="376" r:id="rId19"/>
-    <p:sldId id="374" r:id="rId20"/>
-    <p:sldId id="377" r:id="rId21"/>
-    <p:sldId id="382" r:id="rId22"/>
-    <p:sldId id="383" r:id="rId23"/>
-    <p:sldId id="384" r:id="rId24"/>
-    <p:sldId id="375" r:id="rId25"/>
+    <p:sldId id="385" r:id="rId18"/>
+    <p:sldId id="373" r:id="rId19"/>
+    <p:sldId id="376" r:id="rId20"/>
+    <p:sldId id="374" r:id="rId21"/>
+    <p:sldId id="377" r:id="rId22"/>
+    <p:sldId id="382" r:id="rId23"/>
+    <p:sldId id="383" r:id="rId24"/>
+    <p:sldId id="384" r:id="rId25"/>
+    <p:sldId id="375" r:id="rId26"/>
   </p:sldIdLst>
   <p:sldSz cx="9144000" cy="6858000" type="screen4x3"/>
   <p:notesSz cx="6858000" cy="9144000"/>
@@ -231,7 +232,7 @@
           <a:p>
             <a:fld id="{70882C86-C168-49C1-99FE-D02A644628AD}" type="datetimeFigureOut">
               <a:rPr lang="zh-TW" altLang="en-US" smtClean="0"/>
-              <a:t>2019/3/7</a:t>
+              <a:t>2019/3/8</a:t>
             </a:fld>
             <a:endParaRPr lang="zh-TW" altLang="en-US"/>
           </a:p>
@@ -1161,7 +1162,7 @@
     </p:spTree>
     <p:extLst>
       <p:ext uri="{BB962C8B-B14F-4D97-AF65-F5344CB8AC3E}">
-        <p14:creationId xmlns:p14="http://schemas.microsoft.com/office/powerpoint/2010/main" val="4066347791"/>
+        <p14:creationId xmlns:p14="http://schemas.microsoft.com/office/powerpoint/2010/main" val="289385956"/>
       </p:ext>
     </p:extLst>
   </p:cSld>
@@ -1245,7 +1246,7 @@
     </p:spTree>
     <p:extLst>
       <p:ext uri="{BB962C8B-B14F-4D97-AF65-F5344CB8AC3E}">
-        <p14:creationId xmlns:p14="http://schemas.microsoft.com/office/powerpoint/2010/main" val="2512818858"/>
+        <p14:creationId xmlns:p14="http://schemas.microsoft.com/office/powerpoint/2010/main" val="4066347791"/>
       </p:ext>
     </p:extLst>
   </p:cSld>
@@ -1329,7 +1330,7 @@
     </p:spTree>
     <p:extLst>
       <p:ext uri="{BB962C8B-B14F-4D97-AF65-F5344CB8AC3E}">
-        <p14:creationId xmlns:p14="http://schemas.microsoft.com/office/powerpoint/2010/main" val="538820077"/>
+        <p14:creationId xmlns:p14="http://schemas.microsoft.com/office/powerpoint/2010/main" val="2512818858"/>
       </p:ext>
     </p:extLst>
   </p:cSld>
@@ -1413,7 +1414,7 @@
     </p:spTree>
     <p:extLst>
       <p:ext uri="{BB962C8B-B14F-4D97-AF65-F5344CB8AC3E}">
-        <p14:creationId xmlns:p14="http://schemas.microsoft.com/office/powerpoint/2010/main" val="1724165686"/>
+        <p14:creationId xmlns:p14="http://schemas.microsoft.com/office/powerpoint/2010/main" val="538820077"/>
       </p:ext>
     </p:extLst>
   </p:cSld>
@@ -1581,7 +1582,7 @@
     </p:spTree>
     <p:extLst>
       <p:ext uri="{BB962C8B-B14F-4D97-AF65-F5344CB8AC3E}">
-        <p14:creationId xmlns:p14="http://schemas.microsoft.com/office/powerpoint/2010/main" val="3748169198"/>
+        <p14:creationId xmlns:p14="http://schemas.microsoft.com/office/powerpoint/2010/main" val="1724165686"/>
       </p:ext>
     </p:extLst>
   </p:cSld>
@@ -1665,7 +1666,7 @@
     </p:spTree>
     <p:extLst>
       <p:ext uri="{BB962C8B-B14F-4D97-AF65-F5344CB8AC3E}">
-        <p14:creationId xmlns:p14="http://schemas.microsoft.com/office/powerpoint/2010/main" val="572112334"/>
+        <p14:creationId xmlns:p14="http://schemas.microsoft.com/office/powerpoint/2010/main" val="3748169198"/>
       </p:ext>
     </p:extLst>
   </p:cSld>
@@ -1749,7 +1750,7 @@
     </p:spTree>
     <p:extLst>
       <p:ext uri="{BB962C8B-B14F-4D97-AF65-F5344CB8AC3E}">
-        <p14:creationId xmlns:p14="http://schemas.microsoft.com/office/powerpoint/2010/main" val="376644469"/>
+        <p14:creationId xmlns:p14="http://schemas.microsoft.com/office/powerpoint/2010/main" val="572112334"/>
       </p:ext>
     </p:extLst>
   </p:cSld>
@@ -1825,6 +1826,90 @@
             <a:fld id="{C88A247A-631C-4796-9D8B-9781BEBF5804}" type="slidenum">
               <a:rPr lang="zh-TW" altLang="en-US" smtClean="0"/>
               <a:t>24</a:t>
+            </a:fld>
+            <a:endParaRPr lang="zh-TW" altLang="en-US"/>
+          </a:p>
+        </p:txBody>
+      </p:sp>
+    </p:spTree>
+    <p:extLst>
+      <p:ext uri="{BB962C8B-B14F-4D97-AF65-F5344CB8AC3E}">
+        <p14:creationId xmlns:p14="http://schemas.microsoft.com/office/powerpoint/2010/main" val="376644469"/>
+      </p:ext>
+    </p:extLst>
+  </p:cSld>
+  <p:clrMapOvr>
+    <a:masterClrMapping/>
+  </p:clrMapOvr>
+</p:notes>
+</file>
+
+<file path=ppt/notesSlides/notesSlide24.xml><?xml version="1.0" encoding="utf-8"?>
+<p:notes xmlns:a="http://schemas.openxmlformats.org/drawingml/2006/main" xmlns:r="http://schemas.openxmlformats.org/officeDocument/2006/relationships" xmlns:p="http://schemas.openxmlformats.org/presentationml/2006/main">
+  <p:cSld>
+    <p:spTree>
+      <p:nvGrpSpPr>
+        <p:cNvPr id="1" name=""/>
+        <p:cNvGrpSpPr/>
+        <p:nvPr/>
+      </p:nvGrpSpPr>
+      <p:grpSpPr>
+        <a:xfrm>
+          <a:off x="0" y="0"/>
+          <a:ext cx="0" cy="0"/>
+          <a:chOff x="0" y="0"/>
+          <a:chExt cx="0" cy="0"/>
+        </a:xfrm>
+      </p:grpSpPr>
+      <p:sp>
+        <p:nvSpPr>
+          <p:cNvPr id="2" name="投影片圖像版面配置區 1"/>
+          <p:cNvSpPr>
+            <a:spLocks noGrp="1" noRot="1" noChangeAspect="1"/>
+          </p:cNvSpPr>
+          <p:nvPr>
+            <p:ph type="sldImg"/>
+          </p:nvPr>
+        </p:nvSpPr>
+        <p:spPr/>
+      </p:sp>
+      <p:sp>
+        <p:nvSpPr>
+          <p:cNvPr id="3" name="備忘稿版面配置區 2"/>
+          <p:cNvSpPr>
+            <a:spLocks noGrp="1"/>
+          </p:cNvSpPr>
+          <p:nvPr>
+            <p:ph type="body" idx="1"/>
+          </p:nvPr>
+        </p:nvSpPr>
+        <p:spPr/>
+        <p:txBody>
+          <a:bodyPr/>
+          <a:lstStyle/>
+          <a:p>
+            <a:endParaRPr lang="zh-TW" altLang="en-US"/>
+          </a:p>
+        </p:txBody>
+      </p:sp>
+      <p:sp>
+        <p:nvSpPr>
+          <p:cNvPr id="4" name="投影片編號版面配置區 3"/>
+          <p:cNvSpPr>
+            <a:spLocks noGrp="1"/>
+          </p:cNvSpPr>
+          <p:nvPr>
+            <p:ph type="sldNum" sz="quarter" idx="10"/>
+          </p:nvPr>
+        </p:nvSpPr>
+        <p:spPr/>
+        <p:txBody>
+          <a:bodyPr/>
+          <a:lstStyle/>
+          <a:p>
+            <a:fld id="{C88A247A-631C-4796-9D8B-9781BEBF5804}" type="slidenum">
+              <a:rPr lang="zh-TW" altLang="en-US" smtClean="0"/>
+              <a:t>25</a:t>
             </a:fld>
             <a:endParaRPr lang="zh-TW" altLang="en-US"/>
           </a:p>
@@ -2612,7 +2697,7 @@
           <a:p>
             <a:fld id="{735A16F5-6607-425B-A8CE-4DF360FC5EF6}" type="datetimeFigureOut">
               <a:rPr lang="zh-TW" altLang="en-US" smtClean="0"/>
-              <a:t>2019/3/7</a:t>
+              <a:t>2019/3/8</a:t>
             </a:fld>
             <a:endParaRPr lang="zh-TW" altLang="en-US"/>
           </a:p>
@@ -2782,7 +2867,7 @@
           <a:p>
             <a:fld id="{735A16F5-6607-425B-A8CE-4DF360FC5EF6}" type="datetimeFigureOut">
               <a:rPr lang="zh-TW" altLang="en-US" smtClean="0"/>
-              <a:t>2019/3/7</a:t>
+              <a:t>2019/3/8</a:t>
             </a:fld>
             <a:endParaRPr lang="zh-TW" altLang="en-US"/>
           </a:p>
@@ -2962,7 +3047,7 @@
           <a:p>
             <a:fld id="{735A16F5-6607-425B-A8CE-4DF360FC5EF6}" type="datetimeFigureOut">
               <a:rPr lang="zh-TW" altLang="en-US" smtClean="0"/>
-              <a:t>2019/3/7</a:t>
+              <a:t>2019/3/8</a:t>
             </a:fld>
             <a:endParaRPr lang="zh-TW" altLang="en-US"/>
           </a:p>
@@ -3132,7 +3217,7 @@
           <a:p>
             <a:fld id="{735A16F5-6607-425B-A8CE-4DF360FC5EF6}" type="datetimeFigureOut">
               <a:rPr lang="zh-TW" altLang="en-US" smtClean="0"/>
-              <a:t>2019/3/7</a:t>
+              <a:t>2019/3/8</a:t>
             </a:fld>
             <a:endParaRPr lang="zh-TW" altLang="en-US"/>
           </a:p>
@@ -3378,7 +3463,7 @@
           <a:p>
             <a:fld id="{735A16F5-6607-425B-A8CE-4DF360FC5EF6}" type="datetimeFigureOut">
               <a:rPr lang="zh-TW" altLang="en-US" smtClean="0"/>
-              <a:t>2019/3/7</a:t>
+              <a:t>2019/3/8</a:t>
             </a:fld>
             <a:endParaRPr lang="zh-TW" altLang="en-US"/>
           </a:p>
@@ -3666,7 +3751,7 @@
           <a:p>
             <a:fld id="{735A16F5-6607-425B-A8CE-4DF360FC5EF6}" type="datetimeFigureOut">
               <a:rPr lang="zh-TW" altLang="en-US" smtClean="0"/>
-              <a:t>2019/3/7</a:t>
+              <a:t>2019/3/8</a:t>
             </a:fld>
             <a:endParaRPr lang="zh-TW" altLang="en-US"/>
           </a:p>
@@ -4088,7 +4173,7 @@
           <a:p>
             <a:fld id="{735A16F5-6607-425B-A8CE-4DF360FC5EF6}" type="datetimeFigureOut">
               <a:rPr lang="zh-TW" altLang="en-US" smtClean="0"/>
-              <a:t>2019/3/7</a:t>
+              <a:t>2019/3/8</a:t>
             </a:fld>
             <a:endParaRPr lang="zh-TW" altLang="en-US"/>
           </a:p>
@@ -4206,7 +4291,7 @@
           <a:p>
             <a:fld id="{735A16F5-6607-425B-A8CE-4DF360FC5EF6}" type="datetimeFigureOut">
               <a:rPr lang="zh-TW" altLang="en-US" smtClean="0"/>
-              <a:t>2019/3/7</a:t>
+              <a:t>2019/3/8</a:t>
             </a:fld>
             <a:endParaRPr lang="zh-TW" altLang="en-US"/>
           </a:p>
@@ -4301,7 +4386,7 @@
           <a:p>
             <a:fld id="{735A16F5-6607-425B-A8CE-4DF360FC5EF6}" type="datetimeFigureOut">
               <a:rPr lang="zh-TW" altLang="en-US" smtClean="0"/>
-              <a:t>2019/3/7</a:t>
+              <a:t>2019/3/8</a:t>
             </a:fld>
             <a:endParaRPr lang="zh-TW" altLang="en-US"/>
           </a:p>
@@ -4578,7 +4663,7 @@
           <a:p>
             <a:fld id="{735A16F5-6607-425B-A8CE-4DF360FC5EF6}" type="datetimeFigureOut">
               <a:rPr lang="zh-TW" altLang="en-US" smtClean="0"/>
-              <a:t>2019/3/7</a:t>
+              <a:t>2019/3/8</a:t>
             </a:fld>
             <a:endParaRPr lang="zh-TW" altLang="en-US"/>
           </a:p>
@@ -4831,7 +4916,7 @@
           <a:p>
             <a:fld id="{735A16F5-6607-425B-A8CE-4DF360FC5EF6}" type="datetimeFigureOut">
               <a:rPr lang="zh-TW" altLang="en-US" smtClean="0"/>
-              <a:t>2019/3/7</a:t>
+              <a:t>2019/3/8</a:t>
             </a:fld>
             <a:endParaRPr lang="zh-TW" altLang="en-US"/>
           </a:p>
@@ -5053,7 +5138,7 @@
           <a:p>
             <a:fld id="{735A16F5-6607-425B-A8CE-4DF360FC5EF6}" type="datetimeFigureOut">
               <a:rPr lang="zh-TW" altLang="en-US" smtClean="0"/>
-              <a:t>2019/3/7</a:t>
+              <a:t>2019/3/8</a:t>
             </a:fld>
             <a:endParaRPr lang="zh-TW" altLang="en-US"/>
           </a:p>
@@ -5835,13 +5920,6 @@
               </a:rPr>
               <a:t>屬性</a:t>
             </a:r>
-            <a:endParaRPr lang="zh-TW" altLang="en-US" sz="2100" b="1" dirty="0">
-              <a:solidFill>
-                <a:srgbClr val="E13763"/>
-              </a:solidFill>
-              <a:latin typeface="微軟正黑體" panose="020B0604030504040204" pitchFamily="34" charset="-120"/>
-              <a:ea typeface="微軟正黑體" panose="020B0604030504040204" pitchFamily="34" charset="-120"/>
-            </a:endParaRPr>
           </a:p>
         </p:txBody>
       </p:sp>
@@ -6583,13 +6661,6 @@
               </a:rPr>
               <a:t>屬性</a:t>
             </a:r>
-            <a:endParaRPr lang="zh-TW" altLang="en-US" sz="2100" b="1" dirty="0">
-              <a:solidFill>
-                <a:srgbClr val="E13763"/>
-              </a:solidFill>
-              <a:latin typeface="微軟正黑體" panose="020B0604030504040204" pitchFamily="34" charset="-120"/>
-              <a:ea typeface="微軟正黑體" panose="020B0604030504040204" pitchFamily="34" charset="-120"/>
-            </a:endParaRPr>
           </a:p>
         </p:txBody>
       </p:sp>
@@ -9651,7 +9722,7 @@
         <p:spPr>
           <a:xfrm>
             <a:off x="816511" y="1470901"/>
-            <a:ext cx="7485918" cy="2585323"/>
+            <a:ext cx="7485918" cy="2169825"/>
           </a:xfrm>
           <a:prstGeom prst="rect">
             <a:avLst/>
@@ -9672,6 +9743,16 @@
               <a:buAutoNum type="arabicPeriod" startAt="9"/>
             </a:pPr>
             <a:r>
+              <a:rPr lang="en-US" altLang="zh-TW" dirty="0" err="1" smtClean="0">
+                <a:solidFill>
+                  <a:schemeClr val="bg1"/>
+                </a:solidFill>
+                <a:latin typeface="微軟正黑體" panose="020B0604030504040204" pitchFamily="34" charset="-120"/>
+                <a:ea typeface="微軟正黑體" panose="020B0604030504040204" pitchFamily="34" charset="-120"/>
+              </a:rPr>
+              <a:t>spine.state.clearTrack</a:t>
+            </a:r>
+            <a:r>
               <a:rPr lang="en-US" altLang="zh-TW" dirty="0" smtClean="0">
                 <a:solidFill>
                   <a:schemeClr val="bg1"/>
@@ -9679,7 +9760,27 @@
                 <a:latin typeface="微軟正黑體" panose="020B0604030504040204" pitchFamily="34" charset="-120"/>
                 <a:ea typeface="微軟正黑體" panose="020B0604030504040204" pitchFamily="34" charset="-120"/>
               </a:rPr>
-              <a:t>spine.skeleton.setToSetupPose();</a:t>
+              <a:t>( </a:t>
+            </a:r>
+            <a:r>
+              <a:rPr lang="en-US" altLang="zh-TW" dirty="0" err="1" smtClean="0">
+                <a:solidFill>
+                  <a:schemeClr val="bg1"/>
+                </a:solidFill>
+                <a:latin typeface="微軟正黑體" panose="020B0604030504040204" pitchFamily="34" charset="-120"/>
+                <a:ea typeface="微軟正黑體" panose="020B0604030504040204" pitchFamily="34" charset="-120"/>
+              </a:rPr>
+              <a:t>trackIndex</a:t>
+            </a:r>
+            <a:r>
+              <a:rPr lang="en-US" altLang="zh-TW" dirty="0" smtClean="0">
+                <a:solidFill>
+                  <a:schemeClr val="bg1"/>
+                </a:solidFill>
+                <a:latin typeface="微軟正黑體" panose="020B0604030504040204" pitchFamily="34" charset="-120"/>
+                <a:ea typeface="微軟正黑體" panose="020B0604030504040204" pitchFamily="34" charset="-120"/>
+              </a:rPr>
+              <a:t> );</a:t>
             </a:r>
             <a:br>
               <a:rPr lang="en-US" altLang="zh-TW" dirty="0" smtClean="0">
@@ -9698,17 +9799,37 @@
                 <a:latin typeface="微軟正黑體" panose="020B0604030504040204" pitchFamily="34" charset="-120"/>
                 <a:ea typeface="微軟正黑體" panose="020B0604030504040204" pitchFamily="34" charset="-120"/>
               </a:rPr>
-              <a:t>骨架回到</a:t>
-            </a:r>
-            <a:r>
-              <a:rPr lang="zh-TW" altLang="en-US" dirty="0">
-                <a:solidFill>
-                  <a:schemeClr val="bg1"/>
-                </a:solidFill>
-                <a:latin typeface="微軟正黑體" panose="020B0604030504040204" pitchFamily="34" charset="-120"/>
-                <a:ea typeface="微軟正黑體" panose="020B0604030504040204" pitchFamily="34" charset="-120"/>
-              </a:rPr>
-              <a:t>初</a:t>
+              <a:t>清除指定編號</a:t>
+            </a:r>
+            <a:r>
+              <a:rPr lang="en-US" altLang="zh-TW" dirty="0" smtClean="0">
+                <a:solidFill>
+                  <a:schemeClr val="bg1"/>
+                </a:solidFill>
+                <a:latin typeface="微軟正黑體" panose="020B0604030504040204" pitchFamily="34" charset="-120"/>
+                <a:ea typeface="微軟正黑體" panose="020B0604030504040204" pitchFamily="34" charset="-120"/>
+              </a:rPr>
+              <a:t>(</a:t>
+            </a:r>
+            <a:r>
+              <a:rPr lang="en-US" altLang="zh-TW" dirty="0" err="1" smtClean="0">
+                <a:solidFill>
+                  <a:schemeClr val="bg1"/>
+                </a:solidFill>
+                <a:latin typeface="微軟正黑體" panose="020B0604030504040204" pitchFamily="34" charset="-120"/>
+                <a:ea typeface="微軟正黑體" panose="020B0604030504040204" pitchFamily="34" charset="-120"/>
+              </a:rPr>
+              <a:t>trackIndex</a:t>
+            </a:r>
+            <a:r>
+              <a:rPr lang="en-US" altLang="zh-TW" dirty="0" smtClean="0">
+                <a:solidFill>
+                  <a:schemeClr val="bg1"/>
+                </a:solidFill>
+                <a:latin typeface="微軟正黑體" panose="020B0604030504040204" pitchFamily="34" charset="-120"/>
+                <a:ea typeface="微軟正黑體" panose="020B0604030504040204" pitchFamily="34" charset="-120"/>
+              </a:rPr>
+              <a:t>)</a:t>
             </a:r>
             <a:r>
               <a:rPr lang="zh-TW" altLang="en-US" dirty="0" smtClean="0">
@@ -9718,27 +9839,7 @@
                 <a:latin typeface="微軟正黑體" panose="020B0604030504040204" pitchFamily="34" charset="-120"/>
                 <a:ea typeface="微軟正黑體" panose="020B0604030504040204" pitchFamily="34" charset="-120"/>
               </a:rPr>
-              <a:t>始</a:t>
-            </a:r>
-            <a:r>
-              <a:rPr lang="zh-TW" altLang="en-US" dirty="0">
-                <a:solidFill>
-                  <a:schemeClr val="bg1"/>
-                </a:solidFill>
-                <a:latin typeface="微軟正黑體" panose="020B0604030504040204" pitchFamily="34" charset="-120"/>
-                <a:ea typeface="微軟正黑體" panose="020B0604030504040204" pitchFamily="34" charset="-120"/>
-              </a:rPr>
-              <a:t>位置</a:t>
-            </a:r>
-            <a:r>
-              <a:rPr lang="zh-TW" altLang="en-US" dirty="0" smtClean="0">
-                <a:solidFill>
-                  <a:schemeClr val="bg1"/>
-                </a:solidFill>
-                <a:latin typeface="微軟正黑體" panose="020B0604030504040204" pitchFamily="34" charset="-120"/>
-                <a:ea typeface="微軟正黑體" panose="020B0604030504040204" pitchFamily="34" charset="-120"/>
-              </a:rPr>
-              <a:t>，在清空軌道時最好做此設定，以免骨骼位置不正確，影響其他動作。</a:t>
+              <a:t>的軌道，該軌道的所有動畫排程將被清除。</a:t>
             </a:r>
             <a:endParaRPr lang="en-US" altLang="zh-TW" dirty="0" smtClean="0">
               <a:solidFill>
@@ -9764,8 +9865,37 @@
                 <a:latin typeface="微軟正黑體" panose="020B0604030504040204" pitchFamily="34" charset="-120"/>
                 <a:ea typeface="微軟正黑體" panose="020B0604030504040204" pitchFamily="34" charset="-120"/>
               </a:rPr>
-              <a:t>spine.tint</a:t>
-            </a:r>
+              <a:t>spine.state.clearTracks</a:t>
+            </a:r>
+            <a:r>
+              <a:rPr lang="en-US" altLang="zh-TW" dirty="0" smtClean="0">
+                <a:solidFill>
+                  <a:schemeClr val="bg1"/>
+                </a:solidFill>
+                <a:latin typeface="微軟正黑體" panose="020B0604030504040204" pitchFamily="34" charset="-120"/>
+                <a:ea typeface="微軟正黑體" panose="020B0604030504040204" pitchFamily="34" charset="-120"/>
+              </a:rPr>
+              <a:t>( );</a:t>
+            </a:r>
+            <a:r>
+              <a:rPr lang="en-US" altLang="zh-TW" dirty="0">
+                <a:solidFill>
+                  <a:schemeClr val="bg1"/>
+                </a:solidFill>
+                <a:latin typeface="微軟正黑體" panose="020B0604030504040204" pitchFamily="34" charset="-120"/>
+                <a:ea typeface="微軟正黑體" panose="020B0604030504040204" pitchFamily="34" charset="-120"/>
+              </a:rPr>
+              <a:t/>
+            </a:r>
+            <a:br>
+              <a:rPr lang="en-US" altLang="zh-TW" dirty="0">
+                <a:solidFill>
+                  <a:schemeClr val="bg1"/>
+                </a:solidFill>
+                <a:latin typeface="微軟正黑體" panose="020B0604030504040204" pitchFamily="34" charset="-120"/>
+                <a:ea typeface="微軟正黑體" panose="020B0604030504040204" pitchFamily="34" charset="-120"/>
+              </a:rPr>
+            </a:br>
             <a:r>
               <a:rPr lang="zh-TW" altLang="en-US" dirty="0" smtClean="0">
                 <a:solidFill>
@@ -9774,17 +9904,17 @@
                 <a:latin typeface="微軟正黑體" panose="020B0604030504040204" pitchFamily="34" charset="-120"/>
                 <a:ea typeface="微軟正黑體" panose="020B0604030504040204" pitchFamily="34" charset="-120"/>
               </a:rPr>
-              <a:t> 染色，可將圖片與指定顏色</a:t>
-            </a:r>
-            <a:r>
-              <a:rPr lang="en-US" altLang="zh-TW" dirty="0" smtClean="0">
-                <a:solidFill>
-                  <a:schemeClr val="bg1"/>
-                </a:solidFill>
-                <a:latin typeface="微軟正黑體" panose="020B0604030504040204" pitchFamily="34" charset="-120"/>
-                <a:ea typeface="微軟正黑體" panose="020B0604030504040204" pitchFamily="34" charset="-120"/>
-              </a:rPr>
-              <a:t>(</a:t>
+              <a:t>清除所</a:t>
+            </a:r>
+            <a:r>
+              <a:rPr lang="zh-TW" altLang="en-US" dirty="0">
+                <a:solidFill>
+                  <a:schemeClr val="bg1"/>
+                </a:solidFill>
+                <a:latin typeface="微軟正黑體" panose="020B0604030504040204" pitchFamily="34" charset="-120"/>
+                <a:ea typeface="微軟正黑體" panose="020B0604030504040204" pitchFamily="34" charset="-120"/>
+              </a:rPr>
+              <a:t>有</a:t>
             </a:r>
             <a:r>
               <a:rPr lang="zh-TW" altLang="en-US" dirty="0" smtClean="0">
@@ -9794,17 +9924,17 @@
                 <a:latin typeface="微軟正黑體" panose="020B0604030504040204" pitchFamily="34" charset="-120"/>
                 <a:ea typeface="微軟正黑體" panose="020B0604030504040204" pitchFamily="34" charset="-120"/>
               </a:rPr>
-              <a:t>使用 </a:t>
-            </a:r>
-            <a:r>
-              <a:rPr lang="en-US" altLang="zh-TW" dirty="0" smtClean="0">
-                <a:solidFill>
-                  <a:schemeClr val="bg1"/>
-                </a:solidFill>
-                <a:latin typeface="微軟正黑體" panose="020B0604030504040204" pitchFamily="34" charset="-120"/>
-                <a:ea typeface="微軟正黑體" panose="020B0604030504040204" pitchFamily="34" charset="-120"/>
-              </a:rPr>
-              <a:t>16</a:t>
+              <a:t>軌道，</a:t>
+            </a:r>
+            <a:r>
+              <a:rPr lang="zh-TW" altLang="en-US" dirty="0">
+                <a:solidFill>
+                  <a:schemeClr val="bg1"/>
+                </a:solidFill>
+                <a:latin typeface="微軟正黑體" panose="020B0604030504040204" pitchFamily="34" charset="-120"/>
+                <a:ea typeface="微軟正黑體" panose="020B0604030504040204" pitchFamily="34" charset="-120"/>
+              </a:rPr>
+              <a:t>所有動畫排程將被</a:t>
             </a:r>
             <a:r>
               <a:rPr lang="zh-TW" altLang="en-US" dirty="0" smtClean="0">
@@ -9814,27 +9944,7 @@
                 <a:latin typeface="微軟正黑體" panose="020B0604030504040204" pitchFamily="34" charset="-120"/>
                 <a:ea typeface="微軟正黑體" panose="020B0604030504040204" pitchFamily="34" charset="-120"/>
               </a:rPr>
-              <a:t> 進位</a:t>
-            </a:r>
-            <a:r>
-              <a:rPr lang="en-US" altLang="zh-TW" dirty="0" smtClean="0">
-                <a:solidFill>
-                  <a:schemeClr val="bg1"/>
-                </a:solidFill>
-                <a:latin typeface="微軟正黑體" panose="020B0604030504040204" pitchFamily="34" charset="-120"/>
-                <a:ea typeface="微軟正黑體" panose="020B0604030504040204" pitchFamily="34" charset="-120"/>
-              </a:rPr>
-              <a:t>)</a:t>
-            </a:r>
-            <a:r>
-              <a:rPr lang="zh-TW" altLang="en-US" dirty="0" smtClean="0">
-                <a:solidFill>
-                  <a:schemeClr val="bg1"/>
-                </a:solidFill>
-                <a:latin typeface="微軟正黑體" panose="020B0604030504040204" pitchFamily="34" charset="-120"/>
-                <a:ea typeface="微軟正黑體" panose="020B0604030504040204" pitchFamily="34" charset="-120"/>
-              </a:rPr>
-              <a:t>做混合，產生偏暗或偏紅等效果。</a:t>
+              <a:t>清除，骨架會停在當下的動作。</a:t>
             </a:r>
             <a:endParaRPr lang="en-US" altLang="zh-TW" dirty="0" smtClean="0">
               <a:solidFill>
@@ -9864,7 +9974,7 @@
       </p:sp>
       <p:pic>
         <p:nvPicPr>
-          <p:cNvPr id="4" name="圖片 3"/>
+          <p:cNvPr id="2" name="圖片 1"/>
           <p:cNvPicPr>
             <a:picLocks noChangeAspect="1"/>
           </p:cNvPicPr>
@@ -9878,32 +9988,8 @@
         </p:blipFill>
         <p:spPr>
           <a:xfrm>
-            <a:off x="1043608" y="4149080"/>
-            <a:ext cx="5543550" cy="533400"/>
-          </a:xfrm>
-          <a:prstGeom prst="rect">
-            <a:avLst/>
-          </a:prstGeom>
-        </p:spPr>
-      </p:pic>
-      <p:pic>
-        <p:nvPicPr>
-          <p:cNvPr id="5" name="圖片 4"/>
-          <p:cNvPicPr>
-            <a:picLocks noChangeAspect="1"/>
-          </p:cNvPicPr>
-          <p:nvPr/>
-        </p:nvPicPr>
-        <p:blipFill>
-          <a:blip r:embed="rId5"/>
-          <a:stretch>
-            <a:fillRect/>
-          </a:stretch>
-        </p:blipFill>
-        <p:spPr>
-          <a:xfrm>
-            <a:off x="1049461" y="5085184"/>
-            <a:ext cx="4048125" cy="371475"/>
+            <a:off x="1331640" y="4005064"/>
+            <a:ext cx="5695950" cy="800100"/>
           </a:xfrm>
           <a:prstGeom prst="rect">
             <a:avLst/>
@@ -10001,7 +10087,7 @@
                 <a:latin typeface="微軟正黑體" panose="020B0604030504040204" pitchFamily="34" charset="-120"/>
                 <a:ea typeface="微軟正黑體" panose="020B0604030504040204" pitchFamily="34" charset="-120"/>
               </a:rPr>
-              <a:t>09</a:t>
+              <a:t>08</a:t>
             </a:r>
             <a:endParaRPr lang="zh-TW" altLang="en-US" sz="2400" b="1" i="1" dirty="0">
               <a:latin typeface="微軟正黑體" panose="020B0604030504040204" pitchFamily="34" charset="-120"/>
@@ -10154,7 +10240,7 @@
         <p:spPr>
           <a:xfrm>
             <a:off x="813962" y="421214"/>
-            <a:ext cx="1531188" cy="415498"/>
+            <a:ext cx="1518364" cy="415498"/>
           </a:xfrm>
           <a:prstGeom prst="rect">
             <a:avLst/>
@@ -10168,6 +10254,16 @@
           <a:lstStyle/>
           <a:p>
             <a:r>
+              <a:rPr lang="en-US" altLang="zh-TW" sz="2100" b="1" dirty="0" smtClean="0">
+                <a:solidFill>
+                  <a:srgbClr val="E13763"/>
+                </a:solidFill>
+                <a:latin typeface="微軟正黑體" panose="020B0604030504040204" pitchFamily="34" charset="-120"/>
+                <a:ea typeface="微軟正黑體" panose="020B0604030504040204" pitchFamily="34" charset="-120"/>
+              </a:rPr>
+              <a:t>Spine </a:t>
+            </a:r>
+            <a:r>
               <a:rPr lang="zh-TW" altLang="en-US" sz="2100" b="1" dirty="0" smtClean="0">
                 <a:solidFill>
                   <a:srgbClr val="E13763"/>
@@ -10175,9 +10271,9 @@
                 <a:latin typeface="微軟正黑體" panose="020B0604030504040204" pitchFamily="34" charset="-120"/>
                 <a:ea typeface="微軟正黑體" panose="020B0604030504040204" pitchFamily="34" charset="-120"/>
               </a:rPr>
-              <a:t>時間線控制</a:t>
-            </a:r>
-            <a:endParaRPr lang="en-US" altLang="zh-TW" sz="2100" b="1" dirty="0" smtClean="0">
+              <a:t>函式</a:t>
+            </a:r>
+            <a:endParaRPr lang="zh-TW" altLang="en-US" sz="2100" b="1" dirty="0">
               <a:solidFill>
                 <a:srgbClr val="E13763"/>
               </a:solidFill>
@@ -10195,8 +10291,8 @@
         </p:nvSpPr>
         <p:spPr>
           <a:xfrm>
-            <a:off x="820636" y="1124744"/>
-            <a:ext cx="7783812" cy="3831818"/>
+            <a:off x="816511" y="1470901"/>
+            <a:ext cx="7485918" cy="2585323"/>
           </a:xfrm>
           <a:prstGeom prst="rect">
             <a:avLst/>
@@ -10214,9 +10310,28 @@
                 <a:spcPct val="150000"/>
               </a:lnSpc>
               <a:buFont typeface="+mj-lt"/>
-              <a:buAutoNum type="arabicPeriod"/>
+              <a:buAutoNum type="arabicPeriod" startAt="11"/>
             </a:pPr>
             <a:r>
+              <a:rPr lang="en-US" altLang="zh-TW" dirty="0" smtClean="0">
+                <a:solidFill>
+                  <a:schemeClr val="bg1"/>
+                </a:solidFill>
+                <a:latin typeface="微軟正黑體" panose="020B0604030504040204" pitchFamily="34" charset="-120"/>
+                <a:ea typeface="微軟正黑體" panose="020B0604030504040204" pitchFamily="34" charset="-120"/>
+              </a:rPr>
+              <a:t>spine.skeleton.setToSetupPose();</a:t>
+            </a:r>
+            <a:br>
+              <a:rPr lang="en-US" altLang="zh-TW" dirty="0" smtClean="0">
+                <a:solidFill>
+                  <a:schemeClr val="bg1"/>
+                </a:solidFill>
+                <a:latin typeface="微軟正黑體" panose="020B0604030504040204" pitchFamily="34" charset="-120"/>
+                <a:ea typeface="微軟正黑體" panose="020B0604030504040204" pitchFamily="34" charset="-120"/>
+              </a:rPr>
+            </a:br>
+            <a:r>
               <a:rPr lang="zh-TW" altLang="en-US" dirty="0" smtClean="0">
                 <a:solidFill>
                   <a:schemeClr val="bg1"/>
@@ -10224,17 +10339,17 @@
                 <a:latin typeface="微軟正黑體" panose="020B0604030504040204" pitchFamily="34" charset="-120"/>
                 <a:ea typeface="微軟正黑體" panose="020B0604030504040204" pitchFamily="34" charset="-120"/>
               </a:rPr>
-              <a:t>若要控制動畫時間線，需先將</a:t>
-            </a:r>
-            <a:r>
-              <a:rPr lang="en-US" altLang="zh-TW" dirty="0" err="1" smtClean="0">
-                <a:solidFill>
-                  <a:schemeClr val="bg1"/>
-                </a:solidFill>
-                <a:latin typeface="微軟正黑體" panose="020B0604030504040204" pitchFamily="34" charset="-120"/>
-                <a:ea typeface="微軟正黑體" panose="020B0604030504040204" pitchFamily="34" charset="-120"/>
-              </a:rPr>
-              <a:t>autoUpdate</a:t>
+              <a:t>骨架回到</a:t>
+            </a:r>
+            <a:r>
+              <a:rPr lang="zh-TW" altLang="en-US" dirty="0">
+                <a:solidFill>
+                  <a:schemeClr val="bg1"/>
+                </a:solidFill>
+                <a:latin typeface="微軟正黑體" panose="020B0604030504040204" pitchFamily="34" charset="-120"/>
+                <a:ea typeface="微軟正黑體" panose="020B0604030504040204" pitchFamily="34" charset="-120"/>
+              </a:rPr>
+              <a:t>初</a:t>
             </a:r>
             <a:r>
               <a:rPr lang="zh-TW" altLang="en-US" dirty="0" smtClean="0">
@@ -10244,17 +10359,17 @@
                 <a:latin typeface="微軟正黑體" panose="020B0604030504040204" pitchFamily="34" charset="-120"/>
                 <a:ea typeface="微軟正黑體" panose="020B0604030504040204" pitchFamily="34" charset="-120"/>
               </a:rPr>
-              <a:t>設為 </a:t>
-            </a:r>
-            <a:r>
-              <a:rPr lang="en-US" altLang="zh-TW" dirty="0" smtClean="0">
-                <a:solidFill>
-                  <a:schemeClr val="bg1"/>
-                </a:solidFill>
-                <a:latin typeface="微軟正黑體" panose="020B0604030504040204" pitchFamily="34" charset="-120"/>
-                <a:ea typeface="微軟正黑體" panose="020B0604030504040204" pitchFamily="34" charset="-120"/>
-              </a:rPr>
-              <a:t>false</a:t>
+              <a:t>始</a:t>
+            </a:r>
+            <a:r>
+              <a:rPr lang="zh-TW" altLang="en-US" dirty="0">
+                <a:solidFill>
+                  <a:schemeClr val="bg1"/>
+                </a:solidFill>
+                <a:latin typeface="微軟正黑體" panose="020B0604030504040204" pitchFamily="34" charset="-120"/>
+                <a:ea typeface="微軟正黑體" panose="020B0604030504040204" pitchFamily="34" charset="-120"/>
+              </a:rPr>
+              <a:t>位置</a:t>
             </a:r>
             <a:r>
               <a:rPr lang="zh-TW" altLang="en-US" dirty="0" smtClean="0">
@@ -10264,7 +10379,7 @@
                 <a:latin typeface="微軟正黑體" panose="020B0604030504040204" pitchFamily="34" charset="-120"/>
                 <a:ea typeface="微軟正黑體" panose="020B0604030504040204" pitchFamily="34" charset="-120"/>
               </a:rPr>
-              <a:t>。</a:t>
+              <a:t>，在清空軌道時最好做此設定，以免骨骼位置不正確，影響其他動作。</a:t>
             </a:r>
             <a:endParaRPr lang="en-US" altLang="zh-TW" dirty="0" smtClean="0">
               <a:solidFill>
@@ -10280,9 +10395,19 @@
                 <a:spcPct val="150000"/>
               </a:lnSpc>
               <a:buFont typeface="+mj-lt"/>
-              <a:buAutoNum type="arabicPeriod"/>
+              <a:buAutoNum type="arabicPeriod" startAt="11"/>
             </a:pPr>
             <a:r>
+              <a:rPr lang="en-US" altLang="zh-TW" dirty="0" err="1" smtClean="0">
+                <a:solidFill>
+                  <a:schemeClr val="bg1"/>
+                </a:solidFill>
+                <a:latin typeface="微軟正黑體" panose="020B0604030504040204" pitchFamily="34" charset="-120"/>
+                <a:ea typeface="微軟正黑體" panose="020B0604030504040204" pitchFamily="34" charset="-120"/>
+              </a:rPr>
+              <a:t>spine.tint</a:t>
+            </a:r>
+            <a:r>
               <a:rPr lang="zh-TW" altLang="en-US" dirty="0" smtClean="0">
                 <a:solidFill>
                   <a:schemeClr val="bg1"/>
@@ -10290,66 +10415,7 @@
                 <a:latin typeface="微軟正黑體" panose="020B0604030504040204" pitchFamily="34" charset="-120"/>
                 <a:ea typeface="微軟正黑體" panose="020B0604030504040204" pitchFamily="34" charset="-120"/>
               </a:rPr>
-              <a:t>若要將動畫設定在特定的時間點上，需先使用</a:t>
-            </a:r>
-            <a:r>
-              <a:rPr lang="en-US" altLang="zh-TW" dirty="0">
-                <a:solidFill>
-                  <a:schemeClr val="bg1"/>
-                </a:solidFill>
-                <a:latin typeface="微軟正黑體" panose="020B0604030504040204" pitchFamily="34" charset="-120"/>
-                <a:ea typeface="微軟正黑體" panose="020B0604030504040204" pitchFamily="34" charset="-120"/>
-              </a:rPr>
-              <a:t/>
-            </a:r>
-            <a:br>
-              <a:rPr lang="en-US" altLang="zh-TW" dirty="0">
-                <a:solidFill>
-                  <a:schemeClr val="bg1"/>
-                </a:solidFill>
-                <a:latin typeface="微軟正黑體" panose="020B0604030504040204" pitchFamily="34" charset="-120"/>
-                <a:ea typeface="微軟正黑體" panose="020B0604030504040204" pitchFamily="34" charset="-120"/>
-              </a:rPr>
-            </a:br>
-            <a:r>
-              <a:rPr lang="en-US" altLang="zh-TW" dirty="0" err="1">
-                <a:solidFill>
-                  <a:schemeClr val="bg1"/>
-                </a:solidFill>
-                <a:latin typeface="微軟正黑體" panose="020B0604030504040204" pitchFamily="34" charset="-120"/>
-                <a:ea typeface="微軟正黑體" panose="020B0604030504040204" pitchFamily="34" charset="-120"/>
-              </a:rPr>
-              <a:t>spine.state.setAnimation</a:t>
-            </a:r>
-            <a:r>
-              <a:rPr lang="en-US" altLang="zh-TW" dirty="0">
-                <a:solidFill>
-                  <a:schemeClr val="bg1"/>
-                </a:solidFill>
-                <a:latin typeface="微軟正黑體" panose="020B0604030504040204" pitchFamily="34" charset="-120"/>
-                <a:ea typeface="微軟正黑體" panose="020B0604030504040204" pitchFamily="34" charset="-120"/>
-              </a:rPr>
-              <a:t>( tracks, </a:t>
-            </a:r>
-            <a:r>
-              <a:rPr lang="en-US" altLang="zh-TW" dirty="0" err="1">
-                <a:solidFill>
-                  <a:schemeClr val="bg1"/>
-                </a:solidFill>
-                <a:latin typeface="微軟正黑體" panose="020B0604030504040204" pitchFamily="34" charset="-120"/>
-                <a:ea typeface="微軟正黑體" panose="020B0604030504040204" pitchFamily="34" charset="-120"/>
-              </a:rPr>
-              <a:t>act_name</a:t>
-            </a:r>
-            <a:r>
-              <a:rPr lang="en-US" altLang="zh-TW" dirty="0">
-                <a:solidFill>
-                  <a:schemeClr val="bg1"/>
-                </a:solidFill>
-                <a:latin typeface="微軟正黑體" panose="020B0604030504040204" pitchFamily="34" charset="-120"/>
-                <a:ea typeface="微軟正黑體" panose="020B0604030504040204" pitchFamily="34" charset="-120"/>
-              </a:rPr>
-              <a:t>, loop </a:t>
+              <a:t> 染色，可將圖片與指定顏色</a:t>
             </a:r>
             <a:r>
               <a:rPr lang="en-US" altLang="zh-TW" dirty="0" smtClean="0">
@@ -10359,9 +10425,19 @@
                 <a:latin typeface="微軟正黑體" panose="020B0604030504040204" pitchFamily="34" charset="-120"/>
                 <a:ea typeface="微軟正黑體" panose="020B0604030504040204" pitchFamily="34" charset="-120"/>
               </a:rPr>
-              <a:t>);</a:t>
-            </a:r>
-            <a:br>
+              <a:t>(</a:t>
+            </a:r>
+            <a:r>
+              <a:rPr lang="zh-TW" altLang="en-US" dirty="0" smtClean="0">
+                <a:solidFill>
+                  <a:schemeClr val="bg1"/>
+                </a:solidFill>
+                <a:latin typeface="微軟正黑體" panose="020B0604030504040204" pitchFamily="34" charset="-120"/>
+                <a:ea typeface="微軟正黑體" panose="020B0604030504040204" pitchFamily="34" charset="-120"/>
+              </a:rPr>
+              <a:t>使用 </a:t>
+            </a:r>
+            <a:r>
               <a:rPr lang="en-US" altLang="zh-TW" dirty="0" smtClean="0">
                 <a:solidFill>
                   <a:schemeClr val="bg1"/>
@@ -10369,7 +10445,8 @@
                 <a:latin typeface="微軟正黑體" panose="020B0604030504040204" pitchFamily="34" charset="-120"/>
                 <a:ea typeface="微軟正黑體" panose="020B0604030504040204" pitchFamily="34" charset="-120"/>
               </a:rPr>
-            </a:br>
+              <a:t>16</a:t>
+            </a:r>
             <a:r>
               <a:rPr lang="zh-TW" altLang="en-US" dirty="0" smtClean="0">
                 <a:solidFill>
@@ -10378,7 +10455,7 @@
                 <a:latin typeface="微軟正黑體" panose="020B0604030504040204" pitchFamily="34" charset="-120"/>
                 <a:ea typeface="微軟正黑體" panose="020B0604030504040204" pitchFamily="34" charset="-120"/>
               </a:rPr>
-              <a:t>將時間線重設為 </a:t>
+              <a:t> 進位</a:t>
             </a:r>
             <a:r>
               <a:rPr lang="en-US" altLang="zh-TW" dirty="0" smtClean="0">
@@ -10388,7 +10465,7 @@
                 <a:latin typeface="微軟正黑體" panose="020B0604030504040204" pitchFamily="34" charset="-120"/>
                 <a:ea typeface="微軟正黑體" panose="020B0604030504040204" pitchFamily="34" charset="-120"/>
               </a:rPr>
-              <a:t>0</a:t>
+              <a:t>)</a:t>
             </a:r>
             <a:r>
               <a:rPr lang="zh-TW" altLang="en-US" dirty="0" smtClean="0">
@@ -10398,27 +10475,7 @@
                 <a:latin typeface="微軟正黑體" panose="020B0604030504040204" pitchFamily="34" charset="-120"/>
                 <a:ea typeface="微軟正黑體" panose="020B0604030504040204" pitchFamily="34" charset="-120"/>
               </a:rPr>
-              <a:t>，再使用 </a:t>
-            </a:r>
-            <a:r>
-              <a:rPr lang="en-US" altLang="zh-TW" dirty="0" smtClean="0">
-                <a:solidFill>
-                  <a:schemeClr val="bg1"/>
-                </a:solidFill>
-                <a:latin typeface="微軟正黑體" panose="020B0604030504040204" pitchFamily="34" charset="-120"/>
-                <a:ea typeface="微軟正黑體" panose="020B0604030504040204" pitchFamily="34" charset="-120"/>
-              </a:rPr>
-              <a:t>update( delta )</a:t>
-            </a:r>
-            <a:r>
-              <a:rPr lang="zh-TW" altLang="en-US" dirty="0" smtClean="0">
-                <a:solidFill>
-                  <a:schemeClr val="bg1"/>
-                </a:solidFill>
-                <a:latin typeface="微軟正黑體" panose="020B0604030504040204" pitchFamily="34" charset="-120"/>
-                <a:ea typeface="微軟正黑體" panose="020B0604030504040204" pitchFamily="34" charset="-120"/>
-              </a:rPr>
-              <a:t> 將時間線跳至想要的點。</a:t>
+              <a:t>做混合，產生偏暗或偏紅等效果。</a:t>
             </a:r>
             <a:endParaRPr lang="en-US" altLang="zh-TW" dirty="0" smtClean="0">
               <a:solidFill>
@@ -10434,116 +10491,8 @@
                 <a:spcPct val="150000"/>
               </a:lnSpc>
               <a:buFont typeface="+mj-lt"/>
-              <a:buAutoNum type="arabicPeriod"/>
+              <a:buAutoNum type="arabicPeriod" startAt="11"/>
             </a:pPr>
-            <a:r>
-              <a:rPr lang="zh-TW" altLang="en-US" dirty="0" smtClean="0">
-                <a:solidFill>
-                  <a:schemeClr val="bg1"/>
-                </a:solidFill>
-                <a:latin typeface="微軟正黑體" panose="020B0604030504040204" pitchFamily="34" charset="-120"/>
-                <a:ea typeface="微軟正黑體" panose="020B0604030504040204" pitchFamily="34" charset="-120"/>
-              </a:rPr>
-              <a:t>若想取得當下時間線的時間，可使用</a:t>
-            </a:r>
-            <a:r>
-              <a:rPr lang="en-US" altLang="zh-TW" dirty="0" smtClean="0">
-                <a:solidFill>
-                  <a:schemeClr val="bg1"/>
-                </a:solidFill>
-                <a:latin typeface="微軟正黑體" panose="020B0604030504040204" pitchFamily="34" charset="-120"/>
-                <a:ea typeface="微軟正黑體" panose="020B0604030504040204" pitchFamily="34" charset="-120"/>
-              </a:rPr>
-              <a:t/>
-            </a:r>
-            <a:br>
-              <a:rPr lang="en-US" altLang="zh-TW" dirty="0" smtClean="0">
-                <a:solidFill>
-                  <a:schemeClr val="bg1"/>
-                </a:solidFill>
-                <a:latin typeface="微軟正黑體" panose="020B0604030504040204" pitchFamily="34" charset="-120"/>
-                <a:ea typeface="微軟正黑體" panose="020B0604030504040204" pitchFamily="34" charset="-120"/>
-              </a:rPr>
-            </a:br>
-            <a:r>
-              <a:rPr lang="en-US" altLang="zh-TW" dirty="0" err="1" smtClean="0">
-                <a:solidFill>
-                  <a:schemeClr val="bg1"/>
-                </a:solidFill>
-                <a:latin typeface="微軟正黑體" panose="020B0604030504040204" pitchFamily="34" charset="-120"/>
-                <a:ea typeface="微軟正黑體" panose="020B0604030504040204" pitchFamily="34" charset="-120"/>
-              </a:rPr>
-              <a:t>spine.state.getCurrent</a:t>
-            </a:r>
-            <a:r>
-              <a:rPr lang="en-US" altLang="zh-TW" dirty="0" smtClean="0">
-                <a:solidFill>
-                  <a:schemeClr val="bg1"/>
-                </a:solidFill>
-                <a:latin typeface="微軟正黑體" panose="020B0604030504040204" pitchFamily="34" charset="-120"/>
-                <a:ea typeface="微軟正黑體" panose="020B0604030504040204" pitchFamily="34" charset="-120"/>
-              </a:rPr>
-              <a:t>( index )</a:t>
-            </a:r>
-            <a:r>
-              <a:rPr lang="zh-TW" altLang="en-US" dirty="0" smtClean="0">
-                <a:solidFill>
-                  <a:schemeClr val="bg1"/>
-                </a:solidFill>
-                <a:latin typeface="微軟正黑體" panose="020B0604030504040204" pitchFamily="34" charset="-120"/>
-                <a:ea typeface="微軟正黑體" panose="020B0604030504040204" pitchFamily="34" charset="-120"/>
-              </a:rPr>
-              <a:t>取得使用的軌道之後，再使用</a:t>
-            </a:r>
-            <a:r>
-              <a:rPr lang="en-US" altLang="zh-TW" dirty="0">
-                <a:solidFill>
-                  <a:schemeClr val="bg1"/>
-                </a:solidFill>
-                <a:latin typeface="微軟正黑體" panose="020B0604030504040204" pitchFamily="34" charset="-120"/>
-                <a:ea typeface="微軟正黑體" panose="020B0604030504040204" pitchFamily="34" charset="-120"/>
-              </a:rPr>
-              <a:t/>
-            </a:r>
-            <a:br>
-              <a:rPr lang="en-US" altLang="zh-TW" dirty="0">
-                <a:solidFill>
-                  <a:schemeClr val="bg1"/>
-                </a:solidFill>
-                <a:latin typeface="微軟正黑體" panose="020B0604030504040204" pitchFamily="34" charset="-120"/>
-                <a:ea typeface="微軟正黑體" panose="020B0604030504040204" pitchFamily="34" charset="-120"/>
-              </a:rPr>
-            </a:br>
-            <a:r>
-              <a:rPr lang="en-US" altLang="zh-TW" dirty="0" err="1" smtClean="0">
-                <a:solidFill>
-                  <a:schemeClr val="bg1"/>
-                </a:solidFill>
-                <a:latin typeface="微軟正黑體" panose="020B0604030504040204" pitchFamily="34" charset="-120"/>
-                <a:ea typeface="微軟正黑體" panose="020B0604030504040204" pitchFamily="34" charset="-120"/>
-              </a:rPr>
-              <a:t>getAnimationTime</a:t>
-            </a:r>
-            <a:r>
-              <a:rPr lang="en-US" altLang="zh-TW" dirty="0" smtClean="0">
-                <a:solidFill>
-                  <a:schemeClr val="bg1"/>
-                </a:solidFill>
-                <a:latin typeface="微軟正黑體" panose="020B0604030504040204" pitchFamily="34" charset="-120"/>
-                <a:ea typeface="微軟正黑體" panose="020B0604030504040204" pitchFamily="34" charset="-120"/>
-              </a:rPr>
-              <a:t>()</a:t>
-            </a:r>
-            <a:r>
-              <a:rPr lang="zh-TW" altLang="en-US" dirty="0" smtClean="0">
-                <a:solidFill>
-                  <a:schemeClr val="bg1"/>
-                </a:solidFill>
-                <a:latin typeface="微軟正黑體" panose="020B0604030504040204" pitchFamily="34" charset="-120"/>
-                <a:ea typeface="微軟正黑體" panose="020B0604030504040204" pitchFamily="34" charset="-120"/>
-              </a:rPr>
-              <a:t> 取得當下時間。</a:t>
-            </a:r>
             <a:endParaRPr lang="en-US" altLang="zh-TW" dirty="0" smtClean="0">
               <a:solidFill>
                 <a:schemeClr val="bg1"/>
@@ -10552,106 +10501,11 @@
               <a:ea typeface="微軟正黑體" panose="020B0604030504040204" pitchFamily="34" charset="-120"/>
             </a:endParaRPr>
           </a:p>
-          <a:p>
-            <a:pPr marL="342900" indent="-342900">
-              <a:lnSpc>
-                <a:spcPct val="150000"/>
-              </a:lnSpc>
-              <a:buFont typeface="+mj-lt"/>
-              <a:buAutoNum type="arabicPeriod"/>
-            </a:pPr>
-            <a:r>
-              <a:rPr lang="en-US" altLang="zh-TW" dirty="0" err="1">
-                <a:solidFill>
-                  <a:schemeClr val="bg1"/>
-                </a:solidFill>
-                <a:latin typeface="微軟正黑體" panose="020B0604030504040204" pitchFamily="34" charset="-120"/>
-                <a:ea typeface="微軟正黑體" panose="020B0604030504040204" pitchFamily="34" charset="-120"/>
-              </a:rPr>
-              <a:t>spine.state.getCurrent</a:t>
-            </a:r>
-            <a:r>
-              <a:rPr lang="en-US" altLang="zh-TW" dirty="0">
-                <a:solidFill>
-                  <a:schemeClr val="bg1"/>
-                </a:solidFill>
-                <a:latin typeface="微軟正黑體" panose="020B0604030504040204" pitchFamily="34" charset="-120"/>
-                <a:ea typeface="微軟正黑體" panose="020B0604030504040204" pitchFamily="34" charset="-120"/>
-              </a:rPr>
-              <a:t>( index </a:t>
-            </a:r>
-            <a:r>
-              <a:rPr lang="en-US" altLang="zh-TW" dirty="0" smtClean="0">
-                <a:solidFill>
-                  <a:schemeClr val="bg1"/>
-                </a:solidFill>
-                <a:latin typeface="微軟正黑體" panose="020B0604030504040204" pitchFamily="34" charset="-120"/>
-                <a:ea typeface="微軟正黑體" panose="020B0604030504040204" pitchFamily="34" charset="-120"/>
-              </a:rPr>
-              <a:t>)</a:t>
-            </a:r>
-            <a:r>
-              <a:rPr lang="zh-TW" altLang="en-US" dirty="0" smtClean="0">
-                <a:solidFill>
-                  <a:schemeClr val="bg1"/>
-                </a:solidFill>
-                <a:latin typeface="微軟正黑體" panose="020B0604030504040204" pitchFamily="34" charset="-120"/>
-                <a:ea typeface="微軟正黑體" panose="020B0604030504040204" pitchFamily="34" charset="-120"/>
-              </a:rPr>
-              <a:t> 可直接改為 </a:t>
-            </a:r>
-            <a:r>
-              <a:rPr lang="en-US" altLang="zh-TW" dirty="0" err="1" smtClean="0">
-                <a:solidFill>
-                  <a:schemeClr val="bg1"/>
-                </a:solidFill>
-                <a:latin typeface="微軟正黑體" panose="020B0604030504040204" pitchFamily="34" charset="-120"/>
-                <a:ea typeface="微軟正黑體" panose="020B0604030504040204" pitchFamily="34" charset="-120"/>
-              </a:rPr>
-              <a:t>spine.state.tracks</a:t>
-            </a:r>
-            <a:r>
-              <a:rPr lang="en-US" altLang="zh-TW" dirty="0" smtClean="0">
-                <a:solidFill>
-                  <a:schemeClr val="bg1"/>
-                </a:solidFill>
-                <a:latin typeface="微軟正黑體" panose="020B0604030504040204" pitchFamily="34" charset="-120"/>
-                <a:ea typeface="微軟正黑體" panose="020B0604030504040204" pitchFamily="34" charset="-120"/>
-              </a:rPr>
-              <a:t>[ index ]</a:t>
-            </a:r>
-            <a:r>
-              <a:rPr lang="en-US" altLang="zh-TW" dirty="0">
-                <a:solidFill>
-                  <a:schemeClr val="bg1"/>
-                </a:solidFill>
-                <a:latin typeface="微軟正黑體" panose="020B0604030504040204" pitchFamily="34" charset="-120"/>
-                <a:ea typeface="微軟正黑體" panose="020B0604030504040204" pitchFamily="34" charset="-120"/>
-              </a:rPr>
-              <a:t/>
-            </a:r>
-            <a:br>
-              <a:rPr lang="en-US" altLang="zh-TW" dirty="0">
-                <a:solidFill>
-                  <a:schemeClr val="bg1"/>
-                </a:solidFill>
-                <a:latin typeface="微軟正黑體" panose="020B0604030504040204" pitchFamily="34" charset="-120"/>
-                <a:ea typeface="微軟正黑體" panose="020B0604030504040204" pitchFamily="34" charset="-120"/>
-              </a:rPr>
-            </a:br>
-            <a:endParaRPr lang="en-US" altLang="zh-TW" dirty="0" smtClean="0">
-              <a:solidFill>
-                <a:schemeClr val="bg1"/>
-              </a:solidFill>
-              <a:latin typeface="微軟正黑體" panose="020B0604030504040204" pitchFamily="34" charset="-120"/>
-              <a:ea typeface="微軟正黑體" panose="020B0604030504040204" pitchFamily="34" charset="-120"/>
-            </a:endParaRPr>
-          </a:p>
         </p:txBody>
       </p:sp>
       <p:pic>
         <p:nvPicPr>
-          <p:cNvPr id="2" name="圖片 1"/>
+          <p:cNvPr id="4" name="圖片 3"/>
           <p:cNvPicPr>
             <a:picLocks noChangeAspect="1"/>
           </p:cNvPicPr>
@@ -10665,8 +10519,32 @@
         </p:blipFill>
         <p:spPr>
           <a:xfrm>
-            <a:off x="1012079" y="4653136"/>
-            <a:ext cx="7400925" cy="1647825"/>
+            <a:off x="1043608" y="4149080"/>
+            <a:ext cx="5543550" cy="533400"/>
+          </a:xfrm>
+          <a:prstGeom prst="rect">
+            <a:avLst/>
+          </a:prstGeom>
+        </p:spPr>
+      </p:pic>
+      <p:pic>
+        <p:nvPicPr>
+          <p:cNvPr id="5" name="圖片 4"/>
+          <p:cNvPicPr>
+            <a:picLocks noChangeAspect="1"/>
+          </p:cNvPicPr>
+          <p:nvPr/>
+        </p:nvPicPr>
+        <p:blipFill>
+          <a:blip r:embed="rId5"/>
+          <a:stretch>
+            <a:fillRect/>
+          </a:stretch>
+        </p:blipFill>
+        <p:spPr>
+          <a:xfrm>
+            <a:off x="1049461" y="5085184"/>
+            <a:ext cx="4048125" cy="371475"/>
           </a:xfrm>
           <a:prstGeom prst="rect">
             <a:avLst/>
@@ -10676,7 +10554,7 @@
     </p:spTree>
     <p:extLst>
       <p:ext uri="{BB962C8B-B14F-4D97-AF65-F5344CB8AC3E}">
-        <p14:creationId xmlns:p14="http://schemas.microsoft.com/office/powerpoint/2010/main" val="499685653"/>
+        <p14:creationId xmlns:p14="http://schemas.microsoft.com/office/powerpoint/2010/main" val="2435059995"/>
       </p:ext>
     </p:extLst>
   </p:cSld>
@@ -10764,7 +10642,7 @@
                 <a:latin typeface="微軟正黑體" panose="020B0604030504040204" pitchFamily="34" charset="-120"/>
                 <a:ea typeface="微軟正黑體" panose="020B0604030504040204" pitchFamily="34" charset="-120"/>
               </a:rPr>
-              <a:t>10</a:t>
+              <a:t>09</a:t>
             </a:r>
             <a:endParaRPr lang="zh-TW" altLang="en-US" sz="2400" b="1" i="1" dirty="0">
               <a:latin typeface="微軟正黑體" panose="020B0604030504040204" pitchFamily="34" charset="-120"/>
@@ -10917,7 +10795,7 @@
         <p:spPr>
           <a:xfrm>
             <a:off x="813962" y="421214"/>
-            <a:ext cx="992579" cy="415498"/>
+            <a:ext cx="1531188" cy="415498"/>
           </a:xfrm>
           <a:prstGeom prst="rect">
             <a:avLst/>
@@ -10938,7 +10816,7 @@
                 <a:latin typeface="微軟正黑體" panose="020B0604030504040204" pitchFamily="34" charset="-120"/>
                 <a:ea typeface="微軟正黑體" panose="020B0604030504040204" pitchFamily="34" charset="-120"/>
               </a:rPr>
-              <a:t>空動畫</a:t>
+              <a:t>時間線控制</a:t>
             </a:r>
             <a:endParaRPr lang="en-US" altLang="zh-TW" sz="2100" b="1" dirty="0" smtClean="0">
               <a:solidFill>
@@ -10950,9 +10828,471 @@
           </a:p>
         </p:txBody>
       </p:sp>
+      <p:sp>
+        <p:nvSpPr>
+          <p:cNvPr id="21" name="文字方塊 20"/>
+          <p:cNvSpPr txBox="1"/>
+          <p:nvPr/>
+        </p:nvSpPr>
+        <p:spPr>
+          <a:xfrm>
+            <a:off x="820636" y="1124744"/>
+            <a:ext cx="7783812" cy="3831818"/>
+          </a:xfrm>
+          <a:prstGeom prst="rect">
+            <a:avLst/>
+          </a:prstGeom>
+          <a:noFill/>
+        </p:spPr>
+        <p:txBody>
+          <a:bodyPr wrap="square" rtlCol="0">
+            <a:spAutoFit/>
+          </a:bodyPr>
+          <a:lstStyle/>
+          <a:p>
+            <a:pPr marL="342900" indent="-342900">
+              <a:lnSpc>
+                <a:spcPct val="150000"/>
+              </a:lnSpc>
+              <a:buFont typeface="+mj-lt"/>
+              <a:buAutoNum type="arabicPeriod"/>
+            </a:pPr>
+            <a:r>
+              <a:rPr lang="zh-TW" altLang="en-US" dirty="0" smtClean="0">
+                <a:solidFill>
+                  <a:schemeClr val="bg1"/>
+                </a:solidFill>
+                <a:latin typeface="微軟正黑體" panose="020B0604030504040204" pitchFamily="34" charset="-120"/>
+                <a:ea typeface="微軟正黑體" panose="020B0604030504040204" pitchFamily="34" charset="-120"/>
+              </a:rPr>
+              <a:t>若要控制動畫時間線，需先將</a:t>
+            </a:r>
+            <a:r>
+              <a:rPr lang="en-US" altLang="zh-TW" dirty="0" err="1" smtClean="0">
+                <a:solidFill>
+                  <a:schemeClr val="bg1"/>
+                </a:solidFill>
+                <a:latin typeface="微軟正黑體" panose="020B0604030504040204" pitchFamily="34" charset="-120"/>
+                <a:ea typeface="微軟正黑體" panose="020B0604030504040204" pitchFamily="34" charset="-120"/>
+              </a:rPr>
+              <a:t>autoUpdate</a:t>
+            </a:r>
+            <a:r>
+              <a:rPr lang="zh-TW" altLang="en-US" dirty="0" smtClean="0">
+                <a:solidFill>
+                  <a:schemeClr val="bg1"/>
+                </a:solidFill>
+                <a:latin typeface="微軟正黑體" panose="020B0604030504040204" pitchFamily="34" charset="-120"/>
+                <a:ea typeface="微軟正黑體" panose="020B0604030504040204" pitchFamily="34" charset="-120"/>
+              </a:rPr>
+              <a:t>設為 </a:t>
+            </a:r>
+            <a:r>
+              <a:rPr lang="en-US" altLang="zh-TW" dirty="0" smtClean="0">
+                <a:solidFill>
+                  <a:schemeClr val="bg1"/>
+                </a:solidFill>
+                <a:latin typeface="微軟正黑體" panose="020B0604030504040204" pitchFamily="34" charset="-120"/>
+                <a:ea typeface="微軟正黑體" panose="020B0604030504040204" pitchFamily="34" charset="-120"/>
+              </a:rPr>
+              <a:t>false</a:t>
+            </a:r>
+            <a:r>
+              <a:rPr lang="zh-TW" altLang="en-US" dirty="0" smtClean="0">
+                <a:solidFill>
+                  <a:schemeClr val="bg1"/>
+                </a:solidFill>
+                <a:latin typeface="微軟正黑體" panose="020B0604030504040204" pitchFamily="34" charset="-120"/>
+                <a:ea typeface="微軟正黑體" panose="020B0604030504040204" pitchFamily="34" charset="-120"/>
+              </a:rPr>
+              <a:t>。</a:t>
+            </a:r>
+            <a:endParaRPr lang="en-US" altLang="zh-TW" dirty="0" smtClean="0">
+              <a:solidFill>
+                <a:schemeClr val="bg1"/>
+              </a:solidFill>
+              <a:latin typeface="微軟正黑體" panose="020B0604030504040204" pitchFamily="34" charset="-120"/>
+              <a:ea typeface="微軟正黑體" panose="020B0604030504040204" pitchFamily="34" charset="-120"/>
+            </a:endParaRPr>
+          </a:p>
+          <a:p>
+            <a:pPr marL="342900" indent="-342900">
+              <a:lnSpc>
+                <a:spcPct val="150000"/>
+              </a:lnSpc>
+              <a:buFont typeface="+mj-lt"/>
+              <a:buAutoNum type="arabicPeriod"/>
+            </a:pPr>
+            <a:r>
+              <a:rPr lang="zh-TW" altLang="en-US" dirty="0" smtClean="0">
+                <a:solidFill>
+                  <a:schemeClr val="bg1"/>
+                </a:solidFill>
+                <a:latin typeface="微軟正黑體" panose="020B0604030504040204" pitchFamily="34" charset="-120"/>
+                <a:ea typeface="微軟正黑體" panose="020B0604030504040204" pitchFamily="34" charset="-120"/>
+              </a:rPr>
+              <a:t>若要將動畫設定在特定的時間點上，需先使用</a:t>
+            </a:r>
+            <a:r>
+              <a:rPr lang="en-US" altLang="zh-TW" dirty="0">
+                <a:solidFill>
+                  <a:schemeClr val="bg1"/>
+                </a:solidFill>
+                <a:latin typeface="微軟正黑體" panose="020B0604030504040204" pitchFamily="34" charset="-120"/>
+                <a:ea typeface="微軟正黑體" panose="020B0604030504040204" pitchFamily="34" charset="-120"/>
+              </a:rPr>
+              <a:t/>
+            </a:r>
+            <a:br>
+              <a:rPr lang="en-US" altLang="zh-TW" dirty="0">
+                <a:solidFill>
+                  <a:schemeClr val="bg1"/>
+                </a:solidFill>
+                <a:latin typeface="微軟正黑體" panose="020B0604030504040204" pitchFamily="34" charset="-120"/>
+                <a:ea typeface="微軟正黑體" panose="020B0604030504040204" pitchFamily="34" charset="-120"/>
+              </a:rPr>
+            </a:br>
+            <a:r>
+              <a:rPr lang="en-US" altLang="zh-TW" dirty="0" err="1">
+                <a:solidFill>
+                  <a:schemeClr val="bg1"/>
+                </a:solidFill>
+                <a:latin typeface="微軟正黑體" panose="020B0604030504040204" pitchFamily="34" charset="-120"/>
+                <a:ea typeface="微軟正黑體" panose="020B0604030504040204" pitchFamily="34" charset="-120"/>
+              </a:rPr>
+              <a:t>spine.state.setAnimation</a:t>
+            </a:r>
+            <a:r>
+              <a:rPr lang="en-US" altLang="zh-TW" dirty="0">
+                <a:solidFill>
+                  <a:schemeClr val="bg1"/>
+                </a:solidFill>
+                <a:latin typeface="微軟正黑體" panose="020B0604030504040204" pitchFamily="34" charset="-120"/>
+                <a:ea typeface="微軟正黑體" panose="020B0604030504040204" pitchFamily="34" charset="-120"/>
+              </a:rPr>
+              <a:t>( tracks, </a:t>
+            </a:r>
+            <a:r>
+              <a:rPr lang="en-US" altLang="zh-TW" dirty="0" err="1">
+                <a:solidFill>
+                  <a:schemeClr val="bg1"/>
+                </a:solidFill>
+                <a:latin typeface="微軟正黑體" panose="020B0604030504040204" pitchFamily="34" charset="-120"/>
+                <a:ea typeface="微軟正黑體" panose="020B0604030504040204" pitchFamily="34" charset="-120"/>
+              </a:rPr>
+              <a:t>act_name</a:t>
+            </a:r>
+            <a:r>
+              <a:rPr lang="en-US" altLang="zh-TW" dirty="0">
+                <a:solidFill>
+                  <a:schemeClr val="bg1"/>
+                </a:solidFill>
+                <a:latin typeface="微軟正黑體" panose="020B0604030504040204" pitchFamily="34" charset="-120"/>
+                <a:ea typeface="微軟正黑體" panose="020B0604030504040204" pitchFamily="34" charset="-120"/>
+              </a:rPr>
+              <a:t>, loop </a:t>
+            </a:r>
+            <a:r>
+              <a:rPr lang="en-US" altLang="zh-TW" dirty="0" smtClean="0">
+                <a:solidFill>
+                  <a:schemeClr val="bg1"/>
+                </a:solidFill>
+                <a:latin typeface="微軟正黑體" panose="020B0604030504040204" pitchFamily="34" charset="-120"/>
+                <a:ea typeface="微軟正黑體" panose="020B0604030504040204" pitchFamily="34" charset="-120"/>
+              </a:rPr>
+              <a:t>);</a:t>
+            </a:r>
+            <a:br>
+              <a:rPr lang="en-US" altLang="zh-TW" dirty="0" smtClean="0">
+                <a:solidFill>
+                  <a:schemeClr val="bg1"/>
+                </a:solidFill>
+                <a:latin typeface="微軟正黑體" panose="020B0604030504040204" pitchFamily="34" charset="-120"/>
+                <a:ea typeface="微軟正黑體" panose="020B0604030504040204" pitchFamily="34" charset="-120"/>
+              </a:rPr>
+            </a:br>
+            <a:r>
+              <a:rPr lang="zh-TW" altLang="en-US" dirty="0" smtClean="0">
+                <a:solidFill>
+                  <a:schemeClr val="bg1"/>
+                </a:solidFill>
+                <a:latin typeface="微軟正黑體" panose="020B0604030504040204" pitchFamily="34" charset="-120"/>
+                <a:ea typeface="微軟正黑體" panose="020B0604030504040204" pitchFamily="34" charset="-120"/>
+              </a:rPr>
+              <a:t>將時間線重設為 </a:t>
+            </a:r>
+            <a:r>
+              <a:rPr lang="en-US" altLang="zh-TW" dirty="0" smtClean="0">
+                <a:solidFill>
+                  <a:schemeClr val="bg1"/>
+                </a:solidFill>
+                <a:latin typeface="微軟正黑體" panose="020B0604030504040204" pitchFamily="34" charset="-120"/>
+                <a:ea typeface="微軟正黑體" panose="020B0604030504040204" pitchFamily="34" charset="-120"/>
+              </a:rPr>
+              <a:t>0</a:t>
+            </a:r>
+            <a:r>
+              <a:rPr lang="zh-TW" altLang="en-US" dirty="0" smtClean="0">
+                <a:solidFill>
+                  <a:schemeClr val="bg1"/>
+                </a:solidFill>
+                <a:latin typeface="微軟正黑體" panose="020B0604030504040204" pitchFamily="34" charset="-120"/>
+                <a:ea typeface="微軟正黑體" panose="020B0604030504040204" pitchFamily="34" charset="-120"/>
+              </a:rPr>
+              <a:t>，再使用 </a:t>
+            </a:r>
+            <a:r>
+              <a:rPr lang="en-US" altLang="zh-TW" dirty="0" smtClean="0">
+                <a:solidFill>
+                  <a:schemeClr val="bg1"/>
+                </a:solidFill>
+                <a:latin typeface="微軟正黑體" panose="020B0604030504040204" pitchFamily="34" charset="-120"/>
+                <a:ea typeface="微軟正黑體" panose="020B0604030504040204" pitchFamily="34" charset="-120"/>
+              </a:rPr>
+              <a:t>update( delta )</a:t>
+            </a:r>
+            <a:r>
+              <a:rPr lang="zh-TW" altLang="en-US" dirty="0" smtClean="0">
+                <a:solidFill>
+                  <a:schemeClr val="bg1"/>
+                </a:solidFill>
+                <a:latin typeface="微軟正黑體" panose="020B0604030504040204" pitchFamily="34" charset="-120"/>
+                <a:ea typeface="微軟正黑體" panose="020B0604030504040204" pitchFamily="34" charset="-120"/>
+              </a:rPr>
+              <a:t> 將時間線跳至想要的點。</a:t>
+            </a:r>
+            <a:endParaRPr lang="en-US" altLang="zh-TW" dirty="0" smtClean="0">
+              <a:solidFill>
+                <a:schemeClr val="bg1"/>
+              </a:solidFill>
+              <a:latin typeface="微軟正黑體" panose="020B0604030504040204" pitchFamily="34" charset="-120"/>
+              <a:ea typeface="微軟正黑體" panose="020B0604030504040204" pitchFamily="34" charset="-120"/>
+            </a:endParaRPr>
+          </a:p>
+          <a:p>
+            <a:pPr marL="342900" indent="-342900">
+              <a:lnSpc>
+                <a:spcPct val="150000"/>
+              </a:lnSpc>
+              <a:buFont typeface="+mj-lt"/>
+              <a:buAutoNum type="arabicPeriod"/>
+            </a:pPr>
+            <a:r>
+              <a:rPr lang="zh-TW" altLang="en-US" dirty="0" smtClean="0">
+                <a:solidFill>
+                  <a:schemeClr val="bg1"/>
+                </a:solidFill>
+                <a:latin typeface="微軟正黑體" panose="020B0604030504040204" pitchFamily="34" charset="-120"/>
+                <a:ea typeface="微軟正黑體" panose="020B0604030504040204" pitchFamily="34" charset="-120"/>
+              </a:rPr>
+              <a:t>若想取得當下時間線的時間，可使用</a:t>
+            </a:r>
+            <a:r>
+              <a:rPr lang="en-US" altLang="zh-TW" dirty="0" smtClean="0">
+                <a:solidFill>
+                  <a:schemeClr val="bg1"/>
+                </a:solidFill>
+                <a:latin typeface="微軟正黑體" panose="020B0604030504040204" pitchFamily="34" charset="-120"/>
+                <a:ea typeface="微軟正黑體" panose="020B0604030504040204" pitchFamily="34" charset="-120"/>
+              </a:rPr>
+              <a:t/>
+            </a:r>
+            <a:br>
+              <a:rPr lang="en-US" altLang="zh-TW" dirty="0" smtClean="0">
+                <a:solidFill>
+                  <a:schemeClr val="bg1"/>
+                </a:solidFill>
+                <a:latin typeface="微軟正黑體" panose="020B0604030504040204" pitchFamily="34" charset="-120"/>
+                <a:ea typeface="微軟正黑體" panose="020B0604030504040204" pitchFamily="34" charset="-120"/>
+              </a:rPr>
+            </a:br>
+            <a:r>
+              <a:rPr lang="en-US" altLang="zh-TW" dirty="0" err="1" smtClean="0">
+                <a:solidFill>
+                  <a:schemeClr val="bg1"/>
+                </a:solidFill>
+                <a:latin typeface="微軟正黑體" panose="020B0604030504040204" pitchFamily="34" charset="-120"/>
+                <a:ea typeface="微軟正黑體" panose="020B0604030504040204" pitchFamily="34" charset="-120"/>
+              </a:rPr>
+              <a:t>spine.state.getCurrent</a:t>
+            </a:r>
+            <a:r>
+              <a:rPr lang="en-US" altLang="zh-TW" dirty="0" smtClean="0">
+                <a:solidFill>
+                  <a:schemeClr val="bg1"/>
+                </a:solidFill>
+                <a:latin typeface="微軟正黑體" panose="020B0604030504040204" pitchFamily="34" charset="-120"/>
+                <a:ea typeface="微軟正黑體" panose="020B0604030504040204" pitchFamily="34" charset="-120"/>
+              </a:rPr>
+              <a:t>( index )</a:t>
+            </a:r>
+            <a:r>
+              <a:rPr lang="zh-TW" altLang="en-US" dirty="0" smtClean="0">
+                <a:solidFill>
+                  <a:schemeClr val="bg1"/>
+                </a:solidFill>
+                <a:latin typeface="微軟正黑體" panose="020B0604030504040204" pitchFamily="34" charset="-120"/>
+                <a:ea typeface="微軟正黑體" panose="020B0604030504040204" pitchFamily="34" charset="-120"/>
+              </a:rPr>
+              <a:t>取得使用的軌道之後，再使用</a:t>
+            </a:r>
+            <a:r>
+              <a:rPr lang="en-US" altLang="zh-TW" dirty="0">
+                <a:solidFill>
+                  <a:schemeClr val="bg1"/>
+                </a:solidFill>
+                <a:latin typeface="微軟正黑體" panose="020B0604030504040204" pitchFamily="34" charset="-120"/>
+                <a:ea typeface="微軟正黑體" panose="020B0604030504040204" pitchFamily="34" charset="-120"/>
+              </a:rPr>
+              <a:t/>
+            </a:r>
+            <a:br>
+              <a:rPr lang="en-US" altLang="zh-TW" dirty="0">
+                <a:solidFill>
+                  <a:schemeClr val="bg1"/>
+                </a:solidFill>
+                <a:latin typeface="微軟正黑體" panose="020B0604030504040204" pitchFamily="34" charset="-120"/>
+                <a:ea typeface="微軟正黑體" panose="020B0604030504040204" pitchFamily="34" charset="-120"/>
+              </a:rPr>
+            </a:br>
+            <a:r>
+              <a:rPr lang="en-US" altLang="zh-TW" dirty="0" err="1" smtClean="0">
+                <a:solidFill>
+                  <a:schemeClr val="bg1"/>
+                </a:solidFill>
+                <a:latin typeface="微軟正黑體" panose="020B0604030504040204" pitchFamily="34" charset="-120"/>
+                <a:ea typeface="微軟正黑體" panose="020B0604030504040204" pitchFamily="34" charset="-120"/>
+              </a:rPr>
+              <a:t>getAnimationTime</a:t>
+            </a:r>
+            <a:r>
+              <a:rPr lang="en-US" altLang="zh-TW" dirty="0" smtClean="0">
+                <a:solidFill>
+                  <a:schemeClr val="bg1"/>
+                </a:solidFill>
+                <a:latin typeface="微軟正黑體" panose="020B0604030504040204" pitchFamily="34" charset="-120"/>
+                <a:ea typeface="微軟正黑體" panose="020B0604030504040204" pitchFamily="34" charset="-120"/>
+              </a:rPr>
+              <a:t>()</a:t>
+            </a:r>
+            <a:r>
+              <a:rPr lang="zh-TW" altLang="en-US" dirty="0" smtClean="0">
+                <a:solidFill>
+                  <a:schemeClr val="bg1"/>
+                </a:solidFill>
+                <a:latin typeface="微軟正黑體" panose="020B0604030504040204" pitchFamily="34" charset="-120"/>
+                <a:ea typeface="微軟正黑體" panose="020B0604030504040204" pitchFamily="34" charset="-120"/>
+              </a:rPr>
+              <a:t> 取得當下時間。</a:t>
+            </a:r>
+            <a:endParaRPr lang="en-US" altLang="zh-TW" dirty="0" smtClean="0">
+              <a:solidFill>
+                <a:schemeClr val="bg1"/>
+              </a:solidFill>
+              <a:latin typeface="微軟正黑體" panose="020B0604030504040204" pitchFamily="34" charset="-120"/>
+              <a:ea typeface="微軟正黑體" panose="020B0604030504040204" pitchFamily="34" charset="-120"/>
+            </a:endParaRPr>
+          </a:p>
+          <a:p>
+            <a:pPr marL="342900" indent="-342900">
+              <a:lnSpc>
+                <a:spcPct val="150000"/>
+              </a:lnSpc>
+              <a:buFont typeface="+mj-lt"/>
+              <a:buAutoNum type="arabicPeriod"/>
+            </a:pPr>
+            <a:r>
+              <a:rPr lang="en-US" altLang="zh-TW" dirty="0" err="1">
+                <a:solidFill>
+                  <a:schemeClr val="bg1"/>
+                </a:solidFill>
+                <a:latin typeface="微軟正黑體" panose="020B0604030504040204" pitchFamily="34" charset="-120"/>
+                <a:ea typeface="微軟正黑體" panose="020B0604030504040204" pitchFamily="34" charset="-120"/>
+              </a:rPr>
+              <a:t>spine.state.getCurrent</a:t>
+            </a:r>
+            <a:r>
+              <a:rPr lang="en-US" altLang="zh-TW" dirty="0">
+                <a:solidFill>
+                  <a:schemeClr val="bg1"/>
+                </a:solidFill>
+                <a:latin typeface="微軟正黑體" panose="020B0604030504040204" pitchFamily="34" charset="-120"/>
+                <a:ea typeface="微軟正黑體" panose="020B0604030504040204" pitchFamily="34" charset="-120"/>
+              </a:rPr>
+              <a:t>( index </a:t>
+            </a:r>
+            <a:r>
+              <a:rPr lang="en-US" altLang="zh-TW" dirty="0" smtClean="0">
+                <a:solidFill>
+                  <a:schemeClr val="bg1"/>
+                </a:solidFill>
+                <a:latin typeface="微軟正黑體" panose="020B0604030504040204" pitchFamily="34" charset="-120"/>
+                <a:ea typeface="微軟正黑體" panose="020B0604030504040204" pitchFamily="34" charset="-120"/>
+              </a:rPr>
+              <a:t>)</a:t>
+            </a:r>
+            <a:r>
+              <a:rPr lang="zh-TW" altLang="en-US" dirty="0" smtClean="0">
+                <a:solidFill>
+                  <a:schemeClr val="bg1"/>
+                </a:solidFill>
+                <a:latin typeface="微軟正黑體" panose="020B0604030504040204" pitchFamily="34" charset="-120"/>
+                <a:ea typeface="微軟正黑體" panose="020B0604030504040204" pitchFamily="34" charset="-120"/>
+              </a:rPr>
+              <a:t> 可直接改為 </a:t>
+            </a:r>
+            <a:r>
+              <a:rPr lang="en-US" altLang="zh-TW" dirty="0" err="1" smtClean="0">
+                <a:solidFill>
+                  <a:schemeClr val="bg1"/>
+                </a:solidFill>
+                <a:latin typeface="微軟正黑體" panose="020B0604030504040204" pitchFamily="34" charset="-120"/>
+                <a:ea typeface="微軟正黑體" panose="020B0604030504040204" pitchFamily="34" charset="-120"/>
+              </a:rPr>
+              <a:t>spine.state.tracks</a:t>
+            </a:r>
+            <a:r>
+              <a:rPr lang="en-US" altLang="zh-TW" dirty="0" smtClean="0">
+                <a:solidFill>
+                  <a:schemeClr val="bg1"/>
+                </a:solidFill>
+                <a:latin typeface="微軟正黑體" panose="020B0604030504040204" pitchFamily="34" charset="-120"/>
+                <a:ea typeface="微軟正黑體" panose="020B0604030504040204" pitchFamily="34" charset="-120"/>
+              </a:rPr>
+              <a:t>[ index ]</a:t>
+            </a:r>
+            <a:r>
+              <a:rPr lang="en-US" altLang="zh-TW" dirty="0">
+                <a:solidFill>
+                  <a:schemeClr val="bg1"/>
+                </a:solidFill>
+                <a:latin typeface="微軟正黑體" panose="020B0604030504040204" pitchFamily="34" charset="-120"/>
+                <a:ea typeface="微軟正黑體" panose="020B0604030504040204" pitchFamily="34" charset="-120"/>
+              </a:rPr>
+              <a:t/>
+            </a:r>
+            <a:br>
+              <a:rPr lang="en-US" altLang="zh-TW" dirty="0">
+                <a:solidFill>
+                  <a:schemeClr val="bg1"/>
+                </a:solidFill>
+                <a:latin typeface="微軟正黑體" panose="020B0604030504040204" pitchFamily="34" charset="-120"/>
+                <a:ea typeface="微軟正黑體" panose="020B0604030504040204" pitchFamily="34" charset="-120"/>
+              </a:rPr>
+            </a:br>
+            <a:endParaRPr lang="en-US" altLang="zh-TW" dirty="0" smtClean="0">
+              <a:solidFill>
+                <a:schemeClr val="bg1"/>
+              </a:solidFill>
+              <a:latin typeface="微軟正黑體" panose="020B0604030504040204" pitchFamily="34" charset="-120"/>
+              <a:ea typeface="微軟正黑體" panose="020B0604030504040204" pitchFamily="34" charset="-120"/>
+            </a:endParaRPr>
+          </a:p>
+        </p:txBody>
+      </p:sp>
       <p:pic>
         <p:nvPicPr>
-          <p:cNvPr id="4" name="圖片 3"/>
+          <p:cNvPr id="2" name="圖片 1"/>
           <p:cNvPicPr>
             <a:picLocks noChangeAspect="1"/>
           </p:cNvPicPr>
@@ -10966,312 +11306,8 @@
         </p:blipFill>
         <p:spPr>
           <a:xfrm>
-            <a:off x="930445" y="5521410"/>
-            <a:ext cx="7258050" cy="704850"/>
-          </a:xfrm>
-          <a:prstGeom prst="rect">
-            <a:avLst/>
-          </a:prstGeom>
-        </p:spPr>
-      </p:pic>
-      <p:sp>
-        <p:nvSpPr>
-          <p:cNvPr id="6" name="文字方塊 5"/>
-          <p:cNvSpPr txBox="1"/>
-          <p:nvPr/>
-        </p:nvSpPr>
-        <p:spPr>
-          <a:xfrm>
-            <a:off x="816511" y="1470901"/>
-            <a:ext cx="7485918" cy="3416320"/>
-          </a:xfrm>
-          <a:prstGeom prst="rect">
-            <a:avLst/>
-          </a:prstGeom>
-          <a:noFill/>
-        </p:spPr>
-        <p:txBody>
-          <a:bodyPr wrap="square" rtlCol="0">
-            <a:spAutoFit/>
-          </a:bodyPr>
-          <a:lstStyle/>
-          <a:p>
-            <a:pPr marL="342900" indent="-342900">
-              <a:lnSpc>
-                <a:spcPct val="150000"/>
-              </a:lnSpc>
-              <a:buAutoNum type="arabicPeriod"/>
-            </a:pPr>
-            <a:r>
-              <a:rPr lang="zh-TW" altLang="en-US" dirty="0" smtClean="0">
-                <a:solidFill>
-                  <a:schemeClr val="bg1"/>
-                </a:solidFill>
-                <a:latin typeface="微軟正黑體" panose="020B0604030504040204" pitchFamily="34" charset="-120"/>
-                <a:ea typeface="微軟正黑體" panose="020B0604030504040204" pitchFamily="34" charset="-120"/>
-              </a:rPr>
-              <a:t>空動畫可占用軌道的時間，可用於時間的混合。</a:t>
-            </a:r>
-            <a:endParaRPr lang="en-US" altLang="zh-TW" dirty="0">
-              <a:solidFill>
-                <a:schemeClr val="bg1"/>
-              </a:solidFill>
-              <a:latin typeface="微軟正黑體" panose="020B0604030504040204" pitchFamily="34" charset="-120"/>
-              <a:ea typeface="微軟正黑體" panose="020B0604030504040204" pitchFamily="34" charset="-120"/>
-            </a:endParaRPr>
-          </a:p>
-          <a:p>
-            <a:pPr marL="342900" indent="-342900">
-              <a:lnSpc>
-                <a:spcPct val="150000"/>
-              </a:lnSpc>
-              <a:buAutoNum type="arabicPeriod"/>
-            </a:pPr>
-            <a:r>
-              <a:rPr lang="zh-TW" altLang="en-US" dirty="0" smtClean="0">
-                <a:solidFill>
-                  <a:schemeClr val="bg1"/>
-                </a:solidFill>
-                <a:latin typeface="微軟正黑體" panose="020B0604030504040204" pitchFamily="34" charset="-120"/>
-                <a:ea typeface="微軟正黑體" panose="020B0604030504040204" pitchFamily="34" charset="-120"/>
-              </a:rPr>
-              <a:t>加入空動畫的方法有二</a:t>
-            </a:r>
-            <a:r>
-              <a:rPr lang="zh-TW" altLang="en-US" dirty="0" smtClean="0">
-                <a:solidFill>
-                  <a:schemeClr val="bg1"/>
-                </a:solidFill>
-                <a:latin typeface="微軟正黑體" panose="020B0604030504040204" pitchFamily="34" charset="-120"/>
-                <a:ea typeface="微軟正黑體" panose="020B0604030504040204" pitchFamily="34" charset="-120"/>
-              </a:rPr>
-              <a:t>：</a:t>
-            </a:r>
-            <a:endParaRPr lang="en-US" altLang="zh-TW" dirty="0" smtClean="0">
-              <a:solidFill>
-                <a:schemeClr val="bg1"/>
-              </a:solidFill>
-              <a:latin typeface="微軟正黑體" panose="020B0604030504040204" pitchFamily="34" charset="-120"/>
-              <a:ea typeface="微軟正黑體" panose="020B0604030504040204" pitchFamily="34" charset="-120"/>
-            </a:endParaRPr>
-          </a:p>
-          <a:p>
-            <a:pPr marL="800100" lvl="1" indent="-342900">
-              <a:lnSpc>
-                <a:spcPct val="150000"/>
-              </a:lnSpc>
-              <a:buFont typeface="Wingdings" panose="05000000000000000000" pitchFamily="2" charset="2"/>
-              <a:buAutoNum type="circleNumWdWhitePlain"/>
-            </a:pPr>
-            <a:r>
-              <a:rPr lang="en-US" altLang="zh-TW" dirty="0" err="1" smtClean="0">
-                <a:solidFill>
-                  <a:schemeClr val="bg1"/>
-                </a:solidFill>
-                <a:latin typeface="微軟正黑體" panose="020B0604030504040204" pitchFamily="34" charset="-120"/>
-                <a:ea typeface="微軟正黑體" panose="020B0604030504040204" pitchFamily="34" charset="-120"/>
-              </a:rPr>
-              <a:t>spine.state.setEmptyAnimation</a:t>
-            </a:r>
-            <a:r>
-              <a:rPr lang="en-US" altLang="zh-TW" dirty="0" smtClean="0">
-                <a:solidFill>
-                  <a:schemeClr val="bg1"/>
-                </a:solidFill>
-                <a:latin typeface="微軟正黑體" panose="020B0604030504040204" pitchFamily="34" charset="-120"/>
-                <a:ea typeface="微軟正黑體" panose="020B0604030504040204" pitchFamily="34" charset="-120"/>
-              </a:rPr>
-              <a:t>( </a:t>
-            </a:r>
-            <a:r>
-              <a:rPr lang="en-US" altLang="zh-TW" dirty="0" smtClean="0">
-                <a:solidFill>
-                  <a:schemeClr val="bg1"/>
-                </a:solidFill>
-                <a:latin typeface="微軟正黑體" panose="020B0604030504040204" pitchFamily="34" charset="-120"/>
-                <a:ea typeface="微軟正黑體" panose="020B0604030504040204" pitchFamily="34" charset="-120"/>
-              </a:rPr>
-              <a:t>tracks, </a:t>
-            </a:r>
-            <a:r>
-              <a:rPr lang="en-US" altLang="zh-TW" dirty="0" err="1" smtClean="0">
-                <a:solidFill>
-                  <a:schemeClr val="bg1"/>
-                </a:solidFill>
-                <a:latin typeface="微軟正黑體" panose="020B0604030504040204" pitchFamily="34" charset="-120"/>
-                <a:ea typeface="微軟正黑體" panose="020B0604030504040204" pitchFamily="34" charset="-120"/>
-              </a:rPr>
-              <a:t>mixDuration</a:t>
-            </a:r>
-            <a:r>
-              <a:rPr lang="en-US" altLang="zh-TW" dirty="0" smtClean="0">
-                <a:solidFill>
-                  <a:schemeClr val="bg1"/>
-                </a:solidFill>
-                <a:latin typeface="微軟正黑體" panose="020B0604030504040204" pitchFamily="34" charset="-120"/>
-                <a:ea typeface="微軟正黑體" panose="020B0604030504040204" pitchFamily="34" charset="-120"/>
-              </a:rPr>
-              <a:t> );</a:t>
-            </a:r>
-          </a:p>
-          <a:p>
-            <a:pPr marL="800100" lvl="1" indent="-342900">
-              <a:lnSpc>
-                <a:spcPct val="150000"/>
-              </a:lnSpc>
-              <a:buFont typeface="Wingdings" panose="05000000000000000000" pitchFamily="2" charset="2"/>
-              <a:buAutoNum type="circleNumWdWhitePlain"/>
-            </a:pPr>
-            <a:r>
-              <a:rPr lang="en-US" altLang="zh-TW" dirty="0" err="1" smtClean="0">
-                <a:solidFill>
-                  <a:schemeClr val="bg1"/>
-                </a:solidFill>
-                <a:latin typeface="微軟正黑體" panose="020B0604030504040204" pitchFamily="34" charset="-120"/>
-                <a:ea typeface="微軟正黑體" panose="020B0604030504040204" pitchFamily="34" charset="-120"/>
-              </a:rPr>
-              <a:t>spine.state.add</a:t>
-            </a:r>
-            <a:r>
-              <a:rPr lang="en-US" altLang="zh-TW" dirty="0" err="1">
-                <a:solidFill>
-                  <a:schemeClr val="bg1"/>
-                </a:solidFill>
-                <a:latin typeface="微軟正黑體" panose="020B0604030504040204" pitchFamily="34" charset="-120"/>
-                <a:ea typeface="微軟正黑體" panose="020B0604030504040204" pitchFamily="34" charset="-120"/>
-              </a:rPr>
-              <a:t>EmptyAnimation</a:t>
-            </a:r>
-            <a:r>
-              <a:rPr lang="en-US" altLang="zh-TW" dirty="0">
-                <a:solidFill>
-                  <a:schemeClr val="bg1"/>
-                </a:solidFill>
-                <a:latin typeface="微軟正黑體" panose="020B0604030504040204" pitchFamily="34" charset="-120"/>
-                <a:ea typeface="微軟正黑體" panose="020B0604030504040204" pitchFamily="34" charset="-120"/>
-              </a:rPr>
-              <a:t>( tracks, </a:t>
-            </a:r>
-            <a:r>
-              <a:rPr lang="en-US" altLang="zh-TW" dirty="0" err="1" smtClean="0">
-                <a:solidFill>
-                  <a:schemeClr val="bg1"/>
-                </a:solidFill>
-                <a:latin typeface="微軟正黑體" panose="020B0604030504040204" pitchFamily="34" charset="-120"/>
-                <a:ea typeface="微軟正黑體" panose="020B0604030504040204" pitchFamily="34" charset="-120"/>
-              </a:rPr>
-              <a:t>mixDuration</a:t>
-            </a:r>
-            <a:r>
-              <a:rPr lang="en-US" altLang="zh-TW" dirty="0" smtClean="0">
-                <a:solidFill>
-                  <a:schemeClr val="bg1"/>
-                </a:solidFill>
-                <a:latin typeface="微軟正黑體" panose="020B0604030504040204" pitchFamily="34" charset="-120"/>
-                <a:ea typeface="微軟正黑體" panose="020B0604030504040204" pitchFamily="34" charset="-120"/>
-              </a:rPr>
-              <a:t>, </a:t>
-            </a:r>
-            <a:r>
-              <a:rPr lang="en-US" altLang="zh-TW" dirty="0" err="1" smtClean="0">
-                <a:solidFill>
-                  <a:schemeClr val="bg1"/>
-                </a:solidFill>
-                <a:latin typeface="微軟正黑體" panose="020B0604030504040204" pitchFamily="34" charset="-120"/>
-                <a:ea typeface="微軟正黑體" panose="020B0604030504040204" pitchFamily="34" charset="-120"/>
-              </a:rPr>
-              <a:t>deley</a:t>
-            </a:r>
-            <a:r>
-              <a:rPr lang="en-US" altLang="zh-TW" dirty="0" smtClean="0">
-                <a:solidFill>
-                  <a:schemeClr val="bg1"/>
-                </a:solidFill>
-                <a:latin typeface="微軟正黑體" panose="020B0604030504040204" pitchFamily="34" charset="-120"/>
-                <a:ea typeface="微軟正黑體" panose="020B0604030504040204" pitchFamily="34" charset="-120"/>
-              </a:rPr>
-              <a:t> );</a:t>
-            </a:r>
-          </a:p>
-          <a:p>
-            <a:pPr marL="342900" indent="-342900">
-              <a:lnSpc>
-                <a:spcPct val="150000"/>
-              </a:lnSpc>
-              <a:buFont typeface="Wingdings" panose="05000000000000000000" pitchFamily="2" charset="2"/>
-              <a:buAutoNum type="arabicPeriod"/>
-            </a:pPr>
-            <a:r>
-              <a:rPr lang="zh-TW" altLang="en-US" dirty="0" smtClean="0">
-                <a:solidFill>
-                  <a:schemeClr val="bg1"/>
-                </a:solidFill>
-                <a:latin typeface="微軟正黑體" panose="020B0604030504040204" pitchFamily="34" charset="-120"/>
-                <a:ea typeface="微軟正黑體" panose="020B0604030504040204" pitchFamily="34" charset="-120"/>
-              </a:rPr>
-              <a:t>使用時機可用於動畫開始或結束的混合，抑或是占用軌道方面後續動作的銜接。</a:t>
-            </a:r>
-            <a:endParaRPr lang="en-US" altLang="zh-TW" dirty="0">
-              <a:solidFill>
-                <a:schemeClr val="bg1"/>
-              </a:solidFill>
-              <a:latin typeface="微軟正黑體" panose="020B0604030504040204" pitchFamily="34" charset="-120"/>
-              <a:ea typeface="微軟正黑體" panose="020B0604030504040204" pitchFamily="34" charset="-120"/>
-            </a:endParaRPr>
-          </a:p>
-          <a:p>
-            <a:pPr lvl="1">
-              <a:lnSpc>
-                <a:spcPct val="150000"/>
-              </a:lnSpc>
-            </a:pPr>
-            <a:r>
-              <a:rPr lang="en-US" altLang="zh-TW" dirty="0">
-                <a:solidFill>
-                  <a:schemeClr val="bg1"/>
-                </a:solidFill>
-                <a:latin typeface="微軟正黑體" panose="020B0604030504040204" pitchFamily="34" charset="-120"/>
-                <a:ea typeface="微軟正黑體" panose="020B0604030504040204" pitchFamily="34" charset="-120"/>
-              </a:rPr>
-              <a:t/>
-            </a:r>
-            <a:br>
-              <a:rPr lang="en-US" altLang="zh-TW" dirty="0">
-                <a:solidFill>
-                  <a:schemeClr val="bg1"/>
-                </a:solidFill>
-                <a:latin typeface="微軟正黑體" panose="020B0604030504040204" pitchFamily="34" charset="-120"/>
-                <a:ea typeface="微軟正黑體" panose="020B0604030504040204" pitchFamily="34" charset="-120"/>
-              </a:rPr>
-            </a:br>
-            <a:endParaRPr lang="en-US" altLang="zh-TW" dirty="0" smtClean="0">
-              <a:solidFill>
-                <a:schemeClr val="bg1"/>
-              </a:solidFill>
-              <a:latin typeface="微軟正黑體" panose="020B0604030504040204" pitchFamily="34" charset="-120"/>
-              <a:ea typeface="微軟正黑體" panose="020B0604030504040204" pitchFamily="34" charset="-120"/>
-            </a:endParaRPr>
-          </a:p>
-        </p:txBody>
-      </p:sp>
-      <p:pic>
-        <p:nvPicPr>
-          <p:cNvPr id="2" name="圖片 1"/>
-          <p:cNvPicPr>
-            <a:picLocks noChangeAspect="1"/>
-          </p:cNvPicPr>
-          <p:nvPr/>
-        </p:nvPicPr>
-        <p:blipFill>
-          <a:blip r:embed="rId5"/>
-          <a:stretch>
-            <a:fillRect/>
-          </a:stretch>
-        </p:blipFill>
-        <p:spPr>
-          <a:xfrm>
-            <a:off x="930445" y="4223240"/>
-            <a:ext cx="6172200" cy="981075"/>
+            <a:off x="1012079" y="4653136"/>
+            <a:ext cx="7400925" cy="1647825"/>
           </a:xfrm>
           <a:prstGeom prst="rect">
             <a:avLst/>
@@ -11281,7 +11317,7 @@
     </p:spTree>
     <p:extLst>
       <p:ext uri="{BB962C8B-B14F-4D97-AF65-F5344CB8AC3E}">
-        <p14:creationId xmlns:p14="http://schemas.microsoft.com/office/powerpoint/2010/main" val="3232004530"/>
+        <p14:creationId xmlns:p14="http://schemas.microsoft.com/office/powerpoint/2010/main" val="499685653"/>
       </p:ext>
     </p:extLst>
   </p:cSld>
@@ -11555,298 +11591,9 @@
           </a:p>
         </p:txBody>
       </p:sp>
-      <p:sp>
-        <p:nvSpPr>
-          <p:cNvPr id="6" name="文字方塊 5"/>
-          <p:cNvSpPr txBox="1"/>
-          <p:nvPr/>
-        </p:nvSpPr>
-        <p:spPr>
-          <a:xfrm>
-            <a:off x="816511" y="1470901"/>
-            <a:ext cx="7485918" cy="2585323"/>
-          </a:xfrm>
-          <a:prstGeom prst="rect">
-            <a:avLst/>
-          </a:prstGeom>
-          <a:noFill/>
-        </p:spPr>
-        <p:txBody>
-          <a:bodyPr wrap="square" rtlCol="0">
-            <a:spAutoFit/>
-          </a:bodyPr>
-          <a:lstStyle/>
-          <a:p>
-            <a:pPr>
-              <a:lnSpc>
-                <a:spcPct val="150000"/>
-              </a:lnSpc>
-            </a:pPr>
-            <a:r>
-              <a:rPr lang="zh-TW" altLang="en-US" b="1" dirty="0" smtClean="0">
-                <a:solidFill>
-                  <a:schemeClr val="bg1"/>
-                </a:solidFill>
-                <a:latin typeface="微軟正黑體" panose="020B0604030504040204" pitchFamily="34" charset="-120"/>
-                <a:ea typeface="微軟正黑體" panose="020B0604030504040204" pitchFamily="34" charset="-120"/>
-              </a:rPr>
-              <a:t>動畫結束的混合</a:t>
-            </a:r>
-            <a:r>
-              <a:rPr lang="zh-TW" altLang="en-US" dirty="0" smtClean="0">
-                <a:solidFill>
-                  <a:schemeClr val="bg1"/>
-                </a:solidFill>
-                <a:latin typeface="微軟正黑體" panose="020B0604030504040204" pitchFamily="34" charset="-120"/>
-                <a:ea typeface="微軟正黑體" panose="020B0604030504040204" pitchFamily="34" charset="-120"/>
-              </a:rPr>
-              <a:t>：</a:t>
-            </a:r>
-            <a:endParaRPr lang="en-US" altLang="zh-TW" dirty="0" smtClean="0">
-              <a:solidFill>
-                <a:schemeClr val="bg1"/>
-              </a:solidFill>
-              <a:latin typeface="微軟正黑體" panose="020B0604030504040204" pitchFamily="34" charset="-120"/>
-              <a:ea typeface="微軟正黑體" panose="020B0604030504040204" pitchFamily="34" charset="-120"/>
-            </a:endParaRPr>
-          </a:p>
-          <a:p>
-            <a:pPr marL="342900" indent="-342900">
-              <a:lnSpc>
-                <a:spcPct val="150000"/>
-              </a:lnSpc>
-              <a:buFont typeface="+mj-lt"/>
-              <a:buAutoNum type="arabicParenR"/>
-            </a:pPr>
-            <a:r>
-              <a:rPr lang="zh-TW" altLang="en-US" dirty="0" smtClean="0">
-                <a:solidFill>
-                  <a:schemeClr val="bg1"/>
-                </a:solidFill>
-                <a:latin typeface="微軟正黑體" panose="020B0604030504040204" pitchFamily="34" charset="-120"/>
-                <a:ea typeface="微軟正黑體" panose="020B0604030504040204" pitchFamily="34" charset="-120"/>
-              </a:rPr>
-              <a:t>若想要有動畫漸漸結束的效果，可藉由融合空動畫來達成，如跑步的動作漸漸慢下來直到停止。</a:t>
-            </a:r>
-            <a:endParaRPr lang="en-US" altLang="zh-TW" dirty="0" smtClean="0">
-              <a:solidFill>
-                <a:schemeClr val="bg1"/>
-              </a:solidFill>
-              <a:latin typeface="微軟正黑體" panose="020B0604030504040204" pitchFamily="34" charset="-120"/>
-              <a:ea typeface="微軟正黑體" panose="020B0604030504040204" pitchFamily="34" charset="-120"/>
-            </a:endParaRPr>
-          </a:p>
-          <a:p>
-            <a:pPr marL="342900" indent="-342900">
-              <a:lnSpc>
-                <a:spcPct val="150000"/>
-              </a:lnSpc>
-              <a:buFont typeface="+mj-lt"/>
-              <a:buAutoNum type="arabicParenR"/>
-            </a:pPr>
-            <a:r>
-              <a:rPr lang="zh-TW" altLang="en-US" dirty="0" smtClean="0">
-                <a:solidFill>
-                  <a:schemeClr val="bg1"/>
-                </a:solidFill>
-                <a:latin typeface="微軟正黑體" panose="020B0604030504040204" pitchFamily="34" charset="-120"/>
-                <a:ea typeface="微軟正黑體" panose="020B0604030504040204" pitchFamily="34" charset="-120"/>
-              </a:rPr>
-              <a:t>方法是在觸發的時間點上加上</a:t>
-            </a:r>
-            <a:r>
-              <a:rPr lang="en-US" altLang="zh-TW" dirty="0">
-                <a:solidFill>
-                  <a:schemeClr val="bg1"/>
-                </a:solidFill>
-                <a:latin typeface="微軟正黑體" panose="020B0604030504040204" pitchFamily="34" charset="-120"/>
-                <a:ea typeface="微軟正黑體" panose="020B0604030504040204" pitchFamily="34" charset="-120"/>
-              </a:rPr>
-              <a:t> </a:t>
-            </a:r>
-            <a:r>
-              <a:rPr lang="en-US" altLang="zh-TW" dirty="0" err="1" smtClean="0">
-                <a:solidFill>
-                  <a:schemeClr val="bg1"/>
-                </a:solidFill>
-                <a:latin typeface="微軟正黑體" panose="020B0604030504040204" pitchFamily="34" charset="-120"/>
-                <a:ea typeface="微軟正黑體" panose="020B0604030504040204" pitchFamily="34" charset="-120"/>
-              </a:rPr>
-              <a:t>addEmptyAnimation</a:t>
-            </a:r>
-            <a:r>
-              <a:rPr lang="en-US" altLang="zh-TW" dirty="0" smtClean="0">
-                <a:solidFill>
-                  <a:schemeClr val="bg1"/>
-                </a:solidFill>
-                <a:latin typeface="微軟正黑體" panose="020B0604030504040204" pitchFamily="34" charset="-120"/>
-                <a:ea typeface="微軟正黑體" panose="020B0604030504040204" pitchFamily="34" charset="-120"/>
-              </a:rPr>
-              <a:t>() </a:t>
-            </a:r>
-            <a:r>
-              <a:rPr lang="zh-TW" altLang="en-US" dirty="0" smtClean="0">
-                <a:solidFill>
-                  <a:schemeClr val="bg1"/>
-                </a:solidFill>
-                <a:latin typeface="微軟正黑體" panose="020B0604030504040204" pitchFamily="34" charset="-120"/>
-                <a:ea typeface="微軟正黑體" panose="020B0604030504040204" pitchFamily="34" charset="-120"/>
-              </a:rPr>
-              <a:t>或 </a:t>
-            </a:r>
-            <a:r>
-              <a:rPr lang="en-US" altLang="zh-TW" dirty="0" err="1" smtClean="0">
-                <a:solidFill>
-                  <a:schemeClr val="bg1"/>
-                </a:solidFill>
-                <a:latin typeface="微軟正黑體" panose="020B0604030504040204" pitchFamily="34" charset="-120"/>
-                <a:ea typeface="微軟正黑體" panose="020B0604030504040204" pitchFamily="34" charset="-120"/>
-              </a:rPr>
-              <a:t>setEmptyAnimation</a:t>
-            </a:r>
-            <a:r>
-              <a:rPr lang="en-US" altLang="zh-TW" dirty="0" smtClean="0">
-                <a:solidFill>
-                  <a:schemeClr val="bg1"/>
-                </a:solidFill>
-                <a:latin typeface="微軟正黑體" panose="020B0604030504040204" pitchFamily="34" charset="-120"/>
-                <a:ea typeface="微軟正黑體" panose="020B0604030504040204" pitchFamily="34" charset="-120"/>
-              </a:rPr>
-              <a:t>(</a:t>
-            </a:r>
-            <a:r>
-              <a:rPr lang="en-US" altLang="zh-TW" dirty="0" smtClean="0">
-                <a:solidFill>
-                  <a:schemeClr val="bg1"/>
-                </a:solidFill>
-                <a:latin typeface="微軟正黑體" panose="020B0604030504040204" pitchFamily="34" charset="-120"/>
-                <a:ea typeface="微軟正黑體" panose="020B0604030504040204" pitchFamily="34" charset="-120"/>
-              </a:rPr>
-              <a:t>)</a:t>
-            </a:r>
-            <a:r>
-              <a:rPr lang="zh-TW" altLang="en-US" dirty="0" smtClean="0">
-                <a:solidFill>
-                  <a:schemeClr val="bg1"/>
-                </a:solidFill>
-                <a:latin typeface="微軟正黑體" panose="020B0604030504040204" pitchFamily="34" charset="-120"/>
-                <a:ea typeface="微軟正黑體" panose="020B0604030504040204" pitchFamily="34" charset="-120"/>
-              </a:rPr>
-              <a:t>，其中 </a:t>
-            </a:r>
-            <a:r>
-              <a:rPr lang="en-US" altLang="zh-TW" dirty="0" smtClean="0">
-                <a:solidFill>
-                  <a:schemeClr val="bg1"/>
-                </a:solidFill>
-                <a:latin typeface="微軟正黑體" panose="020B0604030504040204" pitchFamily="34" charset="-120"/>
-                <a:ea typeface="微軟正黑體" panose="020B0604030504040204" pitchFamily="34" charset="-120"/>
-              </a:rPr>
-              <a:t>tracks</a:t>
-            </a:r>
-            <a:r>
-              <a:rPr lang="zh-TW" altLang="en-US" dirty="0" smtClean="0">
-                <a:solidFill>
-                  <a:schemeClr val="bg1"/>
-                </a:solidFill>
-                <a:latin typeface="微軟正黑體" panose="020B0604030504040204" pitchFamily="34" charset="-120"/>
-                <a:ea typeface="微軟正黑體" panose="020B0604030504040204" pitchFamily="34" charset="-120"/>
-              </a:rPr>
-              <a:t> 輸入要混合動作的軌道，</a:t>
-            </a:r>
-            <a:r>
-              <a:rPr lang="en-US" altLang="zh-TW" dirty="0">
-                <a:solidFill>
-                  <a:schemeClr val="bg1"/>
-                </a:solidFill>
-                <a:latin typeface="微軟正黑體" panose="020B0604030504040204" pitchFamily="34" charset="-120"/>
-                <a:ea typeface="微軟正黑體" panose="020B0604030504040204" pitchFamily="34" charset="-120"/>
-              </a:rPr>
-              <a:t> </a:t>
-            </a:r>
-            <a:r>
-              <a:rPr lang="en-US" altLang="zh-TW" dirty="0" err="1" smtClean="0">
-                <a:solidFill>
-                  <a:schemeClr val="bg1"/>
-                </a:solidFill>
-                <a:latin typeface="微軟正黑體" panose="020B0604030504040204" pitchFamily="34" charset="-120"/>
-                <a:ea typeface="微軟正黑體" panose="020B0604030504040204" pitchFamily="34" charset="-120"/>
-              </a:rPr>
-              <a:t>mixDuration</a:t>
-            </a:r>
-            <a:r>
-              <a:rPr lang="zh-TW" altLang="en-US" dirty="0" smtClean="0">
-                <a:solidFill>
-                  <a:schemeClr val="bg1"/>
-                </a:solidFill>
-                <a:latin typeface="微軟正黑體" panose="020B0604030504040204" pitchFamily="34" charset="-120"/>
-                <a:ea typeface="微軟正黑體" panose="020B0604030504040204" pitchFamily="34" charset="-120"/>
-              </a:rPr>
-              <a:t> 輸入混合持續的時間</a:t>
-            </a:r>
-            <a:r>
-              <a:rPr lang="en-US" altLang="zh-TW" dirty="0" smtClean="0">
-                <a:solidFill>
-                  <a:schemeClr val="bg1"/>
-                </a:solidFill>
-                <a:latin typeface="微軟正黑體" panose="020B0604030504040204" pitchFamily="34" charset="-120"/>
-                <a:ea typeface="微軟正黑體" panose="020B0604030504040204" pitchFamily="34" charset="-120"/>
-              </a:rPr>
-              <a:t>(</a:t>
-            </a:r>
-            <a:r>
-              <a:rPr lang="zh-TW" altLang="en-US" dirty="0" smtClean="0">
-                <a:solidFill>
-                  <a:schemeClr val="bg1"/>
-                </a:solidFill>
-                <a:latin typeface="微軟正黑體" panose="020B0604030504040204" pitchFamily="34" charset="-120"/>
-                <a:ea typeface="微軟正黑體" panose="020B0604030504040204" pitchFamily="34" charset="-120"/>
-              </a:rPr>
-              <a:t>秒</a:t>
-            </a:r>
-            <a:r>
-              <a:rPr lang="en-US" altLang="zh-TW" dirty="0" smtClean="0">
-                <a:solidFill>
-                  <a:schemeClr val="bg1"/>
-                </a:solidFill>
-                <a:latin typeface="微軟正黑體" panose="020B0604030504040204" pitchFamily="34" charset="-120"/>
-                <a:ea typeface="微軟正黑體" panose="020B0604030504040204" pitchFamily="34" charset="-120"/>
-              </a:rPr>
-              <a:t>)</a:t>
-            </a:r>
-            <a:r>
-              <a:rPr lang="zh-TW" altLang="en-US" dirty="0" smtClean="0">
-                <a:solidFill>
-                  <a:schemeClr val="bg1"/>
-                </a:solidFill>
-                <a:latin typeface="微軟正黑體" panose="020B0604030504040204" pitchFamily="34" charset="-120"/>
-                <a:ea typeface="微軟正黑體" panose="020B0604030504040204" pitchFamily="34" charset="-120"/>
-              </a:rPr>
-              <a:t>。</a:t>
-            </a:r>
-            <a:r>
-              <a:rPr lang="en-US" altLang="zh-TW" dirty="0" smtClean="0">
-                <a:solidFill>
-                  <a:schemeClr val="bg1"/>
-                </a:solidFill>
-                <a:latin typeface="微軟正黑體" panose="020B0604030504040204" pitchFamily="34" charset="-120"/>
-                <a:ea typeface="微軟正黑體" panose="020B0604030504040204" pitchFamily="34" charset="-120"/>
-              </a:rPr>
-              <a:t> </a:t>
-            </a:r>
-            <a:endParaRPr lang="en-US" altLang="zh-TW" dirty="0" smtClean="0">
-              <a:solidFill>
-                <a:schemeClr val="bg1"/>
-              </a:solidFill>
-              <a:latin typeface="微軟正黑體" panose="020B0604030504040204" pitchFamily="34" charset="-120"/>
-              <a:ea typeface="微軟正黑體" panose="020B0604030504040204" pitchFamily="34" charset="-120"/>
-            </a:endParaRPr>
-          </a:p>
-        </p:txBody>
-      </p:sp>
       <p:pic>
         <p:nvPicPr>
-          <p:cNvPr id="11" name="圖片 10"/>
+          <p:cNvPr id="4" name="圖片 3"/>
           <p:cNvPicPr>
             <a:picLocks noChangeAspect="1"/>
           </p:cNvPicPr>
@@ -11860,7 +11607,291 @@
         </p:blipFill>
         <p:spPr>
           <a:xfrm>
-            <a:off x="930445" y="5157192"/>
+            <a:off x="930445" y="5521410"/>
+            <a:ext cx="7258050" cy="704850"/>
+          </a:xfrm>
+          <a:prstGeom prst="rect">
+            <a:avLst/>
+          </a:prstGeom>
+        </p:spPr>
+      </p:pic>
+      <p:sp>
+        <p:nvSpPr>
+          <p:cNvPr id="6" name="文字方塊 5"/>
+          <p:cNvSpPr txBox="1"/>
+          <p:nvPr/>
+        </p:nvSpPr>
+        <p:spPr>
+          <a:xfrm>
+            <a:off x="816511" y="1470901"/>
+            <a:ext cx="7485918" cy="3416320"/>
+          </a:xfrm>
+          <a:prstGeom prst="rect">
+            <a:avLst/>
+          </a:prstGeom>
+          <a:noFill/>
+        </p:spPr>
+        <p:txBody>
+          <a:bodyPr wrap="square" rtlCol="0">
+            <a:spAutoFit/>
+          </a:bodyPr>
+          <a:lstStyle/>
+          <a:p>
+            <a:pPr marL="342900" indent="-342900">
+              <a:lnSpc>
+                <a:spcPct val="150000"/>
+              </a:lnSpc>
+              <a:buAutoNum type="arabicPeriod"/>
+            </a:pPr>
+            <a:r>
+              <a:rPr lang="zh-TW" altLang="en-US" dirty="0" smtClean="0">
+                <a:solidFill>
+                  <a:schemeClr val="bg1"/>
+                </a:solidFill>
+                <a:latin typeface="微軟正黑體" panose="020B0604030504040204" pitchFamily="34" charset="-120"/>
+                <a:ea typeface="微軟正黑體" panose="020B0604030504040204" pitchFamily="34" charset="-120"/>
+              </a:rPr>
+              <a:t>空動畫可占用軌道的時間，可用於時間的混合。</a:t>
+            </a:r>
+            <a:endParaRPr lang="en-US" altLang="zh-TW" dirty="0">
+              <a:solidFill>
+                <a:schemeClr val="bg1"/>
+              </a:solidFill>
+              <a:latin typeface="微軟正黑體" panose="020B0604030504040204" pitchFamily="34" charset="-120"/>
+              <a:ea typeface="微軟正黑體" panose="020B0604030504040204" pitchFamily="34" charset="-120"/>
+            </a:endParaRPr>
+          </a:p>
+          <a:p>
+            <a:pPr marL="342900" indent="-342900">
+              <a:lnSpc>
+                <a:spcPct val="150000"/>
+              </a:lnSpc>
+              <a:buAutoNum type="arabicPeriod"/>
+            </a:pPr>
+            <a:r>
+              <a:rPr lang="zh-TW" altLang="en-US" dirty="0" smtClean="0">
+                <a:solidFill>
+                  <a:schemeClr val="bg1"/>
+                </a:solidFill>
+                <a:latin typeface="微軟正黑體" panose="020B0604030504040204" pitchFamily="34" charset="-120"/>
+                <a:ea typeface="微軟正黑體" panose="020B0604030504040204" pitchFamily="34" charset="-120"/>
+              </a:rPr>
+              <a:t>加入空動畫的方法有二：</a:t>
+            </a:r>
+            <a:endParaRPr lang="en-US" altLang="zh-TW" dirty="0" smtClean="0">
+              <a:solidFill>
+                <a:schemeClr val="bg1"/>
+              </a:solidFill>
+              <a:latin typeface="微軟正黑體" panose="020B0604030504040204" pitchFamily="34" charset="-120"/>
+              <a:ea typeface="微軟正黑體" panose="020B0604030504040204" pitchFamily="34" charset="-120"/>
+            </a:endParaRPr>
+          </a:p>
+          <a:p>
+            <a:pPr marL="800100" lvl="1" indent="-342900">
+              <a:lnSpc>
+                <a:spcPct val="150000"/>
+              </a:lnSpc>
+              <a:buFont typeface="Wingdings" panose="05000000000000000000" pitchFamily="2" charset="2"/>
+              <a:buAutoNum type="circleNumWdWhitePlain"/>
+            </a:pPr>
+            <a:r>
+              <a:rPr lang="en-US" altLang="zh-TW" dirty="0" err="1" smtClean="0">
+                <a:solidFill>
+                  <a:schemeClr val="bg1"/>
+                </a:solidFill>
+                <a:latin typeface="微軟正黑體" panose="020B0604030504040204" pitchFamily="34" charset="-120"/>
+                <a:ea typeface="微軟正黑體" panose="020B0604030504040204" pitchFamily="34" charset="-120"/>
+              </a:rPr>
+              <a:t>spine.state.setEmptyAnimation</a:t>
+            </a:r>
+            <a:r>
+              <a:rPr lang="en-US" altLang="zh-TW" dirty="0" smtClean="0">
+                <a:solidFill>
+                  <a:schemeClr val="bg1"/>
+                </a:solidFill>
+                <a:latin typeface="微軟正黑體" panose="020B0604030504040204" pitchFamily="34" charset="-120"/>
+                <a:ea typeface="微軟正黑體" panose="020B0604030504040204" pitchFamily="34" charset="-120"/>
+              </a:rPr>
+              <a:t>( tracks, </a:t>
+            </a:r>
+            <a:r>
+              <a:rPr lang="en-US" altLang="zh-TW" dirty="0" err="1" smtClean="0">
+                <a:solidFill>
+                  <a:schemeClr val="bg1"/>
+                </a:solidFill>
+                <a:latin typeface="微軟正黑體" panose="020B0604030504040204" pitchFamily="34" charset="-120"/>
+                <a:ea typeface="微軟正黑體" panose="020B0604030504040204" pitchFamily="34" charset="-120"/>
+              </a:rPr>
+              <a:t>mixDuration</a:t>
+            </a:r>
+            <a:r>
+              <a:rPr lang="en-US" altLang="zh-TW" dirty="0" smtClean="0">
+                <a:solidFill>
+                  <a:schemeClr val="bg1"/>
+                </a:solidFill>
+                <a:latin typeface="微軟正黑體" panose="020B0604030504040204" pitchFamily="34" charset="-120"/>
+                <a:ea typeface="微軟正黑體" panose="020B0604030504040204" pitchFamily="34" charset="-120"/>
+              </a:rPr>
+              <a:t> );</a:t>
+            </a:r>
+          </a:p>
+          <a:p>
+            <a:pPr marL="800100" lvl="1" indent="-342900">
+              <a:lnSpc>
+                <a:spcPct val="150000"/>
+              </a:lnSpc>
+              <a:buFont typeface="Wingdings" panose="05000000000000000000" pitchFamily="2" charset="2"/>
+              <a:buAutoNum type="circleNumWdWhitePlain"/>
+            </a:pPr>
+            <a:r>
+              <a:rPr lang="en-US" altLang="zh-TW" dirty="0" err="1" smtClean="0">
+                <a:solidFill>
+                  <a:schemeClr val="bg1"/>
+                </a:solidFill>
+                <a:latin typeface="微軟正黑體" panose="020B0604030504040204" pitchFamily="34" charset="-120"/>
+                <a:ea typeface="微軟正黑體" panose="020B0604030504040204" pitchFamily="34" charset="-120"/>
+              </a:rPr>
+              <a:t>spine.state.add</a:t>
+            </a:r>
+            <a:r>
+              <a:rPr lang="en-US" altLang="zh-TW" dirty="0" err="1">
+                <a:solidFill>
+                  <a:schemeClr val="bg1"/>
+                </a:solidFill>
+                <a:latin typeface="微軟正黑體" panose="020B0604030504040204" pitchFamily="34" charset="-120"/>
+                <a:ea typeface="微軟正黑體" panose="020B0604030504040204" pitchFamily="34" charset="-120"/>
+              </a:rPr>
+              <a:t>EmptyAnimation</a:t>
+            </a:r>
+            <a:r>
+              <a:rPr lang="en-US" altLang="zh-TW" dirty="0">
+                <a:solidFill>
+                  <a:schemeClr val="bg1"/>
+                </a:solidFill>
+                <a:latin typeface="微軟正黑體" panose="020B0604030504040204" pitchFamily="34" charset="-120"/>
+                <a:ea typeface="微軟正黑體" panose="020B0604030504040204" pitchFamily="34" charset="-120"/>
+              </a:rPr>
+              <a:t>( tracks, </a:t>
+            </a:r>
+            <a:r>
+              <a:rPr lang="en-US" altLang="zh-TW" dirty="0" err="1" smtClean="0">
+                <a:solidFill>
+                  <a:schemeClr val="bg1"/>
+                </a:solidFill>
+                <a:latin typeface="微軟正黑體" panose="020B0604030504040204" pitchFamily="34" charset="-120"/>
+                <a:ea typeface="微軟正黑體" panose="020B0604030504040204" pitchFamily="34" charset="-120"/>
+              </a:rPr>
+              <a:t>mixDuration</a:t>
+            </a:r>
+            <a:r>
+              <a:rPr lang="en-US" altLang="zh-TW" dirty="0" smtClean="0">
+                <a:solidFill>
+                  <a:schemeClr val="bg1"/>
+                </a:solidFill>
+                <a:latin typeface="微軟正黑體" panose="020B0604030504040204" pitchFamily="34" charset="-120"/>
+                <a:ea typeface="微軟正黑體" panose="020B0604030504040204" pitchFamily="34" charset="-120"/>
+              </a:rPr>
+              <a:t>, </a:t>
+            </a:r>
+            <a:r>
+              <a:rPr lang="en-US" altLang="zh-TW" dirty="0" err="1" smtClean="0">
+                <a:solidFill>
+                  <a:schemeClr val="bg1"/>
+                </a:solidFill>
+                <a:latin typeface="微軟正黑體" panose="020B0604030504040204" pitchFamily="34" charset="-120"/>
+                <a:ea typeface="微軟正黑體" panose="020B0604030504040204" pitchFamily="34" charset="-120"/>
+              </a:rPr>
+              <a:t>deley</a:t>
+            </a:r>
+            <a:r>
+              <a:rPr lang="en-US" altLang="zh-TW" dirty="0" smtClean="0">
+                <a:solidFill>
+                  <a:schemeClr val="bg1"/>
+                </a:solidFill>
+                <a:latin typeface="微軟正黑體" panose="020B0604030504040204" pitchFamily="34" charset="-120"/>
+                <a:ea typeface="微軟正黑體" panose="020B0604030504040204" pitchFamily="34" charset="-120"/>
+              </a:rPr>
+              <a:t> );</a:t>
+            </a:r>
+          </a:p>
+          <a:p>
+            <a:pPr marL="342900" indent="-342900">
+              <a:lnSpc>
+                <a:spcPct val="150000"/>
+              </a:lnSpc>
+              <a:buFont typeface="Wingdings" panose="05000000000000000000" pitchFamily="2" charset="2"/>
+              <a:buAutoNum type="arabicPeriod"/>
+            </a:pPr>
+            <a:r>
+              <a:rPr lang="zh-TW" altLang="en-US" dirty="0" smtClean="0">
+                <a:solidFill>
+                  <a:schemeClr val="bg1"/>
+                </a:solidFill>
+                <a:latin typeface="微軟正黑體" panose="020B0604030504040204" pitchFamily="34" charset="-120"/>
+                <a:ea typeface="微軟正黑體" panose="020B0604030504040204" pitchFamily="34" charset="-120"/>
+              </a:rPr>
+              <a:t>使用時機可用於動畫開始或結束的混合，抑或是占用軌道方面後續動作的銜接。</a:t>
+            </a:r>
+            <a:endParaRPr lang="en-US" altLang="zh-TW" dirty="0">
+              <a:solidFill>
+                <a:schemeClr val="bg1"/>
+              </a:solidFill>
+              <a:latin typeface="微軟正黑體" panose="020B0604030504040204" pitchFamily="34" charset="-120"/>
+              <a:ea typeface="微軟正黑體" panose="020B0604030504040204" pitchFamily="34" charset="-120"/>
+            </a:endParaRPr>
+          </a:p>
+          <a:p>
+            <a:pPr lvl="1">
+              <a:lnSpc>
+                <a:spcPct val="150000"/>
+              </a:lnSpc>
+            </a:pPr>
+            <a:r>
+              <a:rPr lang="en-US" altLang="zh-TW" dirty="0">
+                <a:solidFill>
+                  <a:schemeClr val="bg1"/>
+                </a:solidFill>
+                <a:latin typeface="微軟正黑體" panose="020B0604030504040204" pitchFamily="34" charset="-120"/>
+                <a:ea typeface="微軟正黑體" panose="020B0604030504040204" pitchFamily="34" charset="-120"/>
+              </a:rPr>
+              <a:t/>
+            </a:r>
+            <a:br>
+              <a:rPr lang="en-US" altLang="zh-TW" dirty="0">
+                <a:solidFill>
+                  <a:schemeClr val="bg1"/>
+                </a:solidFill>
+                <a:latin typeface="微軟正黑體" panose="020B0604030504040204" pitchFamily="34" charset="-120"/>
+                <a:ea typeface="微軟正黑體" panose="020B0604030504040204" pitchFamily="34" charset="-120"/>
+              </a:rPr>
+            </a:br>
+            <a:endParaRPr lang="en-US" altLang="zh-TW" dirty="0" smtClean="0">
+              <a:solidFill>
+                <a:schemeClr val="bg1"/>
+              </a:solidFill>
+              <a:latin typeface="微軟正黑體" panose="020B0604030504040204" pitchFamily="34" charset="-120"/>
+              <a:ea typeface="微軟正黑體" panose="020B0604030504040204" pitchFamily="34" charset="-120"/>
+            </a:endParaRPr>
+          </a:p>
+        </p:txBody>
+      </p:sp>
+      <p:pic>
+        <p:nvPicPr>
+          <p:cNvPr id="2" name="圖片 1"/>
+          <p:cNvPicPr>
+            <a:picLocks noChangeAspect="1"/>
+          </p:cNvPicPr>
+          <p:nvPr/>
+        </p:nvPicPr>
+        <p:blipFill>
+          <a:blip r:embed="rId5"/>
+          <a:stretch>
+            <a:fillRect/>
+          </a:stretch>
+        </p:blipFill>
+        <p:spPr>
+          <a:xfrm>
+            <a:off x="930445" y="4223240"/>
             <a:ext cx="6172200" cy="981075"/>
           </a:xfrm>
           <a:prstGeom prst="rect">
@@ -11871,7 +11902,7 @@
     </p:spTree>
     <p:extLst>
       <p:ext uri="{BB962C8B-B14F-4D97-AF65-F5344CB8AC3E}">
-        <p14:creationId xmlns:p14="http://schemas.microsoft.com/office/powerpoint/2010/main" val="3091597824"/>
+        <p14:creationId xmlns:p14="http://schemas.microsoft.com/office/powerpoint/2010/main" val="3232004530"/>
       </p:ext>
     </p:extLst>
   </p:cSld>
@@ -12779,7 +12810,7 @@
         <p:spPr>
           <a:xfrm>
             <a:off x="816511" y="1470901"/>
-            <a:ext cx="7485918" cy="3416320"/>
+            <a:ext cx="7485918" cy="2585323"/>
           </a:xfrm>
           <a:prstGeom prst="rect">
             <a:avLst/>
@@ -12805,7 +12836,7 @@
                 <a:latin typeface="微軟正黑體" panose="020B0604030504040204" pitchFamily="34" charset="-120"/>
                 <a:ea typeface="微軟正黑體" panose="020B0604030504040204" pitchFamily="34" charset="-120"/>
               </a:rPr>
-              <a:t>動畫開始的混合</a:t>
+              <a:t>動畫結束的混合</a:t>
             </a:r>
             <a:r>
               <a:rPr lang="zh-TW" altLang="en-US" dirty="0" smtClean="0">
@@ -12841,37 +12872,7 @@
                 <a:latin typeface="微軟正黑體" panose="020B0604030504040204" pitchFamily="34" charset="-120"/>
                 <a:ea typeface="微軟正黑體" panose="020B0604030504040204" pitchFamily="34" charset="-120"/>
               </a:rPr>
-              <a:t>動畫開始的混合不能直接由函式代入 </a:t>
-            </a:r>
-            <a:r>
-              <a:rPr lang="en-US" altLang="zh-TW" dirty="0" err="1" smtClean="0">
-                <a:solidFill>
-                  <a:schemeClr val="bg1"/>
-                </a:solidFill>
-                <a:latin typeface="微軟正黑體" panose="020B0604030504040204" pitchFamily="34" charset="-120"/>
-                <a:ea typeface="微軟正黑體" panose="020B0604030504040204" pitchFamily="34" charset="-120"/>
-              </a:rPr>
-              <a:t>mixDuration</a:t>
-            </a:r>
-            <a:r>
-              <a:rPr lang="zh-TW" altLang="en-US" dirty="0" smtClean="0">
-                <a:solidFill>
-                  <a:schemeClr val="bg1"/>
-                </a:solidFill>
-                <a:latin typeface="微軟正黑體" panose="020B0604030504040204" pitchFamily="34" charset="-120"/>
-                <a:ea typeface="微軟正黑體" panose="020B0604030504040204" pitchFamily="34" charset="-120"/>
-              </a:rPr>
-              <a:t> 的值去設定。因空動畫需擺在前，要混合的動作擺後面</a:t>
-            </a:r>
-            <a:r>
-              <a:rPr lang="zh-TW" altLang="en-US" dirty="0">
-                <a:solidFill>
-                  <a:schemeClr val="bg1"/>
-                </a:solidFill>
-                <a:latin typeface="微軟正黑體" panose="020B0604030504040204" pitchFamily="34" charset="-120"/>
-                <a:ea typeface="微軟正黑體" panose="020B0604030504040204" pitchFamily="34" charset="-120"/>
-              </a:rPr>
-              <a:t>。</a:t>
+              <a:t>若想要有動畫漸漸結束的效果，可藉由融合空動畫來達成，如跑步的動作漸漸慢下來直到停止。</a:t>
             </a:r>
             <a:endParaRPr lang="en-US" altLang="zh-TW" dirty="0" smtClean="0">
               <a:solidFill>
@@ -12897,7 +12898,17 @@
                 <a:latin typeface="微軟正黑體" panose="020B0604030504040204" pitchFamily="34" charset="-120"/>
                 <a:ea typeface="微軟正黑體" panose="020B0604030504040204" pitchFamily="34" charset="-120"/>
               </a:rPr>
-              <a:t>先用 </a:t>
+              <a:t>方法是在觸發的時間點上加上</a:t>
+            </a:r>
+            <a:r>
+              <a:rPr lang="en-US" altLang="zh-TW" dirty="0">
+                <a:solidFill>
+                  <a:schemeClr val="bg1"/>
+                </a:solidFill>
+                <a:latin typeface="微軟正黑體" panose="020B0604030504040204" pitchFamily="34" charset="-120"/>
+                <a:ea typeface="微軟正黑體" panose="020B0604030504040204" pitchFamily="34" charset="-120"/>
+              </a:rPr>
+              <a:t> </a:t>
             </a:r>
             <a:r>
               <a:rPr lang="en-US" altLang="zh-TW" dirty="0" err="1" smtClean="0">
@@ -12907,6 +12918,36 @@
                 <a:latin typeface="微軟正黑體" panose="020B0604030504040204" pitchFamily="34" charset="-120"/>
                 <a:ea typeface="微軟正黑體" panose="020B0604030504040204" pitchFamily="34" charset="-120"/>
               </a:rPr>
+              <a:t>addEmptyAnimation</a:t>
+            </a:r>
+            <a:r>
+              <a:rPr lang="en-US" altLang="zh-TW" dirty="0" smtClean="0">
+                <a:solidFill>
+                  <a:schemeClr val="bg1"/>
+                </a:solidFill>
+                <a:latin typeface="微軟正黑體" panose="020B0604030504040204" pitchFamily="34" charset="-120"/>
+                <a:ea typeface="微軟正黑體" panose="020B0604030504040204" pitchFamily="34" charset="-120"/>
+              </a:rPr>
+              <a:t>() </a:t>
+            </a:r>
+            <a:r>
+              <a:rPr lang="zh-TW" altLang="en-US" dirty="0" smtClean="0">
+                <a:solidFill>
+                  <a:schemeClr val="bg1"/>
+                </a:solidFill>
+                <a:latin typeface="微軟正黑體" panose="020B0604030504040204" pitchFamily="34" charset="-120"/>
+                <a:ea typeface="微軟正黑體" panose="020B0604030504040204" pitchFamily="34" charset="-120"/>
+              </a:rPr>
+              <a:t>或 </a:t>
+            </a:r>
+            <a:r>
+              <a:rPr lang="en-US" altLang="zh-TW" dirty="0" err="1" smtClean="0">
+                <a:solidFill>
+                  <a:schemeClr val="bg1"/>
+                </a:solidFill>
+                <a:latin typeface="微軟正黑體" panose="020B0604030504040204" pitchFamily="34" charset="-120"/>
+                <a:ea typeface="微軟正黑體" panose="020B0604030504040204" pitchFamily="34" charset="-120"/>
+              </a:rPr>
               <a:t>setEmptyAnimation</a:t>
             </a:r>
             <a:r>
@@ -12927,7 +12968,17 @@
                 <a:latin typeface="微軟正黑體" panose="020B0604030504040204" pitchFamily="34" charset="-120"/>
                 <a:ea typeface="微軟正黑體" panose="020B0604030504040204" pitchFamily="34" charset="-120"/>
               </a:rPr>
-              <a:t> 設一個空動畫在需要的軌道</a:t>
+              <a:t>，其中 </a:t>
+            </a:r>
+            <a:r>
+              <a:rPr lang="en-US" altLang="zh-TW" dirty="0" smtClean="0">
+                <a:solidFill>
+                  <a:schemeClr val="bg1"/>
+                </a:solidFill>
+                <a:latin typeface="微軟正黑體" panose="020B0604030504040204" pitchFamily="34" charset="-120"/>
+                <a:ea typeface="微軟正黑體" panose="020B0604030504040204" pitchFamily="34" charset="-120"/>
+              </a:rPr>
+              <a:t>tracks</a:t>
             </a:r>
             <a:r>
               <a:rPr lang="zh-TW" altLang="en-US" dirty="0" smtClean="0">
@@ -12937,7 +12988,37 @@
                 <a:latin typeface="微軟正黑體" panose="020B0604030504040204" pitchFamily="34" charset="-120"/>
                 <a:ea typeface="微軟正黑體" panose="020B0604030504040204" pitchFamily="34" charset="-120"/>
               </a:rPr>
-              <a:t>，其中 </a:t>
+              <a:t> 輸入要混合動作的軌道，</a:t>
+            </a:r>
+            <a:r>
+              <a:rPr lang="en-US" altLang="zh-TW" dirty="0">
+                <a:solidFill>
+                  <a:schemeClr val="bg1"/>
+                </a:solidFill>
+                <a:latin typeface="微軟正黑體" panose="020B0604030504040204" pitchFamily="34" charset="-120"/>
+                <a:ea typeface="微軟正黑體" panose="020B0604030504040204" pitchFamily="34" charset="-120"/>
+              </a:rPr>
+              <a:t> </a:t>
+            </a:r>
+            <a:r>
+              <a:rPr lang="en-US" altLang="zh-TW" dirty="0" err="1" smtClean="0">
+                <a:solidFill>
+                  <a:schemeClr val="bg1"/>
+                </a:solidFill>
+                <a:latin typeface="微軟正黑體" panose="020B0604030504040204" pitchFamily="34" charset="-120"/>
+                <a:ea typeface="微軟正黑體" panose="020B0604030504040204" pitchFamily="34" charset="-120"/>
+              </a:rPr>
+              <a:t>mixDuration</a:t>
+            </a:r>
+            <a:r>
+              <a:rPr lang="zh-TW" altLang="en-US" dirty="0" smtClean="0">
+                <a:solidFill>
+                  <a:schemeClr val="bg1"/>
+                </a:solidFill>
+                <a:latin typeface="微軟正黑體" panose="020B0604030504040204" pitchFamily="34" charset="-120"/>
+                <a:ea typeface="微軟正黑體" panose="020B0604030504040204" pitchFamily="34" charset="-120"/>
+              </a:rPr>
+              <a:t> 輸入混合持續的時間</a:t>
             </a:r>
             <a:r>
               <a:rPr lang="en-US" altLang="zh-TW" dirty="0" smtClean="0">
@@ -12947,7 +13028,7 @@
                 <a:latin typeface="微軟正黑體" panose="020B0604030504040204" pitchFamily="34" charset="-120"/>
                 <a:ea typeface="微軟正黑體" panose="020B0604030504040204" pitchFamily="34" charset="-120"/>
               </a:rPr>
-              <a:t>tracks</a:t>
+              <a:t>(</a:t>
             </a:r>
             <a:r>
               <a:rPr lang="zh-TW" altLang="en-US" dirty="0" smtClean="0">
@@ -12957,10 +13038,30 @@
                 <a:latin typeface="微軟正黑體" panose="020B0604030504040204" pitchFamily="34" charset="-120"/>
                 <a:ea typeface="微軟正黑體" panose="020B0604030504040204" pitchFamily="34" charset="-120"/>
               </a:rPr>
-              <a:t> 輸入要混合動作的軌道，</a:t>
-            </a:r>
-            <a:r>
-              <a:rPr lang="en-US" altLang="zh-TW" dirty="0">
+              <a:t>秒</a:t>
+            </a:r>
+            <a:r>
+              <a:rPr lang="en-US" altLang="zh-TW" dirty="0" smtClean="0">
+                <a:solidFill>
+                  <a:schemeClr val="bg1"/>
+                </a:solidFill>
+                <a:latin typeface="微軟正黑體" panose="020B0604030504040204" pitchFamily="34" charset="-120"/>
+                <a:ea typeface="微軟正黑體" panose="020B0604030504040204" pitchFamily="34" charset="-120"/>
+              </a:rPr>
+              <a:t>)</a:t>
+            </a:r>
+            <a:r>
+              <a:rPr lang="zh-TW" altLang="en-US" dirty="0" smtClean="0">
+                <a:solidFill>
+                  <a:schemeClr val="bg1"/>
+                </a:solidFill>
+                <a:latin typeface="微軟正黑體" panose="020B0604030504040204" pitchFamily="34" charset="-120"/>
+                <a:ea typeface="微軟正黑體" panose="020B0604030504040204" pitchFamily="34" charset="-120"/>
+              </a:rPr>
+              <a:t>。</a:t>
+            </a:r>
+            <a:r>
+              <a:rPr lang="en-US" altLang="zh-TW" dirty="0" smtClean="0">
                 <a:solidFill>
                   <a:schemeClr val="bg1"/>
                 </a:solidFill>
@@ -12969,211 +13070,12 @@
               </a:rPr>
               <a:t> </a:t>
             </a:r>
-            <a:r>
-              <a:rPr lang="en-US" altLang="zh-TW" dirty="0" err="1" smtClean="0">
-                <a:solidFill>
-                  <a:schemeClr val="bg1"/>
-                </a:solidFill>
-                <a:latin typeface="微軟正黑體" panose="020B0604030504040204" pitchFamily="34" charset="-120"/>
-                <a:ea typeface="微軟正黑體" panose="020B0604030504040204" pitchFamily="34" charset="-120"/>
-              </a:rPr>
-              <a:t>mixDuration</a:t>
-            </a:r>
-            <a:r>
-              <a:rPr lang="zh-TW" altLang="en-US" dirty="0" smtClean="0">
-                <a:solidFill>
-                  <a:schemeClr val="bg1"/>
-                </a:solidFill>
-                <a:latin typeface="微軟正黑體" panose="020B0604030504040204" pitchFamily="34" charset="-120"/>
-                <a:ea typeface="微軟正黑體" panose="020B0604030504040204" pitchFamily="34" charset="-120"/>
-              </a:rPr>
-              <a:t> 輸入 </a:t>
-            </a:r>
-            <a:r>
-              <a:rPr lang="en-US" altLang="zh-TW" dirty="0" smtClean="0">
-                <a:solidFill>
-                  <a:schemeClr val="bg1"/>
-                </a:solidFill>
-                <a:latin typeface="微軟正黑體" panose="020B0604030504040204" pitchFamily="34" charset="-120"/>
-                <a:ea typeface="微軟正黑體" panose="020B0604030504040204" pitchFamily="34" charset="-120"/>
-              </a:rPr>
-              <a:t>0</a:t>
-            </a:r>
-            <a:r>
-              <a:rPr lang="zh-TW" altLang="en-US" dirty="0" smtClean="0">
-                <a:solidFill>
-                  <a:schemeClr val="bg1"/>
-                </a:solidFill>
-                <a:latin typeface="微軟正黑體" panose="020B0604030504040204" pitchFamily="34" charset="-120"/>
-                <a:ea typeface="微軟正黑體" panose="020B0604030504040204" pitchFamily="34" charset="-120"/>
-              </a:rPr>
-              <a:t>。</a:t>
-            </a:r>
-            <a:endParaRPr lang="en-US" altLang="zh-TW" dirty="0">
-              <a:solidFill>
-                <a:schemeClr val="bg1"/>
-              </a:solidFill>
-              <a:latin typeface="微軟正黑體" panose="020B0604030504040204" pitchFamily="34" charset="-120"/>
-              <a:ea typeface="微軟正黑體" panose="020B0604030504040204" pitchFamily="34" charset="-120"/>
-            </a:endParaRPr>
-          </a:p>
-          <a:p>
-            <a:pPr marL="342900" indent="-342900">
-              <a:lnSpc>
-                <a:spcPct val="150000"/>
-              </a:lnSpc>
-              <a:buFont typeface="+mj-lt"/>
-              <a:buAutoNum type="arabicParenR"/>
-            </a:pPr>
-            <a:r>
-              <a:rPr lang="zh-TW" altLang="en-US" dirty="0" smtClean="0">
-                <a:solidFill>
-                  <a:schemeClr val="bg1"/>
-                </a:solidFill>
-                <a:latin typeface="微軟正黑體" panose="020B0604030504040204" pitchFamily="34" charset="-120"/>
-                <a:ea typeface="微軟正黑體" panose="020B0604030504040204" pitchFamily="34" charset="-120"/>
-              </a:rPr>
-              <a:t>接著用 </a:t>
-            </a:r>
-            <a:r>
-              <a:rPr lang="en-US" altLang="zh-TW" dirty="0" err="1" smtClean="0">
-                <a:solidFill>
-                  <a:schemeClr val="bg1"/>
-                </a:solidFill>
-                <a:latin typeface="微軟正黑體" panose="020B0604030504040204" pitchFamily="34" charset="-120"/>
-                <a:ea typeface="微軟正黑體" panose="020B0604030504040204" pitchFamily="34" charset="-120"/>
-              </a:rPr>
-              <a:t>addAnimation</a:t>
-            </a:r>
-            <a:r>
-              <a:rPr lang="zh-TW" altLang="en-US" dirty="0" smtClean="0">
-                <a:solidFill>
-                  <a:schemeClr val="bg1"/>
-                </a:solidFill>
-                <a:latin typeface="微軟正黑體" panose="020B0604030504040204" pitchFamily="34" charset="-120"/>
-                <a:ea typeface="微軟正黑體" panose="020B0604030504040204" pitchFamily="34" charset="-120"/>
-              </a:rPr>
-              <a:t> </a:t>
-            </a:r>
-            <a:r>
-              <a:rPr lang="en-US" altLang="zh-TW" dirty="0" smtClean="0">
-                <a:solidFill>
-                  <a:schemeClr val="bg1"/>
-                </a:solidFill>
-                <a:latin typeface="微軟正黑體" panose="020B0604030504040204" pitchFamily="34" charset="-120"/>
-                <a:ea typeface="微軟正黑體" panose="020B0604030504040204" pitchFamily="34" charset="-120"/>
-              </a:rPr>
-              <a:t> </a:t>
-            </a:r>
-            <a:r>
-              <a:rPr lang="zh-TW" altLang="en-US" dirty="0" smtClean="0">
-                <a:solidFill>
-                  <a:schemeClr val="bg1"/>
-                </a:solidFill>
-                <a:latin typeface="微軟正黑體" panose="020B0604030504040204" pitchFamily="34" charset="-120"/>
-                <a:ea typeface="微軟正黑體" panose="020B0604030504040204" pitchFamily="34" charset="-120"/>
-              </a:rPr>
-              <a:t>新增一個動畫，並且用一個變數接收回傳的軌道物件。</a:t>
-            </a:r>
-            <a:endParaRPr lang="en-US" altLang="zh-TW" dirty="0" smtClean="0">
-              <a:solidFill>
-                <a:schemeClr val="bg1"/>
-              </a:solidFill>
-              <a:latin typeface="微軟正黑體" panose="020B0604030504040204" pitchFamily="34" charset="-120"/>
-              <a:ea typeface="微軟正黑體" panose="020B0604030504040204" pitchFamily="34" charset="-120"/>
-            </a:endParaRPr>
-          </a:p>
-          <a:p>
-            <a:pPr marL="342900" indent="-342900">
-              <a:lnSpc>
-                <a:spcPct val="150000"/>
-              </a:lnSpc>
-              <a:buFont typeface="+mj-lt"/>
-              <a:buAutoNum type="arabicParenR"/>
-            </a:pPr>
-            <a:r>
-              <a:rPr lang="zh-TW" altLang="en-US" dirty="0" smtClean="0">
-                <a:solidFill>
-                  <a:schemeClr val="bg1"/>
-                </a:solidFill>
-                <a:latin typeface="微軟正黑體" panose="020B0604030504040204" pitchFamily="34" charset="-120"/>
-                <a:ea typeface="微軟正黑體" panose="020B0604030504040204" pitchFamily="34" charset="-120"/>
-              </a:rPr>
-              <a:t>將軌道的 </a:t>
-            </a:r>
-            <a:r>
-              <a:rPr lang="en-US" altLang="zh-TW" dirty="0" err="1" smtClean="0">
-                <a:solidFill>
-                  <a:schemeClr val="bg1"/>
-                </a:solidFill>
-                <a:latin typeface="微軟正黑體" panose="020B0604030504040204" pitchFamily="34" charset="-120"/>
-                <a:ea typeface="微軟正黑體" panose="020B0604030504040204" pitchFamily="34" charset="-120"/>
-              </a:rPr>
-              <a:t>mixDuration</a:t>
-            </a:r>
-            <a:r>
-              <a:rPr lang="zh-TW" altLang="en-US" dirty="0" smtClean="0">
-                <a:solidFill>
-                  <a:schemeClr val="bg1"/>
-                </a:solidFill>
-                <a:latin typeface="微軟正黑體" panose="020B0604030504040204" pitchFamily="34" charset="-120"/>
-                <a:ea typeface="微軟正黑體" panose="020B0604030504040204" pitchFamily="34" charset="-120"/>
-              </a:rPr>
-              <a:t> 屬性設定為混合的時間</a:t>
-            </a:r>
-            <a:r>
-              <a:rPr lang="en-US" altLang="zh-TW" dirty="0" smtClean="0">
-                <a:solidFill>
-                  <a:schemeClr val="bg1"/>
-                </a:solidFill>
-                <a:latin typeface="微軟正黑體" panose="020B0604030504040204" pitchFamily="34" charset="-120"/>
-                <a:ea typeface="微軟正黑體" panose="020B0604030504040204" pitchFamily="34" charset="-120"/>
-              </a:rPr>
-              <a:t>(</a:t>
-            </a:r>
-            <a:r>
-              <a:rPr lang="zh-TW" altLang="en-US" dirty="0" smtClean="0">
-                <a:solidFill>
-                  <a:schemeClr val="bg1"/>
-                </a:solidFill>
-                <a:latin typeface="微軟正黑體" panose="020B0604030504040204" pitchFamily="34" charset="-120"/>
-                <a:ea typeface="微軟正黑體" panose="020B0604030504040204" pitchFamily="34" charset="-120"/>
-              </a:rPr>
-              <a:t>秒</a:t>
-            </a:r>
-            <a:r>
-              <a:rPr lang="en-US" altLang="zh-TW" dirty="0" smtClean="0">
-                <a:solidFill>
-                  <a:schemeClr val="bg1"/>
-                </a:solidFill>
-                <a:latin typeface="微軟正黑體" panose="020B0604030504040204" pitchFamily="34" charset="-120"/>
-                <a:ea typeface="微軟正黑體" panose="020B0604030504040204" pitchFamily="34" charset="-120"/>
-              </a:rPr>
-              <a:t>)</a:t>
-            </a:r>
-            <a:r>
-              <a:rPr lang="zh-TW" altLang="en-US" dirty="0" smtClean="0">
-                <a:solidFill>
-                  <a:schemeClr val="bg1"/>
-                </a:solidFill>
-                <a:latin typeface="微軟正黑體" panose="020B0604030504040204" pitchFamily="34" charset="-120"/>
-                <a:ea typeface="微軟正黑體" panose="020B0604030504040204" pitchFamily="34" charset="-120"/>
-              </a:rPr>
-              <a:t>。 </a:t>
-            </a:r>
-            <a:endParaRPr lang="en-US" altLang="zh-TW" dirty="0" smtClean="0">
-              <a:solidFill>
-                <a:schemeClr val="bg1"/>
-              </a:solidFill>
-              <a:latin typeface="微軟正黑體" panose="020B0604030504040204" pitchFamily="34" charset="-120"/>
-              <a:ea typeface="微軟正黑體" panose="020B0604030504040204" pitchFamily="34" charset="-120"/>
-            </a:endParaRPr>
           </a:p>
         </p:txBody>
       </p:sp>
       <p:pic>
         <p:nvPicPr>
-          <p:cNvPr id="7" name="圖片 6"/>
+          <p:cNvPr id="11" name="圖片 10"/>
           <p:cNvPicPr>
             <a:picLocks noChangeAspect="1"/>
           </p:cNvPicPr>
@@ -13187,8 +13089,8 @@
         </p:blipFill>
         <p:spPr>
           <a:xfrm>
-            <a:off x="930445" y="5521410"/>
-            <a:ext cx="7258050" cy="704850"/>
+            <a:off x="930445" y="5157192"/>
+            <a:ext cx="6172200" cy="981075"/>
           </a:xfrm>
           <a:prstGeom prst="rect">
             <a:avLst/>
@@ -13198,7 +13100,7 @@
     </p:spTree>
     <p:extLst>
       <p:ext uri="{BB962C8B-B14F-4D97-AF65-F5344CB8AC3E}">
-        <p14:creationId xmlns:p14="http://schemas.microsoft.com/office/powerpoint/2010/main" val="4089805469"/>
+        <p14:creationId xmlns:p14="http://schemas.microsoft.com/office/powerpoint/2010/main" val="3091597824"/>
       </p:ext>
     </p:extLst>
   </p:cSld>
@@ -13481,7 +13383,7 @@
         <p:spPr>
           <a:xfrm>
             <a:off x="816511" y="1470901"/>
-            <a:ext cx="7485918" cy="1754326"/>
+            <a:ext cx="7485918" cy="3416320"/>
           </a:xfrm>
           <a:prstGeom prst="rect">
             <a:avLst/>
@@ -13500,16 +13402,6 @@
               </a:lnSpc>
             </a:pPr>
             <a:r>
-              <a:rPr lang="en-US" altLang="zh-TW" b="1" dirty="0" smtClean="0">
-                <a:solidFill>
-                  <a:schemeClr val="bg1"/>
-                </a:solidFill>
-                <a:latin typeface="微軟正黑體" panose="020B0604030504040204" pitchFamily="34" charset="-120"/>
-                <a:ea typeface="微軟正黑體" panose="020B0604030504040204" pitchFamily="34" charset="-120"/>
-              </a:rPr>
-              <a:t>Track </a:t>
-            </a:r>
-            <a:r>
               <a:rPr lang="zh-TW" altLang="en-US" b="1" dirty="0" smtClean="0">
                 <a:solidFill>
                   <a:schemeClr val="bg1"/>
@@ -13517,7 +13409,7 @@
                 <a:latin typeface="微軟正黑體" panose="020B0604030504040204" pitchFamily="34" charset="-120"/>
                 <a:ea typeface="微軟正黑體" panose="020B0604030504040204" pitchFamily="34" charset="-120"/>
               </a:rPr>
-              <a:t>動畫的銜接</a:t>
+              <a:t>動畫開始的混合</a:t>
             </a:r>
             <a:r>
               <a:rPr lang="zh-TW" altLang="en-US" dirty="0" smtClean="0">
@@ -13553,7 +13445,7 @@
                 <a:latin typeface="微軟正黑體" panose="020B0604030504040204" pitchFamily="34" charset="-120"/>
                 <a:ea typeface="微軟正黑體" panose="020B0604030504040204" pitchFamily="34" charset="-120"/>
               </a:rPr>
-              <a:t>因動畫播完後 </a:t>
+              <a:t>動畫開始的混合不能直接由函式代入 </a:t>
             </a:r>
             <a:r>
               <a:rPr lang="en-US" altLang="zh-TW" dirty="0" err="1" smtClean="0">
@@ -13563,7 +13455,7 @@
                 <a:latin typeface="微軟正黑體" panose="020B0604030504040204" pitchFamily="34" charset="-120"/>
                 <a:ea typeface="微軟正黑體" panose="020B0604030504040204" pitchFamily="34" charset="-120"/>
               </a:rPr>
-              <a:t>trackEntry</a:t>
+              <a:t>mixDuration</a:t>
             </a:r>
             <a:r>
               <a:rPr lang="zh-TW" altLang="en-US" dirty="0" smtClean="0">
@@ -13573,47 +13465,17 @@
                 <a:latin typeface="微軟正黑體" panose="020B0604030504040204" pitchFamily="34" charset="-120"/>
                 <a:ea typeface="微軟正黑體" panose="020B0604030504040204" pitchFamily="34" charset="-120"/>
               </a:rPr>
-              <a:t> 就會清除，如果在清除之後用</a:t>
-            </a:r>
-            <a:r>
-              <a:rPr lang="en-US" altLang="zh-TW" dirty="0" err="1" smtClean="0">
-                <a:solidFill>
-                  <a:schemeClr val="bg1"/>
-                </a:solidFill>
-                <a:latin typeface="微軟正黑體" panose="020B0604030504040204" pitchFamily="34" charset="-120"/>
-                <a:ea typeface="微軟正黑體" panose="020B0604030504040204" pitchFamily="34" charset="-120"/>
-              </a:rPr>
-              <a:t>addAnimation</a:t>
-            </a:r>
-            <a:r>
-              <a:rPr lang="zh-TW" altLang="en-US" dirty="0" smtClean="0">
-                <a:solidFill>
-                  <a:schemeClr val="bg1"/>
-                </a:solidFill>
-                <a:latin typeface="微軟正黑體" panose="020B0604030504040204" pitchFamily="34" charset="-120"/>
-                <a:ea typeface="微軟正黑體" panose="020B0604030504040204" pitchFamily="34" charset="-120"/>
-              </a:rPr>
-              <a:t> 做動畫的新增，可能會出現沒有播放的情況。若在前一個動畫 </a:t>
-            </a:r>
-            <a:r>
-              <a:rPr lang="en-US" altLang="zh-TW" dirty="0" err="1" smtClean="0">
-                <a:solidFill>
-                  <a:schemeClr val="bg1"/>
-                </a:solidFill>
-                <a:latin typeface="微軟正黑體" panose="020B0604030504040204" pitchFamily="34" charset="-120"/>
-                <a:ea typeface="微軟正黑體" panose="020B0604030504040204" pitchFamily="34" charset="-120"/>
-              </a:rPr>
-              <a:t>addEmptyAnimation</a:t>
-            </a:r>
-            <a:r>
-              <a:rPr lang="zh-TW" altLang="en-US" dirty="0" smtClean="0">
-                <a:solidFill>
-                  <a:schemeClr val="bg1"/>
-                </a:solidFill>
-                <a:latin typeface="微軟正黑體" panose="020B0604030504040204" pitchFamily="34" charset="-120"/>
-                <a:ea typeface="微軟正黑體" panose="020B0604030504040204" pitchFamily="34" charset="-120"/>
-              </a:rPr>
-              <a:t>，可以解決此問題。</a:t>
+              <a:t> 的值去設定。因空動畫需擺在前，要混合的動作擺後面</a:t>
+            </a:r>
+            <a:r>
+              <a:rPr lang="zh-TW" altLang="en-US" dirty="0">
+                <a:solidFill>
+                  <a:schemeClr val="bg1"/>
+                </a:solidFill>
+                <a:latin typeface="微軟正黑體" panose="020B0604030504040204" pitchFamily="34" charset="-120"/>
+                <a:ea typeface="微軟正黑體" panose="020B0604030504040204" pitchFamily="34" charset="-120"/>
+              </a:rPr>
+              <a:t>。</a:t>
             </a:r>
             <a:endParaRPr lang="en-US" altLang="zh-TW" dirty="0" smtClean="0">
               <a:solidFill>
@@ -13623,11 +13485,289 @@
               <a:ea typeface="微軟正黑體" panose="020B0604030504040204" pitchFamily="34" charset="-120"/>
             </a:endParaRPr>
           </a:p>
+          <a:p>
+            <a:pPr marL="342900" indent="-342900">
+              <a:lnSpc>
+                <a:spcPct val="150000"/>
+              </a:lnSpc>
+              <a:buFont typeface="+mj-lt"/>
+              <a:buAutoNum type="arabicParenR"/>
+            </a:pPr>
+            <a:r>
+              <a:rPr lang="zh-TW" altLang="en-US" dirty="0" smtClean="0">
+                <a:solidFill>
+                  <a:schemeClr val="bg1"/>
+                </a:solidFill>
+                <a:latin typeface="微軟正黑體" panose="020B0604030504040204" pitchFamily="34" charset="-120"/>
+                <a:ea typeface="微軟正黑體" panose="020B0604030504040204" pitchFamily="34" charset="-120"/>
+              </a:rPr>
+              <a:t>先用 </a:t>
+            </a:r>
+            <a:r>
+              <a:rPr lang="en-US" altLang="zh-TW" dirty="0" err="1" smtClean="0">
+                <a:solidFill>
+                  <a:schemeClr val="bg1"/>
+                </a:solidFill>
+                <a:latin typeface="微軟正黑體" panose="020B0604030504040204" pitchFamily="34" charset="-120"/>
+                <a:ea typeface="微軟正黑體" panose="020B0604030504040204" pitchFamily="34" charset="-120"/>
+              </a:rPr>
+              <a:t>setEmptyAnimation</a:t>
+            </a:r>
+            <a:r>
+              <a:rPr lang="en-US" altLang="zh-TW" dirty="0" smtClean="0">
+                <a:solidFill>
+                  <a:schemeClr val="bg1"/>
+                </a:solidFill>
+                <a:latin typeface="微軟正黑體" panose="020B0604030504040204" pitchFamily="34" charset="-120"/>
+                <a:ea typeface="微軟正黑體" panose="020B0604030504040204" pitchFamily="34" charset="-120"/>
+              </a:rPr>
+              <a:t>()</a:t>
+            </a:r>
+            <a:r>
+              <a:rPr lang="zh-TW" altLang="en-US" dirty="0" smtClean="0">
+                <a:solidFill>
+                  <a:schemeClr val="bg1"/>
+                </a:solidFill>
+                <a:latin typeface="微軟正黑體" panose="020B0604030504040204" pitchFamily="34" charset="-120"/>
+                <a:ea typeface="微軟正黑體" panose="020B0604030504040204" pitchFamily="34" charset="-120"/>
+              </a:rPr>
+              <a:t> 設一個空動畫在需要的軌道，其中 </a:t>
+            </a:r>
+            <a:r>
+              <a:rPr lang="en-US" altLang="zh-TW" dirty="0" smtClean="0">
+                <a:solidFill>
+                  <a:schemeClr val="bg1"/>
+                </a:solidFill>
+                <a:latin typeface="微軟正黑體" panose="020B0604030504040204" pitchFamily="34" charset="-120"/>
+                <a:ea typeface="微軟正黑體" panose="020B0604030504040204" pitchFamily="34" charset="-120"/>
+              </a:rPr>
+              <a:t>tracks</a:t>
+            </a:r>
+            <a:r>
+              <a:rPr lang="zh-TW" altLang="en-US" dirty="0" smtClean="0">
+                <a:solidFill>
+                  <a:schemeClr val="bg1"/>
+                </a:solidFill>
+                <a:latin typeface="微軟正黑體" panose="020B0604030504040204" pitchFamily="34" charset="-120"/>
+                <a:ea typeface="微軟正黑體" panose="020B0604030504040204" pitchFamily="34" charset="-120"/>
+              </a:rPr>
+              <a:t> 輸入要混合動作的軌道，</a:t>
+            </a:r>
+            <a:r>
+              <a:rPr lang="en-US" altLang="zh-TW" dirty="0">
+                <a:solidFill>
+                  <a:schemeClr val="bg1"/>
+                </a:solidFill>
+                <a:latin typeface="微軟正黑體" panose="020B0604030504040204" pitchFamily="34" charset="-120"/>
+                <a:ea typeface="微軟正黑體" panose="020B0604030504040204" pitchFamily="34" charset="-120"/>
+              </a:rPr>
+              <a:t> </a:t>
+            </a:r>
+            <a:r>
+              <a:rPr lang="en-US" altLang="zh-TW" dirty="0" err="1" smtClean="0">
+                <a:solidFill>
+                  <a:schemeClr val="bg1"/>
+                </a:solidFill>
+                <a:latin typeface="微軟正黑體" panose="020B0604030504040204" pitchFamily="34" charset="-120"/>
+                <a:ea typeface="微軟正黑體" panose="020B0604030504040204" pitchFamily="34" charset="-120"/>
+              </a:rPr>
+              <a:t>mixDuration</a:t>
+            </a:r>
+            <a:r>
+              <a:rPr lang="zh-TW" altLang="en-US" dirty="0" smtClean="0">
+                <a:solidFill>
+                  <a:schemeClr val="bg1"/>
+                </a:solidFill>
+                <a:latin typeface="微軟正黑體" panose="020B0604030504040204" pitchFamily="34" charset="-120"/>
+                <a:ea typeface="微軟正黑體" panose="020B0604030504040204" pitchFamily="34" charset="-120"/>
+              </a:rPr>
+              <a:t> 輸入 </a:t>
+            </a:r>
+            <a:r>
+              <a:rPr lang="en-US" altLang="zh-TW" dirty="0" smtClean="0">
+                <a:solidFill>
+                  <a:schemeClr val="bg1"/>
+                </a:solidFill>
+                <a:latin typeface="微軟正黑體" panose="020B0604030504040204" pitchFamily="34" charset="-120"/>
+                <a:ea typeface="微軟正黑體" panose="020B0604030504040204" pitchFamily="34" charset="-120"/>
+              </a:rPr>
+              <a:t>0</a:t>
+            </a:r>
+            <a:r>
+              <a:rPr lang="zh-TW" altLang="en-US" dirty="0" smtClean="0">
+                <a:solidFill>
+                  <a:schemeClr val="bg1"/>
+                </a:solidFill>
+                <a:latin typeface="微軟正黑體" panose="020B0604030504040204" pitchFamily="34" charset="-120"/>
+                <a:ea typeface="微軟正黑體" panose="020B0604030504040204" pitchFamily="34" charset="-120"/>
+              </a:rPr>
+              <a:t>。</a:t>
+            </a:r>
+            <a:endParaRPr lang="en-US" altLang="zh-TW" dirty="0">
+              <a:solidFill>
+                <a:schemeClr val="bg1"/>
+              </a:solidFill>
+              <a:latin typeface="微軟正黑體" panose="020B0604030504040204" pitchFamily="34" charset="-120"/>
+              <a:ea typeface="微軟正黑體" panose="020B0604030504040204" pitchFamily="34" charset="-120"/>
+            </a:endParaRPr>
+          </a:p>
+          <a:p>
+            <a:pPr marL="342900" indent="-342900">
+              <a:lnSpc>
+                <a:spcPct val="150000"/>
+              </a:lnSpc>
+              <a:buFont typeface="+mj-lt"/>
+              <a:buAutoNum type="arabicParenR"/>
+            </a:pPr>
+            <a:r>
+              <a:rPr lang="zh-TW" altLang="en-US" dirty="0" smtClean="0">
+                <a:solidFill>
+                  <a:schemeClr val="bg1"/>
+                </a:solidFill>
+                <a:latin typeface="微軟正黑體" panose="020B0604030504040204" pitchFamily="34" charset="-120"/>
+                <a:ea typeface="微軟正黑體" panose="020B0604030504040204" pitchFamily="34" charset="-120"/>
+              </a:rPr>
+              <a:t>接著用 </a:t>
+            </a:r>
+            <a:r>
+              <a:rPr lang="en-US" altLang="zh-TW" dirty="0" err="1" smtClean="0">
+                <a:solidFill>
+                  <a:schemeClr val="bg1"/>
+                </a:solidFill>
+                <a:latin typeface="微軟正黑體" panose="020B0604030504040204" pitchFamily="34" charset="-120"/>
+                <a:ea typeface="微軟正黑體" panose="020B0604030504040204" pitchFamily="34" charset="-120"/>
+              </a:rPr>
+              <a:t>addAnimation</a:t>
+            </a:r>
+            <a:r>
+              <a:rPr lang="zh-TW" altLang="en-US" dirty="0" smtClean="0">
+                <a:solidFill>
+                  <a:schemeClr val="bg1"/>
+                </a:solidFill>
+                <a:latin typeface="微軟正黑體" panose="020B0604030504040204" pitchFamily="34" charset="-120"/>
+                <a:ea typeface="微軟正黑體" panose="020B0604030504040204" pitchFamily="34" charset="-120"/>
+              </a:rPr>
+              <a:t> </a:t>
+            </a:r>
+            <a:r>
+              <a:rPr lang="en-US" altLang="zh-TW" dirty="0" smtClean="0">
+                <a:solidFill>
+                  <a:schemeClr val="bg1"/>
+                </a:solidFill>
+                <a:latin typeface="微軟正黑體" panose="020B0604030504040204" pitchFamily="34" charset="-120"/>
+                <a:ea typeface="微軟正黑體" panose="020B0604030504040204" pitchFamily="34" charset="-120"/>
+              </a:rPr>
+              <a:t> </a:t>
+            </a:r>
+            <a:r>
+              <a:rPr lang="zh-TW" altLang="en-US" dirty="0" smtClean="0">
+                <a:solidFill>
+                  <a:schemeClr val="bg1"/>
+                </a:solidFill>
+                <a:latin typeface="微軟正黑體" panose="020B0604030504040204" pitchFamily="34" charset="-120"/>
+                <a:ea typeface="微軟正黑體" panose="020B0604030504040204" pitchFamily="34" charset="-120"/>
+              </a:rPr>
+              <a:t>新增一個動畫，並且用一個變數接收回傳的軌道物件。</a:t>
+            </a:r>
+            <a:endParaRPr lang="en-US" altLang="zh-TW" dirty="0" smtClean="0">
+              <a:solidFill>
+                <a:schemeClr val="bg1"/>
+              </a:solidFill>
+              <a:latin typeface="微軟正黑體" panose="020B0604030504040204" pitchFamily="34" charset="-120"/>
+              <a:ea typeface="微軟正黑體" panose="020B0604030504040204" pitchFamily="34" charset="-120"/>
+            </a:endParaRPr>
+          </a:p>
+          <a:p>
+            <a:pPr marL="342900" indent="-342900">
+              <a:lnSpc>
+                <a:spcPct val="150000"/>
+              </a:lnSpc>
+              <a:buFont typeface="+mj-lt"/>
+              <a:buAutoNum type="arabicParenR"/>
+            </a:pPr>
+            <a:r>
+              <a:rPr lang="zh-TW" altLang="en-US" dirty="0" smtClean="0">
+                <a:solidFill>
+                  <a:schemeClr val="bg1"/>
+                </a:solidFill>
+                <a:latin typeface="微軟正黑體" panose="020B0604030504040204" pitchFamily="34" charset="-120"/>
+                <a:ea typeface="微軟正黑體" panose="020B0604030504040204" pitchFamily="34" charset="-120"/>
+              </a:rPr>
+              <a:t>將軌道的 </a:t>
+            </a:r>
+            <a:r>
+              <a:rPr lang="en-US" altLang="zh-TW" dirty="0" err="1" smtClean="0">
+                <a:solidFill>
+                  <a:schemeClr val="bg1"/>
+                </a:solidFill>
+                <a:latin typeface="微軟正黑體" panose="020B0604030504040204" pitchFamily="34" charset="-120"/>
+                <a:ea typeface="微軟正黑體" panose="020B0604030504040204" pitchFamily="34" charset="-120"/>
+              </a:rPr>
+              <a:t>mixDuration</a:t>
+            </a:r>
+            <a:r>
+              <a:rPr lang="zh-TW" altLang="en-US" dirty="0" smtClean="0">
+                <a:solidFill>
+                  <a:schemeClr val="bg1"/>
+                </a:solidFill>
+                <a:latin typeface="微軟正黑體" panose="020B0604030504040204" pitchFamily="34" charset="-120"/>
+                <a:ea typeface="微軟正黑體" panose="020B0604030504040204" pitchFamily="34" charset="-120"/>
+              </a:rPr>
+              <a:t> 屬性設定為混合的時間</a:t>
+            </a:r>
+            <a:r>
+              <a:rPr lang="en-US" altLang="zh-TW" dirty="0" smtClean="0">
+                <a:solidFill>
+                  <a:schemeClr val="bg1"/>
+                </a:solidFill>
+                <a:latin typeface="微軟正黑體" panose="020B0604030504040204" pitchFamily="34" charset="-120"/>
+                <a:ea typeface="微軟正黑體" panose="020B0604030504040204" pitchFamily="34" charset="-120"/>
+              </a:rPr>
+              <a:t>(</a:t>
+            </a:r>
+            <a:r>
+              <a:rPr lang="zh-TW" altLang="en-US" dirty="0" smtClean="0">
+                <a:solidFill>
+                  <a:schemeClr val="bg1"/>
+                </a:solidFill>
+                <a:latin typeface="微軟正黑體" panose="020B0604030504040204" pitchFamily="34" charset="-120"/>
+                <a:ea typeface="微軟正黑體" panose="020B0604030504040204" pitchFamily="34" charset="-120"/>
+              </a:rPr>
+              <a:t>秒</a:t>
+            </a:r>
+            <a:r>
+              <a:rPr lang="en-US" altLang="zh-TW" dirty="0" smtClean="0">
+                <a:solidFill>
+                  <a:schemeClr val="bg1"/>
+                </a:solidFill>
+                <a:latin typeface="微軟正黑體" panose="020B0604030504040204" pitchFamily="34" charset="-120"/>
+                <a:ea typeface="微軟正黑體" panose="020B0604030504040204" pitchFamily="34" charset="-120"/>
+              </a:rPr>
+              <a:t>)</a:t>
+            </a:r>
+            <a:r>
+              <a:rPr lang="zh-TW" altLang="en-US" dirty="0" smtClean="0">
+                <a:solidFill>
+                  <a:schemeClr val="bg1"/>
+                </a:solidFill>
+                <a:latin typeface="微軟正黑體" panose="020B0604030504040204" pitchFamily="34" charset="-120"/>
+                <a:ea typeface="微軟正黑體" panose="020B0604030504040204" pitchFamily="34" charset="-120"/>
+              </a:rPr>
+              <a:t>。 </a:t>
+            </a:r>
+            <a:endParaRPr lang="en-US" altLang="zh-TW" dirty="0" smtClean="0">
+              <a:solidFill>
+                <a:schemeClr val="bg1"/>
+              </a:solidFill>
+              <a:latin typeface="微軟正黑體" panose="020B0604030504040204" pitchFamily="34" charset="-120"/>
+              <a:ea typeface="微軟正黑體" panose="020B0604030504040204" pitchFamily="34" charset="-120"/>
+            </a:endParaRPr>
+          </a:p>
         </p:txBody>
       </p:sp>
       <p:pic>
         <p:nvPicPr>
-          <p:cNvPr id="2" name="圖片 1"/>
+          <p:cNvPr id="7" name="圖片 6"/>
           <p:cNvPicPr>
             <a:picLocks noChangeAspect="1"/>
           </p:cNvPicPr>
@@ -13641,8 +13781,8 @@
         </p:blipFill>
         <p:spPr>
           <a:xfrm>
-            <a:off x="1111420" y="4005064"/>
-            <a:ext cx="6896100" cy="990600"/>
+            <a:off x="930445" y="5521410"/>
+            <a:ext cx="7258050" cy="704850"/>
           </a:xfrm>
           <a:prstGeom prst="rect">
             <a:avLst/>
@@ -13652,7 +13792,7 @@
     </p:spTree>
     <p:extLst>
       <p:ext uri="{BB962C8B-B14F-4D97-AF65-F5344CB8AC3E}">
-        <p14:creationId xmlns:p14="http://schemas.microsoft.com/office/powerpoint/2010/main" val="3977556803"/>
+        <p14:creationId xmlns:p14="http://schemas.microsoft.com/office/powerpoint/2010/main" val="4089805469"/>
       </p:ext>
     </p:extLst>
   </p:cSld>
@@ -13740,7 +13880,7 @@
                 <a:latin typeface="微軟正黑體" panose="020B0604030504040204" pitchFamily="34" charset="-120"/>
                 <a:ea typeface="微軟正黑體" panose="020B0604030504040204" pitchFamily="34" charset="-120"/>
               </a:rPr>
-              <a:t>11</a:t>
+              <a:t>10</a:t>
             </a:r>
             <a:endParaRPr lang="zh-TW" altLang="en-US" sz="2400" b="1" i="1" dirty="0">
               <a:latin typeface="微軟正黑體" panose="020B0604030504040204" pitchFamily="34" charset="-120"/>
@@ -13893,7 +14033,7 @@
         <p:spPr>
           <a:xfrm>
             <a:off x="813962" y="421214"/>
-            <a:ext cx="1261884" cy="415498"/>
+            <a:ext cx="992579" cy="415498"/>
           </a:xfrm>
           <a:prstGeom prst="rect">
             <a:avLst/>
@@ -13914,7 +14054,7 @@
                 <a:latin typeface="微軟正黑體" panose="020B0604030504040204" pitchFamily="34" charset="-120"/>
                 <a:ea typeface="微軟正黑體" panose="020B0604030504040204" pitchFamily="34" charset="-120"/>
               </a:rPr>
-              <a:t>動畫事件</a:t>
+              <a:t>空動畫</a:t>
             </a:r>
             <a:endParaRPr lang="en-US" altLang="zh-TW" sz="2100" b="1" dirty="0" smtClean="0">
               <a:solidFill>
@@ -13928,14 +14068,14 @@
       </p:sp>
       <p:sp>
         <p:nvSpPr>
-          <p:cNvPr id="8" name="文字方塊 7"/>
+          <p:cNvPr id="6" name="文字方塊 5"/>
           <p:cNvSpPr txBox="1"/>
           <p:nvPr/>
         </p:nvSpPr>
         <p:spPr>
           <a:xfrm>
-            <a:off x="816510" y="1271993"/>
-            <a:ext cx="7485918" cy="456920"/>
+            <a:off x="816511" y="1470901"/>
+            <a:ext cx="7485918" cy="1754326"/>
           </a:xfrm>
           <a:prstGeom prst="rect">
             <a:avLst/>
@@ -13954,6 +14094,62 @@
               </a:lnSpc>
             </a:pPr>
             <a:r>
+              <a:rPr lang="en-US" altLang="zh-TW" b="1" dirty="0" smtClean="0">
+                <a:solidFill>
+                  <a:schemeClr val="bg1"/>
+                </a:solidFill>
+                <a:latin typeface="微軟正黑體" panose="020B0604030504040204" pitchFamily="34" charset="-120"/>
+                <a:ea typeface="微軟正黑體" panose="020B0604030504040204" pitchFamily="34" charset="-120"/>
+              </a:rPr>
+              <a:t>Track </a:t>
+            </a:r>
+            <a:r>
+              <a:rPr lang="zh-TW" altLang="en-US" b="1" dirty="0" smtClean="0">
+                <a:solidFill>
+                  <a:schemeClr val="bg1"/>
+                </a:solidFill>
+                <a:latin typeface="微軟正黑體" panose="020B0604030504040204" pitchFamily="34" charset="-120"/>
+                <a:ea typeface="微軟正黑體" panose="020B0604030504040204" pitchFamily="34" charset="-120"/>
+              </a:rPr>
+              <a:t>動畫的銜接</a:t>
+            </a:r>
+            <a:r>
+              <a:rPr lang="zh-TW" altLang="en-US" dirty="0" smtClean="0">
+                <a:solidFill>
+                  <a:schemeClr val="bg1"/>
+                </a:solidFill>
+                <a:latin typeface="微軟正黑體" panose="020B0604030504040204" pitchFamily="34" charset="-120"/>
+                <a:ea typeface="微軟正黑體" panose="020B0604030504040204" pitchFamily="34" charset="-120"/>
+              </a:rPr>
+              <a:t>：</a:t>
+            </a:r>
+            <a:endParaRPr lang="en-US" altLang="zh-TW" dirty="0" smtClean="0">
+              <a:solidFill>
+                <a:schemeClr val="bg1"/>
+              </a:solidFill>
+              <a:latin typeface="微軟正黑體" panose="020B0604030504040204" pitchFamily="34" charset="-120"/>
+              <a:ea typeface="微軟正黑體" panose="020B0604030504040204" pitchFamily="34" charset="-120"/>
+            </a:endParaRPr>
+          </a:p>
+          <a:p>
+            <a:pPr marL="342900" indent="-342900">
+              <a:lnSpc>
+                <a:spcPct val="150000"/>
+              </a:lnSpc>
+              <a:buFont typeface="+mj-lt"/>
+              <a:buAutoNum type="arabicParenR"/>
+            </a:pPr>
+            <a:r>
+              <a:rPr lang="zh-TW" altLang="en-US" dirty="0" smtClean="0">
+                <a:solidFill>
+                  <a:schemeClr val="bg1"/>
+                </a:solidFill>
+                <a:latin typeface="微軟正黑體" panose="020B0604030504040204" pitchFamily="34" charset="-120"/>
+                <a:ea typeface="微軟正黑體" panose="020B0604030504040204" pitchFamily="34" charset="-120"/>
+              </a:rPr>
+              <a:t>因動畫播完後 </a:t>
+            </a:r>
+            <a:r>
               <a:rPr lang="en-US" altLang="zh-TW" dirty="0" err="1" smtClean="0">
                 <a:solidFill>
                   <a:schemeClr val="bg1"/>
@@ -13961,7 +14157,7 @@
                 <a:latin typeface="微軟正黑體" panose="020B0604030504040204" pitchFamily="34" charset="-120"/>
                 <a:ea typeface="微軟正黑體" panose="020B0604030504040204" pitchFamily="34" charset="-120"/>
               </a:rPr>
-              <a:t>spine.state</a:t>
+              <a:t>trackEntry</a:t>
             </a:r>
             <a:r>
               <a:rPr lang="zh-TW" altLang="en-US" dirty="0" smtClean="0">
@@ -13971,7 +14167,7 @@
                 <a:latin typeface="微軟正黑體" panose="020B0604030504040204" pitchFamily="34" charset="-120"/>
                 <a:ea typeface="微軟正黑體" panose="020B0604030504040204" pitchFamily="34" charset="-120"/>
               </a:rPr>
-              <a:t> 可以觸發事件，需要用 </a:t>
+              <a:t> 就會清除，如果在清除之後用</a:t>
             </a:r>
             <a:r>
               <a:rPr lang="en-US" altLang="zh-TW" dirty="0" err="1" smtClean="0">
@@ -13981,17 +14177,7 @@
                 <a:latin typeface="微軟正黑體" panose="020B0604030504040204" pitchFamily="34" charset="-120"/>
                 <a:ea typeface="微軟正黑體" panose="020B0604030504040204" pitchFamily="34" charset="-120"/>
               </a:rPr>
-              <a:t>addListener</a:t>
-            </a:r>
-            <a:r>
-              <a:rPr lang="en-US" altLang="zh-TW" dirty="0" smtClean="0">
-                <a:solidFill>
-                  <a:schemeClr val="bg1"/>
-                </a:solidFill>
-                <a:latin typeface="微軟正黑體" panose="020B0604030504040204" pitchFamily="34" charset="-120"/>
-                <a:ea typeface="微軟正黑體" panose="020B0604030504040204" pitchFamily="34" charset="-120"/>
-              </a:rPr>
-              <a:t> </a:t>
+              <a:t>addAnimation</a:t>
             </a:r>
             <a:r>
               <a:rPr lang="zh-TW" altLang="en-US" dirty="0" smtClean="0">
@@ -14001,7 +14187,27 @@
                 <a:latin typeface="微軟正黑體" panose="020B0604030504040204" pitchFamily="34" charset="-120"/>
                 <a:ea typeface="微軟正黑體" panose="020B0604030504040204" pitchFamily="34" charset="-120"/>
               </a:rPr>
-              <a:t>新增觸發事件。</a:t>
+              <a:t> 做動畫的新增，可能會出現沒有播放的情況。若在前一個動畫 </a:t>
+            </a:r>
+            <a:r>
+              <a:rPr lang="en-US" altLang="zh-TW" dirty="0" err="1" smtClean="0">
+                <a:solidFill>
+                  <a:schemeClr val="bg1"/>
+                </a:solidFill>
+                <a:latin typeface="微軟正黑體" panose="020B0604030504040204" pitchFamily="34" charset="-120"/>
+                <a:ea typeface="微軟正黑體" panose="020B0604030504040204" pitchFamily="34" charset="-120"/>
+              </a:rPr>
+              <a:t>addEmptyAnimation</a:t>
+            </a:r>
+            <a:r>
+              <a:rPr lang="zh-TW" altLang="en-US" dirty="0" smtClean="0">
+                <a:solidFill>
+                  <a:schemeClr val="bg1"/>
+                </a:solidFill>
+                <a:latin typeface="微軟正黑體" panose="020B0604030504040204" pitchFamily="34" charset="-120"/>
+                <a:ea typeface="微軟正黑體" panose="020B0604030504040204" pitchFamily="34" charset="-120"/>
+              </a:rPr>
+              <a:t>，可以解決此問題。</a:t>
             </a:r>
             <a:endParaRPr lang="en-US" altLang="zh-TW" dirty="0" smtClean="0">
               <a:solidFill>
@@ -14029,8 +14235,8 @@
         </p:blipFill>
         <p:spPr>
           <a:xfrm>
-            <a:off x="182732" y="2204864"/>
-            <a:ext cx="8753475" cy="3981450"/>
+            <a:off x="1111420" y="4005064"/>
+            <a:ext cx="6896100" cy="990600"/>
           </a:xfrm>
           <a:prstGeom prst="rect">
             <a:avLst/>
@@ -14040,7 +14246,7 @@
     </p:spTree>
     <p:extLst>
       <p:ext uri="{BB962C8B-B14F-4D97-AF65-F5344CB8AC3E}">
-        <p14:creationId xmlns:p14="http://schemas.microsoft.com/office/powerpoint/2010/main" val="2867700595"/>
+        <p14:creationId xmlns:p14="http://schemas.microsoft.com/office/powerpoint/2010/main" val="3977556803"/>
       </p:ext>
     </p:extLst>
   </p:cSld>
@@ -14316,14 +14522,14 @@
       </p:sp>
       <p:sp>
         <p:nvSpPr>
-          <p:cNvPr id="12" name="文字方塊 11"/>
+          <p:cNvPr id="8" name="文字方塊 7"/>
           <p:cNvSpPr txBox="1"/>
           <p:nvPr/>
         </p:nvSpPr>
         <p:spPr>
           <a:xfrm>
-            <a:off x="813962" y="1484784"/>
-            <a:ext cx="7718478" cy="1754326"/>
+            <a:off x="816510" y="1271993"/>
+            <a:ext cx="7485918" cy="456920"/>
           </a:xfrm>
           <a:prstGeom prst="rect">
             <a:avLst/>
@@ -14336,22 +14542,40 @@
           </a:bodyPr>
           <a:lstStyle/>
           <a:p>
-            <a:pPr marL="342900" indent="-342900">
+            <a:pPr>
               <a:lnSpc>
                 <a:spcPct val="150000"/>
               </a:lnSpc>
-              <a:buFontTx/>
-              <a:buAutoNum type="arabicPeriod"/>
             </a:pPr>
             <a:r>
-              <a:rPr lang="en-US" altLang="zh-TW" dirty="0">
-                <a:solidFill>
-                  <a:schemeClr val="bg1"/>
-                </a:solidFill>
-                <a:latin typeface="微軟正黑體" panose="020B0604030504040204" pitchFamily="34" charset="-120"/>
-                <a:ea typeface="微軟正黑體" panose="020B0604030504040204" pitchFamily="34" charset="-120"/>
-              </a:rPr>
-              <a:t>s</a:t>
+              <a:rPr lang="en-US" altLang="zh-TW" dirty="0" err="1" smtClean="0">
+                <a:solidFill>
+                  <a:schemeClr val="bg1"/>
+                </a:solidFill>
+                <a:latin typeface="微軟正黑體" panose="020B0604030504040204" pitchFamily="34" charset="-120"/>
+                <a:ea typeface="微軟正黑體" panose="020B0604030504040204" pitchFamily="34" charset="-120"/>
+              </a:rPr>
+              <a:t>spine.state</a:t>
+            </a:r>
+            <a:r>
+              <a:rPr lang="zh-TW" altLang="en-US" dirty="0" smtClean="0">
+                <a:solidFill>
+                  <a:schemeClr val="bg1"/>
+                </a:solidFill>
+                <a:latin typeface="微軟正黑體" panose="020B0604030504040204" pitchFamily="34" charset="-120"/>
+                <a:ea typeface="微軟正黑體" panose="020B0604030504040204" pitchFamily="34" charset="-120"/>
+              </a:rPr>
+              <a:t> 可以觸發事件，需要用 </a:t>
+            </a:r>
+            <a:r>
+              <a:rPr lang="en-US" altLang="zh-TW" dirty="0" err="1" smtClean="0">
+                <a:solidFill>
+                  <a:schemeClr val="bg1"/>
+                </a:solidFill>
+                <a:latin typeface="微軟正黑體" panose="020B0604030504040204" pitchFamily="34" charset="-120"/>
+                <a:ea typeface="微軟正黑體" panose="020B0604030504040204" pitchFamily="34" charset="-120"/>
+              </a:rPr>
+              <a:t>addListener</a:t>
             </a:r>
             <a:r>
               <a:rPr lang="en-US" altLang="zh-TW" dirty="0" smtClean="0">
@@ -14361,7 +14585,7 @@
                 <a:latin typeface="微軟正黑體" panose="020B0604030504040204" pitchFamily="34" charset="-120"/>
                 <a:ea typeface="微軟正黑體" panose="020B0604030504040204" pitchFamily="34" charset="-120"/>
               </a:rPr>
-              <a:t>tart</a:t>
+              <a:t> </a:t>
             </a:r>
             <a:r>
               <a:rPr lang="zh-TW" altLang="en-US" dirty="0" smtClean="0">
@@ -14371,17 +14595,7 @@
                 <a:latin typeface="微軟正黑體" panose="020B0604030504040204" pitchFamily="34" charset="-120"/>
                 <a:ea typeface="微軟正黑體" panose="020B0604030504040204" pitchFamily="34" charset="-120"/>
               </a:rPr>
-              <a:t> </a:t>
-            </a:r>
-            <a:r>
-              <a:rPr lang="zh-TW" altLang="en-US" dirty="0" smtClean="0">
-                <a:solidFill>
-                  <a:schemeClr val="bg1"/>
-                </a:solidFill>
-                <a:latin typeface="微軟正黑體" panose="020B0604030504040204" pitchFamily="34" charset="-120"/>
-                <a:ea typeface="微軟正黑體" panose="020B0604030504040204" pitchFamily="34" charset="-120"/>
-              </a:rPr>
-              <a:t>開始：動畫開始播放時觸發。</a:t>
+              <a:t>新增觸發事件。</a:t>
             </a:r>
             <a:endParaRPr lang="en-US" altLang="zh-TW" dirty="0" smtClean="0">
               <a:solidFill>
@@ -14391,103 +14605,11 @@
               <a:ea typeface="微軟正黑體" panose="020B0604030504040204" pitchFamily="34" charset="-120"/>
             </a:endParaRPr>
           </a:p>
-          <a:p>
-            <a:pPr marL="342900" indent="-342900">
-              <a:lnSpc>
-                <a:spcPct val="150000"/>
-              </a:lnSpc>
-              <a:buFontTx/>
-              <a:buAutoNum type="arabicPeriod"/>
-            </a:pPr>
-            <a:r>
-              <a:rPr lang="en-US" altLang="zh-TW" dirty="0" smtClean="0">
-                <a:solidFill>
-                  <a:schemeClr val="bg1"/>
-                </a:solidFill>
-                <a:latin typeface="微軟正黑體" panose="020B0604030504040204" pitchFamily="34" charset="-120"/>
-                <a:ea typeface="微軟正黑體" panose="020B0604030504040204" pitchFamily="34" charset="-120"/>
-              </a:rPr>
-              <a:t>complete </a:t>
-            </a:r>
-            <a:r>
-              <a:rPr lang="zh-TW" altLang="en-US" dirty="0" smtClean="0">
-                <a:solidFill>
-                  <a:schemeClr val="bg1"/>
-                </a:solidFill>
-                <a:latin typeface="微軟正黑體" panose="020B0604030504040204" pitchFamily="34" charset="-120"/>
-                <a:ea typeface="微軟正黑體" panose="020B0604030504040204" pitchFamily="34" charset="-120"/>
-              </a:rPr>
-              <a:t>完成：動畫播完時觸發，包含循環動畫一次循環結束時。</a:t>
-            </a:r>
-            <a:endParaRPr lang="en-US" altLang="zh-TW" dirty="0" smtClean="0">
-              <a:solidFill>
-                <a:schemeClr val="bg1"/>
-              </a:solidFill>
-              <a:latin typeface="微軟正黑體" panose="020B0604030504040204" pitchFamily="34" charset="-120"/>
-              <a:ea typeface="微軟正黑體" panose="020B0604030504040204" pitchFamily="34" charset="-120"/>
-            </a:endParaRPr>
-          </a:p>
-          <a:p>
-            <a:pPr marL="342900" indent="-342900">
-              <a:lnSpc>
-                <a:spcPct val="150000"/>
-              </a:lnSpc>
-              <a:buFontTx/>
-              <a:buAutoNum type="arabicPeriod"/>
-            </a:pPr>
-            <a:r>
-              <a:rPr lang="en-US" altLang="zh-TW" dirty="0" smtClean="0">
-                <a:solidFill>
-                  <a:schemeClr val="bg1"/>
-                </a:solidFill>
-                <a:latin typeface="微軟正黑體" panose="020B0604030504040204" pitchFamily="34" charset="-120"/>
-                <a:ea typeface="微軟正黑體" panose="020B0604030504040204" pitchFamily="34" charset="-120"/>
-              </a:rPr>
-              <a:t>Interrupt</a:t>
-            </a:r>
-            <a:r>
-              <a:rPr lang="zh-TW" altLang="en-US" dirty="0" smtClean="0">
-                <a:solidFill>
-                  <a:schemeClr val="bg1"/>
-                </a:solidFill>
-                <a:latin typeface="微軟正黑體" panose="020B0604030504040204" pitchFamily="34" charset="-120"/>
-                <a:ea typeface="微軟正黑體" panose="020B0604030504040204" pitchFamily="34" charset="-120"/>
-              </a:rPr>
-              <a:t> 中斷：在下一個動畫開始前觸發，若有</a:t>
-            </a:r>
-            <a:r>
-              <a:rPr lang="en-US" altLang="zh-TW" dirty="0" err="1" smtClean="0">
-                <a:solidFill>
-                  <a:schemeClr val="bg1"/>
-                </a:solidFill>
-                <a:latin typeface="微軟正黑體" panose="020B0604030504040204" pitchFamily="34" charset="-120"/>
-                <a:ea typeface="微軟正黑體" panose="020B0604030504040204" pitchFamily="34" charset="-120"/>
-              </a:rPr>
-              <a:t>mixDuration</a:t>
-            </a:r>
-            <a:r>
-              <a:rPr lang="zh-TW" altLang="en-US" dirty="0" smtClean="0">
-                <a:solidFill>
-                  <a:schemeClr val="bg1"/>
-                </a:solidFill>
-                <a:latin typeface="微軟正黑體" panose="020B0604030504040204" pitchFamily="34" charset="-120"/>
-                <a:ea typeface="微軟正黑體" panose="020B0604030504040204" pitchFamily="34" charset="-120"/>
-              </a:rPr>
-              <a:t>，則在開始混接前觸發。</a:t>
-            </a:r>
-            <a:endParaRPr lang="en-US" altLang="zh-TW" dirty="0" smtClean="0">
-              <a:solidFill>
-                <a:schemeClr val="bg1"/>
-              </a:solidFill>
-              <a:latin typeface="微軟正黑體" panose="020B0604030504040204" pitchFamily="34" charset="-120"/>
-              <a:ea typeface="微軟正黑體" panose="020B0604030504040204" pitchFamily="34" charset="-120"/>
-            </a:endParaRPr>
-          </a:p>
         </p:txBody>
       </p:sp>
       <p:pic>
         <p:nvPicPr>
-          <p:cNvPr id="7" name="圖片 6"/>
+          <p:cNvPr id="2" name="圖片 1"/>
           <p:cNvPicPr>
             <a:picLocks noChangeAspect="1"/>
           </p:cNvPicPr>
@@ -14501,8 +14623,8 @@
         </p:blipFill>
         <p:spPr>
           <a:xfrm>
-            <a:off x="289812" y="4077072"/>
-            <a:ext cx="8610600" cy="1647825"/>
+            <a:off x="182732" y="2204864"/>
+            <a:ext cx="8753475" cy="3981450"/>
           </a:xfrm>
           <a:prstGeom prst="rect">
             <a:avLst/>
@@ -14512,7 +14634,7 @@
     </p:spTree>
     <p:extLst>
       <p:ext uri="{BB962C8B-B14F-4D97-AF65-F5344CB8AC3E}">
-        <p14:creationId xmlns:p14="http://schemas.microsoft.com/office/powerpoint/2010/main" val="1496524439"/>
+        <p14:creationId xmlns:p14="http://schemas.microsoft.com/office/powerpoint/2010/main" val="2867700595"/>
       </p:ext>
     </p:extLst>
   </p:cSld>
@@ -14795,6 +14917,468 @@
         <p:spPr>
           <a:xfrm>
             <a:off x="813962" y="1484784"/>
+            <a:ext cx="7718478" cy="1754326"/>
+          </a:xfrm>
+          <a:prstGeom prst="rect">
+            <a:avLst/>
+          </a:prstGeom>
+          <a:noFill/>
+        </p:spPr>
+        <p:txBody>
+          <a:bodyPr wrap="square" rtlCol="0">
+            <a:spAutoFit/>
+          </a:bodyPr>
+          <a:lstStyle/>
+          <a:p>
+            <a:pPr marL="342900" indent="-342900">
+              <a:lnSpc>
+                <a:spcPct val="150000"/>
+              </a:lnSpc>
+              <a:buFontTx/>
+              <a:buAutoNum type="arabicPeriod"/>
+            </a:pPr>
+            <a:r>
+              <a:rPr lang="en-US" altLang="zh-TW" dirty="0">
+                <a:solidFill>
+                  <a:schemeClr val="bg1"/>
+                </a:solidFill>
+                <a:latin typeface="微軟正黑體" panose="020B0604030504040204" pitchFamily="34" charset="-120"/>
+                <a:ea typeface="微軟正黑體" panose="020B0604030504040204" pitchFamily="34" charset="-120"/>
+              </a:rPr>
+              <a:t>s</a:t>
+            </a:r>
+            <a:r>
+              <a:rPr lang="en-US" altLang="zh-TW" dirty="0" smtClean="0">
+                <a:solidFill>
+                  <a:schemeClr val="bg1"/>
+                </a:solidFill>
+                <a:latin typeface="微軟正黑體" panose="020B0604030504040204" pitchFamily="34" charset="-120"/>
+                <a:ea typeface="微軟正黑體" panose="020B0604030504040204" pitchFamily="34" charset="-120"/>
+              </a:rPr>
+              <a:t>tart</a:t>
+            </a:r>
+            <a:r>
+              <a:rPr lang="zh-TW" altLang="en-US" dirty="0" smtClean="0">
+                <a:solidFill>
+                  <a:schemeClr val="bg1"/>
+                </a:solidFill>
+                <a:latin typeface="微軟正黑體" panose="020B0604030504040204" pitchFamily="34" charset="-120"/>
+                <a:ea typeface="微軟正黑體" panose="020B0604030504040204" pitchFamily="34" charset="-120"/>
+              </a:rPr>
+              <a:t> 開始：動畫開始播放時觸發。</a:t>
+            </a:r>
+            <a:endParaRPr lang="en-US" altLang="zh-TW" dirty="0" smtClean="0">
+              <a:solidFill>
+                <a:schemeClr val="bg1"/>
+              </a:solidFill>
+              <a:latin typeface="微軟正黑體" panose="020B0604030504040204" pitchFamily="34" charset="-120"/>
+              <a:ea typeface="微軟正黑體" panose="020B0604030504040204" pitchFamily="34" charset="-120"/>
+            </a:endParaRPr>
+          </a:p>
+          <a:p>
+            <a:pPr marL="342900" indent="-342900">
+              <a:lnSpc>
+                <a:spcPct val="150000"/>
+              </a:lnSpc>
+              <a:buFontTx/>
+              <a:buAutoNum type="arabicPeriod"/>
+            </a:pPr>
+            <a:r>
+              <a:rPr lang="en-US" altLang="zh-TW" dirty="0" smtClean="0">
+                <a:solidFill>
+                  <a:schemeClr val="bg1"/>
+                </a:solidFill>
+                <a:latin typeface="微軟正黑體" panose="020B0604030504040204" pitchFamily="34" charset="-120"/>
+                <a:ea typeface="微軟正黑體" panose="020B0604030504040204" pitchFamily="34" charset="-120"/>
+              </a:rPr>
+              <a:t>complete </a:t>
+            </a:r>
+            <a:r>
+              <a:rPr lang="zh-TW" altLang="en-US" dirty="0" smtClean="0">
+                <a:solidFill>
+                  <a:schemeClr val="bg1"/>
+                </a:solidFill>
+                <a:latin typeface="微軟正黑體" panose="020B0604030504040204" pitchFamily="34" charset="-120"/>
+                <a:ea typeface="微軟正黑體" panose="020B0604030504040204" pitchFamily="34" charset="-120"/>
+              </a:rPr>
+              <a:t>完成：動畫播完時觸發，包含循環動畫一次循環結束時。</a:t>
+            </a:r>
+            <a:endParaRPr lang="en-US" altLang="zh-TW" dirty="0" smtClean="0">
+              <a:solidFill>
+                <a:schemeClr val="bg1"/>
+              </a:solidFill>
+              <a:latin typeface="微軟正黑體" panose="020B0604030504040204" pitchFamily="34" charset="-120"/>
+              <a:ea typeface="微軟正黑體" panose="020B0604030504040204" pitchFamily="34" charset="-120"/>
+            </a:endParaRPr>
+          </a:p>
+          <a:p>
+            <a:pPr marL="342900" indent="-342900">
+              <a:lnSpc>
+                <a:spcPct val="150000"/>
+              </a:lnSpc>
+              <a:buFontTx/>
+              <a:buAutoNum type="arabicPeriod"/>
+            </a:pPr>
+            <a:r>
+              <a:rPr lang="en-US" altLang="zh-TW" dirty="0" smtClean="0">
+                <a:solidFill>
+                  <a:schemeClr val="bg1"/>
+                </a:solidFill>
+                <a:latin typeface="微軟正黑體" panose="020B0604030504040204" pitchFamily="34" charset="-120"/>
+                <a:ea typeface="微軟正黑體" panose="020B0604030504040204" pitchFamily="34" charset="-120"/>
+              </a:rPr>
+              <a:t>Interrupt</a:t>
+            </a:r>
+            <a:r>
+              <a:rPr lang="zh-TW" altLang="en-US" dirty="0" smtClean="0">
+                <a:solidFill>
+                  <a:schemeClr val="bg1"/>
+                </a:solidFill>
+                <a:latin typeface="微軟正黑體" panose="020B0604030504040204" pitchFamily="34" charset="-120"/>
+                <a:ea typeface="微軟正黑體" panose="020B0604030504040204" pitchFamily="34" charset="-120"/>
+              </a:rPr>
+              <a:t> 中斷：在下一個動畫開始前觸發，若有</a:t>
+            </a:r>
+            <a:r>
+              <a:rPr lang="en-US" altLang="zh-TW" dirty="0" err="1" smtClean="0">
+                <a:solidFill>
+                  <a:schemeClr val="bg1"/>
+                </a:solidFill>
+                <a:latin typeface="微軟正黑體" panose="020B0604030504040204" pitchFamily="34" charset="-120"/>
+                <a:ea typeface="微軟正黑體" panose="020B0604030504040204" pitchFamily="34" charset="-120"/>
+              </a:rPr>
+              <a:t>mixDuration</a:t>
+            </a:r>
+            <a:r>
+              <a:rPr lang="zh-TW" altLang="en-US" dirty="0" smtClean="0">
+                <a:solidFill>
+                  <a:schemeClr val="bg1"/>
+                </a:solidFill>
+                <a:latin typeface="微軟正黑體" panose="020B0604030504040204" pitchFamily="34" charset="-120"/>
+                <a:ea typeface="微軟正黑體" panose="020B0604030504040204" pitchFamily="34" charset="-120"/>
+              </a:rPr>
+              <a:t>，則在開始混接前觸發。</a:t>
+            </a:r>
+            <a:endParaRPr lang="en-US" altLang="zh-TW" dirty="0" smtClean="0">
+              <a:solidFill>
+                <a:schemeClr val="bg1"/>
+              </a:solidFill>
+              <a:latin typeface="微軟正黑體" panose="020B0604030504040204" pitchFamily="34" charset="-120"/>
+              <a:ea typeface="微軟正黑體" panose="020B0604030504040204" pitchFamily="34" charset="-120"/>
+            </a:endParaRPr>
+          </a:p>
+        </p:txBody>
+      </p:sp>
+      <p:pic>
+        <p:nvPicPr>
+          <p:cNvPr id="7" name="圖片 6"/>
+          <p:cNvPicPr>
+            <a:picLocks noChangeAspect="1"/>
+          </p:cNvPicPr>
+          <p:nvPr/>
+        </p:nvPicPr>
+        <p:blipFill>
+          <a:blip r:embed="rId4"/>
+          <a:stretch>
+            <a:fillRect/>
+          </a:stretch>
+        </p:blipFill>
+        <p:spPr>
+          <a:xfrm>
+            <a:off x="289812" y="4077072"/>
+            <a:ext cx="8610600" cy="1647825"/>
+          </a:xfrm>
+          <a:prstGeom prst="rect">
+            <a:avLst/>
+          </a:prstGeom>
+        </p:spPr>
+      </p:pic>
+    </p:spTree>
+    <p:extLst>
+      <p:ext uri="{BB962C8B-B14F-4D97-AF65-F5344CB8AC3E}">
+        <p14:creationId xmlns:p14="http://schemas.microsoft.com/office/powerpoint/2010/main" val="1496524439"/>
+      </p:ext>
+    </p:extLst>
+  </p:cSld>
+  <p:clrMapOvr>
+    <a:masterClrMapping/>
+  </p:clrMapOvr>
+  <mc:AlternateContent xmlns:mc="http://schemas.openxmlformats.org/markup-compatibility/2006" xmlns:p14="http://schemas.microsoft.com/office/powerpoint/2010/main">
+    <mc:Choice Requires="p14">
+      <p:transition spd="med" p14:dur="700">
+        <p:fade/>
+      </p:transition>
+    </mc:Choice>
+    <mc:Fallback xmlns="">
+      <p:transition spd="med">
+        <p:fade/>
+      </p:transition>
+    </mc:Fallback>
+  </mc:AlternateContent>
+  <p:timing>
+    <p:tnLst>
+      <p:par>
+        <p:cTn id="1" dur="indefinite" restart="never" nodeType="tmRoot"/>
+      </p:par>
+    </p:tnLst>
+  </p:timing>
+</p:sld>
+</file>
+
+<file path=ppt/slides/slide25.xml><?xml version="1.0" encoding="utf-8"?>
+<p:sld xmlns:a="http://schemas.openxmlformats.org/drawingml/2006/main" xmlns:r="http://schemas.openxmlformats.org/officeDocument/2006/relationships" xmlns:p="http://schemas.openxmlformats.org/presentationml/2006/main">
+  <p:cSld>
+    <p:bg>
+      <p:bgPr>
+        <a:blipFill dpi="0" rotWithShape="1">
+          <a:blip r:embed="rId3">
+            <a:lum/>
+          </a:blip>
+          <a:srcRect/>
+          <a:stretch>
+            <a:fillRect/>
+          </a:stretch>
+        </a:blipFill>
+        <a:effectLst/>
+      </p:bgPr>
+    </p:bg>
+    <p:spTree>
+      <p:nvGrpSpPr>
+        <p:cNvPr id="1" name=""/>
+        <p:cNvGrpSpPr/>
+        <p:nvPr/>
+      </p:nvGrpSpPr>
+      <p:grpSpPr>
+        <a:xfrm>
+          <a:off x="0" y="0"/>
+          <a:ext cx="0" cy="0"/>
+          <a:chOff x="0" y="0"/>
+          <a:chExt cx="0" cy="0"/>
+        </a:xfrm>
+      </p:grpSpPr>
+      <p:sp>
+        <p:nvSpPr>
+          <p:cNvPr id="3" name="文字方塊 2"/>
+          <p:cNvSpPr txBox="1"/>
+          <p:nvPr/>
+        </p:nvSpPr>
+        <p:spPr>
+          <a:xfrm>
+            <a:off x="216000" y="417210"/>
+            <a:ext cx="550151" cy="461665"/>
+          </a:xfrm>
+          <a:prstGeom prst="rect">
+            <a:avLst/>
+          </a:prstGeom>
+          <a:noFill/>
+        </p:spPr>
+        <p:txBody>
+          <a:bodyPr wrap="none" rtlCol="0">
+            <a:spAutoFit/>
+          </a:bodyPr>
+          <a:lstStyle/>
+          <a:p>
+            <a:pPr algn="ctr"/>
+            <a:r>
+              <a:rPr lang="en-US" altLang="zh-TW" sz="2400" b="1" i="1" dirty="0" smtClean="0">
+                <a:latin typeface="微軟正黑體" panose="020B0604030504040204" pitchFamily="34" charset="-120"/>
+                <a:ea typeface="微軟正黑體" panose="020B0604030504040204" pitchFamily="34" charset="-120"/>
+              </a:rPr>
+              <a:t>11</a:t>
+            </a:r>
+            <a:endParaRPr lang="zh-TW" altLang="en-US" sz="2400" b="1" i="1" dirty="0">
+              <a:latin typeface="微軟正黑體" panose="020B0604030504040204" pitchFamily="34" charset="-120"/>
+              <a:ea typeface="微軟正黑體" panose="020B0604030504040204" pitchFamily="34" charset="-120"/>
+            </a:endParaRPr>
+          </a:p>
+        </p:txBody>
+      </p:sp>
+      <p:sp>
+        <p:nvSpPr>
+          <p:cNvPr id="9" name="投影片編號版面配置區 7"/>
+          <p:cNvSpPr txBox="1">
+            <a:spLocks/>
+          </p:cNvSpPr>
+          <p:nvPr/>
+        </p:nvSpPr>
+        <p:spPr>
+          <a:xfrm>
+            <a:off x="8684388" y="6381328"/>
+            <a:ext cx="432048" cy="365125"/>
+          </a:xfrm>
+          <a:prstGeom prst="rect">
+            <a:avLst/>
+          </a:prstGeom>
+        </p:spPr>
+        <p:txBody>
+          <a:bodyPr vert="horz" lIns="91440" tIns="45720" rIns="91440" bIns="45720" rtlCol="0" anchor="ctr"/>
+          <a:lstStyle>
+            <a:defPPr>
+              <a:defRPr lang="zh-TW"/>
+            </a:defPPr>
+            <a:lvl1pPr marL="0" algn="r" defTabSz="914400" rtl="0" eaLnBrk="1" latinLnBrk="0" hangingPunct="1">
+              <a:defRPr sz="1200" kern="1200">
+                <a:solidFill>
+                  <a:schemeClr val="tx1">
+                    <a:tint val="75000"/>
+                  </a:schemeClr>
+                </a:solidFill>
+                <a:latin typeface="+mn-lt"/>
+                <a:ea typeface="+mn-ea"/>
+                <a:cs typeface="+mn-cs"/>
+              </a:defRPr>
+            </a:lvl1pPr>
+            <a:lvl2pPr marL="457200" algn="l" defTabSz="914400" rtl="0" eaLnBrk="1" latinLnBrk="0" hangingPunct="1">
+              <a:defRPr sz="1800" kern="1200">
+                <a:solidFill>
+                  <a:schemeClr val="tx1"/>
+                </a:solidFill>
+                <a:latin typeface="+mn-lt"/>
+                <a:ea typeface="+mn-ea"/>
+                <a:cs typeface="+mn-cs"/>
+              </a:defRPr>
+            </a:lvl2pPr>
+            <a:lvl3pPr marL="914400" algn="l" defTabSz="914400" rtl="0" eaLnBrk="1" latinLnBrk="0" hangingPunct="1">
+              <a:defRPr sz="1800" kern="1200">
+                <a:solidFill>
+                  <a:schemeClr val="tx1"/>
+                </a:solidFill>
+                <a:latin typeface="+mn-lt"/>
+                <a:ea typeface="+mn-ea"/>
+                <a:cs typeface="+mn-cs"/>
+              </a:defRPr>
+            </a:lvl3pPr>
+            <a:lvl4pPr marL="1371600" algn="l" defTabSz="914400" rtl="0" eaLnBrk="1" latinLnBrk="0" hangingPunct="1">
+              <a:defRPr sz="1800" kern="1200">
+                <a:solidFill>
+                  <a:schemeClr val="tx1"/>
+                </a:solidFill>
+                <a:latin typeface="+mn-lt"/>
+                <a:ea typeface="+mn-ea"/>
+                <a:cs typeface="+mn-cs"/>
+              </a:defRPr>
+            </a:lvl4pPr>
+            <a:lvl5pPr marL="1828800" algn="l" defTabSz="914400" rtl="0" eaLnBrk="1" latinLnBrk="0" hangingPunct="1">
+              <a:defRPr sz="1800" kern="1200">
+                <a:solidFill>
+                  <a:schemeClr val="tx1"/>
+                </a:solidFill>
+                <a:latin typeface="+mn-lt"/>
+                <a:ea typeface="+mn-ea"/>
+                <a:cs typeface="+mn-cs"/>
+              </a:defRPr>
+            </a:lvl5pPr>
+            <a:lvl6pPr marL="2286000" algn="l" defTabSz="914400" rtl="0" eaLnBrk="1" latinLnBrk="0" hangingPunct="1">
+              <a:defRPr sz="1800" kern="1200">
+                <a:solidFill>
+                  <a:schemeClr val="tx1"/>
+                </a:solidFill>
+                <a:latin typeface="+mn-lt"/>
+                <a:ea typeface="+mn-ea"/>
+                <a:cs typeface="+mn-cs"/>
+              </a:defRPr>
+            </a:lvl6pPr>
+            <a:lvl7pPr marL="2743200" algn="l" defTabSz="914400" rtl="0" eaLnBrk="1" latinLnBrk="0" hangingPunct="1">
+              <a:defRPr sz="1800" kern="1200">
+                <a:solidFill>
+                  <a:schemeClr val="tx1"/>
+                </a:solidFill>
+                <a:latin typeface="+mn-lt"/>
+                <a:ea typeface="+mn-ea"/>
+                <a:cs typeface="+mn-cs"/>
+              </a:defRPr>
+            </a:lvl7pPr>
+            <a:lvl8pPr marL="3200400" algn="l" defTabSz="914400" rtl="0" eaLnBrk="1" latinLnBrk="0" hangingPunct="1">
+              <a:defRPr sz="1800" kern="1200">
+                <a:solidFill>
+                  <a:schemeClr val="tx1"/>
+                </a:solidFill>
+                <a:latin typeface="+mn-lt"/>
+                <a:ea typeface="+mn-ea"/>
+                <a:cs typeface="+mn-cs"/>
+              </a:defRPr>
+            </a:lvl8pPr>
+            <a:lvl9pPr marL="3657600" algn="l" defTabSz="914400" rtl="0" eaLnBrk="1" latinLnBrk="0" hangingPunct="1">
+              <a:defRPr sz="1800" kern="1200">
+                <a:solidFill>
+                  <a:schemeClr val="tx1"/>
+                </a:solidFill>
+                <a:latin typeface="+mn-lt"/>
+                <a:ea typeface="+mn-ea"/>
+                <a:cs typeface="+mn-cs"/>
+              </a:defRPr>
+            </a:lvl9pPr>
+          </a:lstStyle>
+          <a:p>
+            <a:pPr algn="ctr"/>
+            <a:fld id="{9F135CD2-3DB0-4302-AB2B-700846BC90E2}" type="slidenum">
+              <a:rPr lang="zh-TW" altLang="en-US" sz="1600" b="1" smtClean="0">
+                <a:latin typeface="Arial" panose="020B0604020202020204" pitchFamily="34" charset="0"/>
+                <a:ea typeface="微軟正黑體" panose="020B0604030504040204" pitchFamily="34" charset="-120"/>
+                <a:cs typeface="Arial" panose="020B0604020202020204" pitchFamily="34" charset="0"/>
+              </a:rPr>
+              <a:pPr algn="ctr"/>
+              <a:t>25</a:t>
+            </a:fld>
+            <a:endParaRPr lang="zh-TW" altLang="en-US" sz="1600" b="1" dirty="0">
+              <a:latin typeface="Arial" panose="020B0604020202020204" pitchFamily="34" charset="0"/>
+              <a:ea typeface="微軟正黑體" panose="020B0604030504040204" pitchFamily="34" charset="-120"/>
+              <a:cs typeface="Arial" panose="020B0604020202020204" pitchFamily="34" charset="0"/>
+            </a:endParaRPr>
+          </a:p>
+        </p:txBody>
+      </p:sp>
+      <p:sp>
+        <p:nvSpPr>
+          <p:cNvPr id="10" name="文字方塊 9"/>
+          <p:cNvSpPr txBox="1"/>
+          <p:nvPr/>
+        </p:nvSpPr>
+        <p:spPr>
+          <a:xfrm>
+            <a:off x="813962" y="421214"/>
+            <a:ext cx="1261884" cy="415498"/>
+          </a:xfrm>
+          <a:prstGeom prst="rect">
+            <a:avLst/>
+          </a:prstGeom>
+          <a:noFill/>
+        </p:spPr>
+        <p:txBody>
+          <a:bodyPr wrap="none" rtlCol="0">
+            <a:spAutoFit/>
+          </a:bodyPr>
+          <a:lstStyle/>
+          <a:p>
+            <a:r>
+              <a:rPr lang="zh-TW" altLang="en-US" sz="2100" b="1" dirty="0" smtClean="0">
+                <a:solidFill>
+                  <a:srgbClr val="E13763"/>
+                </a:solidFill>
+                <a:latin typeface="微軟正黑體" panose="020B0604030504040204" pitchFamily="34" charset="-120"/>
+                <a:ea typeface="微軟正黑體" panose="020B0604030504040204" pitchFamily="34" charset="-120"/>
+              </a:rPr>
+              <a:t>動畫事件</a:t>
+            </a:r>
+            <a:endParaRPr lang="en-US" altLang="zh-TW" sz="2100" b="1" dirty="0" smtClean="0">
+              <a:solidFill>
+                <a:srgbClr val="E13763"/>
+              </a:solidFill>
+              <a:latin typeface="微軟正黑體" panose="020B0604030504040204" pitchFamily="34" charset="-120"/>
+              <a:ea typeface="微軟正黑體" panose="020B0604030504040204" pitchFamily="34" charset="-120"/>
+            </a:endParaRPr>
+          </a:p>
+        </p:txBody>
+      </p:sp>
+      <p:sp>
+        <p:nvSpPr>
+          <p:cNvPr id="12" name="文字方塊 11"/>
+          <p:cNvSpPr txBox="1"/>
+          <p:nvPr/>
+        </p:nvSpPr>
+        <p:spPr>
+          <a:xfrm>
+            <a:off x="813962" y="1484784"/>
             <a:ext cx="7718478" cy="3000821"/>
           </a:xfrm>
           <a:prstGeom prst="rect">
@@ -14833,17 +15417,7 @@
                 <a:latin typeface="微軟正黑體" panose="020B0604030504040204" pitchFamily="34" charset="-120"/>
                 <a:ea typeface="微軟正黑體" panose="020B0604030504040204" pitchFamily="34" charset="-120"/>
               </a:rPr>
-              <a:t>結束</a:t>
-            </a:r>
-            <a:r>
-              <a:rPr lang="zh-TW" altLang="en-US" dirty="0" smtClean="0">
-                <a:solidFill>
-                  <a:schemeClr val="bg1"/>
-                </a:solidFill>
-                <a:latin typeface="微軟正黑體" panose="020B0604030504040204" pitchFamily="34" charset="-120"/>
-                <a:ea typeface="微軟正黑體" panose="020B0604030504040204" pitchFamily="34" charset="-120"/>
-              </a:rPr>
-              <a:t>：</a:t>
+              <a:t>結束：</a:t>
             </a:r>
             <a:endParaRPr lang="en-US" altLang="zh-TW" dirty="0" smtClean="0">
               <a:solidFill>
@@ -14977,7 +15551,87 @@
                 <a:latin typeface="微軟正黑體" panose="020B0604030504040204" pitchFamily="34" charset="-120"/>
                 <a:ea typeface="微軟正黑體" panose="020B0604030504040204" pitchFamily="34" charset="-120"/>
               </a:rPr>
-              <a:t> 事件：動畫有定義其他事件發生時觸發，例如跑步時角落地的那一瞬間。</a:t>
+              <a:t> 事件：動畫有定義其他事件發生時觸發，例如跑步</a:t>
+            </a:r>
+            <a:r>
+              <a:rPr lang="zh-TW" altLang="en-US" dirty="0" smtClean="0">
+                <a:solidFill>
+                  <a:schemeClr val="bg1"/>
+                </a:solidFill>
+                <a:latin typeface="微軟正黑體" panose="020B0604030504040204" pitchFamily="34" charset="-120"/>
+                <a:ea typeface="微軟正黑體" panose="020B0604030504040204" pitchFamily="34" charset="-120"/>
+              </a:rPr>
+              <a:t>時</a:t>
+            </a:r>
+            <a:r>
+              <a:rPr lang="zh-TW" altLang="en-US" dirty="0">
+                <a:solidFill>
+                  <a:schemeClr val="bg1"/>
+                </a:solidFill>
+                <a:latin typeface="微軟正黑體" panose="020B0604030504040204" pitchFamily="34" charset="-120"/>
+                <a:ea typeface="微軟正黑體" panose="020B0604030504040204" pitchFamily="34" charset="-120"/>
+              </a:rPr>
+              <a:t>腳</a:t>
+            </a:r>
+            <a:r>
+              <a:rPr lang="zh-TW" altLang="en-US" dirty="0" smtClean="0">
+                <a:solidFill>
+                  <a:schemeClr val="bg1"/>
+                </a:solidFill>
+                <a:latin typeface="微軟正黑體" panose="020B0604030504040204" pitchFamily="34" charset="-120"/>
+                <a:ea typeface="微軟正黑體" panose="020B0604030504040204" pitchFamily="34" charset="-120"/>
+              </a:rPr>
+              <a:t>落地</a:t>
+            </a:r>
+            <a:r>
+              <a:rPr lang="zh-TW" altLang="en-US" dirty="0" smtClean="0">
+                <a:solidFill>
+                  <a:schemeClr val="bg1"/>
+                </a:solidFill>
+                <a:latin typeface="微軟正黑體" panose="020B0604030504040204" pitchFamily="34" charset="-120"/>
+                <a:ea typeface="微軟正黑體" panose="020B0604030504040204" pitchFamily="34" charset="-120"/>
+              </a:rPr>
+              <a:t>的那一瞬間</a:t>
+            </a:r>
+            <a:r>
+              <a:rPr lang="zh-TW" altLang="en-US" dirty="0" smtClean="0">
+                <a:solidFill>
+                  <a:schemeClr val="bg1"/>
+                </a:solidFill>
+                <a:latin typeface="微軟正黑體" panose="020B0604030504040204" pitchFamily="34" charset="-120"/>
+                <a:ea typeface="微軟正黑體" panose="020B0604030504040204" pitchFamily="34" charset="-120"/>
+              </a:rPr>
+              <a:t>。</a:t>
+            </a:r>
+            <a:r>
+              <a:rPr lang="en-US" altLang="zh-TW" dirty="0" smtClean="0">
+                <a:solidFill>
+                  <a:schemeClr val="bg1"/>
+                </a:solidFill>
+                <a:latin typeface="微軟正黑體" panose="020B0604030504040204" pitchFamily="34" charset="-120"/>
+                <a:ea typeface="微軟正黑體" panose="020B0604030504040204" pitchFamily="34" charset="-120"/>
+              </a:rPr>
+              <a:t>(</a:t>
+            </a:r>
+            <a:r>
+              <a:rPr lang="zh-TW" altLang="en-US" dirty="0" smtClean="0">
+                <a:solidFill>
+                  <a:schemeClr val="bg1"/>
+                </a:solidFill>
+                <a:latin typeface="微軟正黑體" panose="020B0604030504040204" pitchFamily="34" charset="-120"/>
+                <a:ea typeface="微軟正黑體" panose="020B0604030504040204" pitchFamily="34" charset="-120"/>
+              </a:rPr>
+              <a:t>取得事件名稱：</a:t>
+            </a:r>
+            <a:r>
+              <a:rPr lang="en-US" altLang="zh-TW" dirty="0" smtClean="0">
+                <a:solidFill>
+                  <a:schemeClr val="bg1"/>
+                </a:solidFill>
+                <a:latin typeface="微軟正黑體" panose="020B0604030504040204" pitchFamily="34" charset="-120"/>
+                <a:ea typeface="微軟正黑體" panose="020B0604030504040204" pitchFamily="34" charset="-120"/>
+              </a:rPr>
+              <a:t>event.data.name)</a:t>
             </a:r>
             <a:endParaRPr lang="en-US" altLang="zh-TW" dirty="0" smtClean="0">
               <a:solidFill>
@@ -17587,17 +18241,7 @@
                 <a:latin typeface="微軟正黑體" panose="020B0604030504040204" pitchFamily="34" charset="-120"/>
                 <a:ea typeface="微軟正黑體" panose="020B0604030504040204" pitchFamily="34" charset="-120"/>
               </a:rPr>
-              <a:t> 骨骼：骨架包含許多骨骼，每個骨骼都可以縮放、旋轉、移動等。父骨骼一經變換，其子骨骼也會受影響</a:t>
-            </a:r>
-            <a:r>
-              <a:rPr lang="zh-TW" altLang="en-US" dirty="0" smtClean="0">
-                <a:solidFill>
-                  <a:schemeClr val="bg1"/>
-                </a:solidFill>
-                <a:latin typeface="微軟正黑體" panose="020B0604030504040204" pitchFamily="34" charset="-120"/>
-                <a:ea typeface="微軟正黑體" panose="020B0604030504040204" pitchFamily="34" charset="-120"/>
-              </a:rPr>
-              <a:t>。</a:t>
+              <a:t> 骨骼：骨架包含許多骨骼，每個骨骼都可以縮放、旋轉、移動等。父骨骼一經變換，其子骨骼也會受影響。</a:t>
             </a:r>
           </a:p>
           <a:p>
@@ -18065,17 +18709,7 @@
                 <a:latin typeface="微軟正黑體" panose="020B0604030504040204" pitchFamily="34" charset="-120"/>
                 <a:ea typeface="微軟正黑體" panose="020B0604030504040204" pitchFamily="34" charset="-120"/>
               </a:rPr>
-              <a:t>皮膚組織附件</a:t>
-            </a:r>
-            <a:r>
-              <a:rPr lang="zh-TW" altLang="en-US" dirty="0" smtClean="0">
-                <a:solidFill>
-                  <a:schemeClr val="bg1"/>
-                </a:solidFill>
-                <a:latin typeface="微軟正黑體" panose="020B0604030504040204" pitchFamily="34" charset="-120"/>
-                <a:ea typeface="微軟正黑體" panose="020B0604030504040204" pitchFamily="34" charset="-120"/>
-              </a:rPr>
-              <a:t>。</a:t>
+              <a:t>皮膚組織附件。</a:t>
             </a:r>
             <a:endParaRPr lang="en-US" altLang="zh-TW" dirty="0" smtClean="0">
               <a:solidFill>
@@ -18861,35 +19495,18 @@
                 <a:latin typeface="微軟正黑體" panose="020B0604030504040204" pitchFamily="34" charset="-120"/>
                 <a:ea typeface="微軟正黑體" panose="020B0604030504040204" pitchFamily="34" charset="-120"/>
               </a:rPr>
-              <a:t> </a:t>
-            </a:r>
-            <a:r>
-              <a:rPr lang="zh-TW" altLang="en-US" sz="2100" b="1" dirty="0" smtClean="0">
+              <a:t> 軌</a:t>
+            </a:r>
+            <a:r>
+              <a:rPr lang="zh-TW" altLang="en-US" sz="2100" b="1" dirty="0">
                 <a:solidFill>
                   <a:srgbClr val="E13763"/>
                 </a:solidFill>
                 <a:latin typeface="微軟正黑體" panose="020B0604030504040204" pitchFamily="34" charset="-120"/>
                 <a:ea typeface="微軟正黑體" panose="020B0604030504040204" pitchFamily="34" charset="-120"/>
               </a:rPr>
-              <a:t>軌</a:t>
-            </a:r>
-            <a:r>
-              <a:rPr lang="zh-TW" altLang="en-US" sz="2100" b="1" dirty="0">
-                <a:solidFill>
-                  <a:srgbClr val="E13763"/>
-                </a:solidFill>
-                <a:latin typeface="微軟正黑體" panose="020B0604030504040204" pitchFamily="34" charset="-120"/>
-                <a:ea typeface="微軟正黑體" panose="020B0604030504040204" pitchFamily="34" charset="-120"/>
-              </a:rPr>
               <a:t>道</a:t>
             </a:r>
-            <a:endParaRPr lang="zh-TW" altLang="en-US" sz="2100" b="1" dirty="0">
-              <a:solidFill>
-                <a:srgbClr val="E13763"/>
-              </a:solidFill>
-              <a:latin typeface="微軟正黑體" panose="020B0604030504040204" pitchFamily="34" charset="-120"/>
-              <a:ea typeface="微軟正黑體" panose="020B0604030504040204" pitchFamily="34" charset="-120"/>
-            </a:endParaRPr>
           </a:p>
         </p:txBody>
       </p:sp>
